--- a/ch5 numpy.pptx
+++ b/ch5 numpy.pptx
@@ -7,7 +7,7 @@
     <p:sldMasterId id="2147485354" r:id="rId3"/>
   </p:sldMasterIdLst>
   <p:notesMasterIdLst>
-    <p:notesMasterId r:id="rId36"/>
+    <p:notesMasterId r:id="rId38"/>
   </p:notesMasterIdLst>
   <p:sldIdLst>
     <p:sldId id="535" r:id="rId4"/>
@@ -30,18 +30,20 @@
     <p:sldId id="608" r:id="rId21"/>
     <p:sldId id="609" r:id="rId22"/>
     <p:sldId id="624" r:id="rId23"/>
-    <p:sldId id="610" r:id="rId24"/>
-    <p:sldId id="611" r:id="rId25"/>
-    <p:sldId id="612" r:id="rId26"/>
-    <p:sldId id="613" r:id="rId27"/>
-    <p:sldId id="614" r:id="rId28"/>
-    <p:sldId id="615" r:id="rId29"/>
-    <p:sldId id="616" r:id="rId30"/>
-    <p:sldId id="617" r:id="rId31"/>
-    <p:sldId id="618" r:id="rId32"/>
-    <p:sldId id="619" r:id="rId33"/>
-    <p:sldId id="621" r:id="rId34"/>
-    <p:sldId id="620" r:id="rId35"/>
+    <p:sldId id="625" r:id="rId24"/>
+    <p:sldId id="626" r:id="rId25"/>
+    <p:sldId id="610" r:id="rId26"/>
+    <p:sldId id="611" r:id="rId27"/>
+    <p:sldId id="612" r:id="rId28"/>
+    <p:sldId id="613" r:id="rId29"/>
+    <p:sldId id="614" r:id="rId30"/>
+    <p:sldId id="615" r:id="rId31"/>
+    <p:sldId id="616" r:id="rId32"/>
+    <p:sldId id="617" r:id="rId33"/>
+    <p:sldId id="618" r:id="rId34"/>
+    <p:sldId id="619" r:id="rId35"/>
+    <p:sldId id="621" r:id="rId36"/>
+    <p:sldId id="620" r:id="rId37"/>
   </p:sldIdLst>
   <p:sldSz cx="9144000" cy="6858000" type="screen4x3"/>
   <p:notesSz cx="7099300" cy="10234613"/>
@@ -206,7 +208,8 @@
 <file path=ppt/revisionInfo.xml><?xml version="1.0" encoding="utf-8"?>
 <p1510:revInfo xmlns:a="http://schemas.openxmlformats.org/drawingml/2006/main" xmlns:r="http://schemas.openxmlformats.org/officeDocument/2006/relationships" xmlns:p1510="http://schemas.microsoft.com/office/powerpoint/2015/10/main">
   <p1510:revLst>
-    <p1510:client id="{6519C337-F83F-48E6-80F4-8728668C7C0C}" v="1" dt="2021-01-01T13:35:53.731"/>
+    <p1510:client id="{C16EB38B-6DB3-4B6D-90FF-16BC4A388674}" v="1" dt="2021-01-06T15:50:33.692"/>
+    <p1510:client id="{FD99DAB4-585E-4BD9-9B21-B0F7D7FC5D55}" v="64" dt="2021-01-07T08:17:47.377"/>
   </p1510:revLst>
 </p1510:revInfo>
 </file>
@@ -829,6 +832,170 @@
     </pc:docChg>
   </pc:docChgLst>
   <pc:docChgLst>
+    <pc:chgData name="KimNamhyoung" userId="442ac80a-8cd4-4165-8fc5-0e4ac214a370" providerId="ADAL" clId="{FD99DAB4-585E-4BD9-9B21-B0F7D7FC5D55}"/>
+    <pc:docChg chg="undo custSel addSld modSld">
+      <pc:chgData name="KimNamhyoung" userId="442ac80a-8cd4-4165-8fc5-0e4ac214a370" providerId="ADAL" clId="{FD99DAB4-585E-4BD9-9B21-B0F7D7FC5D55}" dt="2021-01-07T08:39:29.045" v="708" actId="20577"/>
+      <pc:docMkLst>
+        <pc:docMk/>
+      </pc:docMkLst>
+      <pc:sldChg chg="modSp mod">
+        <pc:chgData name="KimNamhyoung" userId="442ac80a-8cd4-4165-8fc5-0e4ac214a370" providerId="ADAL" clId="{FD99DAB4-585E-4BD9-9B21-B0F7D7FC5D55}" dt="2021-01-07T08:39:29.045" v="708" actId="20577"/>
+        <pc:sldMkLst>
+          <pc:docMk/>
+          <pc:sldMk cId="2654636951" sldId="598"/>
+        </pc:sldMkLst>
+        <pc:spChg chg="mod">
+          <ac:chgData name="KimNamhyoung" userId="442ac80a-8cd4-4165-8fc5-0e4ac214a370" providerId="ADAL" clId="{FD99DAB4-585E-4BD9-9B21-B0F7D7FC5D55}" dt="2021-01-07T08:39:29.045" v="708" actId="20577"/>
+          <ac:spMkLst>
+            <pc:docMk/>
+            <pc:sldMk cId="2654636951" sldId="598"/>
+            <ac:spMk id="11" creationId="{00000000-0000-0000-0000-000000000000}"/>
+          </ac:spMkLst>
+        </pc:spChg>
+      </pc:sldChg>
+      <pc:sldChg chg="modSp mod">
+        <pc:chgData name="KimNamhyoung" userId="442ac80a-8cd4-4165-8fc5-0e4ac214a370" providerId="ADAL" clId="{FD99DAB4-585E-4BD9-9B21-B0F7D7FC5D55}" dt="2021-01-07T08:34:54.623" v="704" actId="6549"/>
+        <pc:sldMkLst>
+          <pc:docMk/>
+          <pc:sldMk cId="3075961732" sldId="620"/>
+        </pc:sldMkLst>
+        <pc:spChg chg="mod">
+          <ac:chgData name="KimNamhyoung" userId="442ac80a-8cd4-4165-8fc5-0e4ac214a370" providerId="ADAL" clId="{FD99DAB4-585E-4BD9-9B21-B0F7D7FC5D55}" dt="2021-01-07T08:34:54.623" v="704" actId="6549"/>
+          <ac:spMkLst>
+            <pc:docMk/>
+            <pc:sldMk cId="3075961732" sldId="620"/>
+            <ac:spMk id="11" creationId="{00000000-0000-0000-0000-000000000000}"/>
+          </ac:spMkLst>
+        </pc:spChg>
+      </pc:sldChg>
+      <pc:sldChg chg="modSp mod">
+        <pc:chgData name="KimNamhyoung" userId="442ac80a-8cd4-4165-8fc5-0e4ac214a370" providerId="ADAL" clId="{FD99DAB4-585E-4BD9-9B21-B0F7D7FC5D55}" dt="2021-01-07T07:27:47.648" v="59" actId="20577"/>
+        <pc:sldMkLst>
+          <pc:docMk/>
+          <pc:sldMk cId="1176975988" sldId="624"/>
+        </pc:sldMkLst>
+        <pc:spChg chg="mod">
+          <ac:chgData name="KimNamhyoung" userId="442ac80a-8cd4-4165-8fc5-0e4ac214a370" providerId="ADAL" clId="{FD99DAB4-585E-4BD9-9B21-B0F7D7FC5D55}" dt="2021-01-07T07:27:47.648" v="59" actId="20577"/>
+          <ac:spMkLst>
+            <pc:docMk/>
+            <pc:sldMk cId="1176975988" sldId="624"/>
+            <ac:spMk id="4" creationId="{00000000-0000-0000-0000-000000000000}"/>
+          </ac:spMkLst>
+        </pc:spChg>
+      </pc:sldChg>
+      <pc:sldChg chg="addSp delSp modSp mod">
+        <pc:chgData name="KimNamhyoung" userId="442ac80a-8cd4-4165-8fc5-0e4ac214a370" providerId="ADAL" clId="{FD99DAB4-585E-4BD9-9B21-B0F7D7FC5D55}" dt="2021-01-07T07:59:35.365" v="164" actId="1076"/>
+        <pc:sldMkLst>
+          <pc:docMk/>
+          <pc:sldMk cId="4228750141" sldId="625"/>
+        </pc:sldMkLst>
+        <pc:spChg chg="add del">
+          <ac:chgData name="KimNamhyoung" userId="442ac80a-8cd4-4165-8fc5-0e4ac214a370" providerId="ADAL" clId="{FD99DAB4-585E-4BD9-9B21-B0F7D7FC5D55}" dt="2021-01-07T07:58:00.942" v="142"/>
+          <ac:spMkLst>
+            <pc:docMk/>
+            <pc:sldMk cId="4228750141" sldId="625"/>
+            <ac:spMk id="2" creationId="{E80516A5-1CD4-41A0-960E-258C8BAD5DD4}"/>
+          </ac:spMkLst>
+        </pc:spChg>
+        <pc:spChg chg="del mod">
+          <ac:chgData name="KimNamhyoung" userId="442ac80a-8cd4-4165-8fc5-0e4ac214a370" providerId="ADAL" clId="{FD99DAB4-585E-4BD9-9B21-B0F7D7FC5D55}" dt="2021-01-07T07:58:38.160" v="157" actId="478"/>
+          <ac:spMkLst>
+            <pc:docMk/>
+            <pc:sldMk cId="4228750141" sldId="625"/>
+            <ac:spMk id="4" creationId="{00000000-0000-0000-0000-000000000000}"/>
+          </ac:spMkLst>
+        </pc:spChg>
+        <pc:spChg chg="add del mod">
+          <ac:chgData name="KimNamhyoung" userId="442ac80a-8cd4-4165-8fc5-0e4ac214a370" providerId="ADAL" clId="{FD99DAB4-585E-4BD9-9B21-B0F7D7FC5D55}" dt="2021-01-07T07:58:35.711" v="156" actId="478"/>
+          <ac:spMkLst>
+            <pc:docMk/>
+            <pc:sldMk cId="4228750141" sldId="625"/>
+            <ac:spMk id="5" creationId="{2C8258F0-698C-4056-8946-752474EBC5AE}"/>
+          </ac:spMkLst>
+        </pc:spChg>
+        <pc:spChg chg="add del mod">
+          <ac:chgData name="KimNamhyoung" userId="442ac80a-8cd4-4165-8fc5-0e4ac214a370" providerId="ADAL" clId="{FD99DAB4-585E-4BD9-9B21-B0F7D7FC5D55}" dt="2021-01-07T07:58:12.913" v="146"/>
+          <ac:spMkLst>
+            <pc:docMk/>
+            <pc:sldMk cId="4228750141" sldId="625"/>
+            <ac:spMk id="7" creationId="{D3CAC3D0-E0D0-4316-86CF-44EC21345A1F}"/>
+          </ac:spMkLst>
+        </pc:spChg>
+        <pc:spChg chg="add del mod">
+          <ac:chgData name="KimNamhyoung" userId="442ac80a-8cd4-4165-8fc5-0e4ac214a370" providerId="ADAL" clId="{FD99DAB4-585E-4BD9-9B21-B0F7D7FC5D55}" dt="2021-01-07T07:58:12.913" v="146"/>
+          <ac:spMkLst>
+            <pc:docMk/>
+            <pc:sldMk cId="4228750141" sldId="625"/>
+            <ac:spMk id="8" creationId="{7F511F8A-D307-40CB-BECD-16EDE1224194}"/>
+          </ac:spMkLst>
+        </pc:spChg>
+        <pc:spChg chg="mod">
+          <ac:chgData name="KimNamhyoung" userId="442ac80a-8cd4-4165-8fc5-0e4ac214a370" providerId="ADAL" clId="{FD99DAB4-585E-4BD9-9B21-B0F7D7FC5D55}" dt="2021-01-07T07:59:13.523" v="162" actId="20577"/>
+          <ac:spMkLst>
+            <pc:docMk/>
+            <pc:sldMk cId="4228750141" sldId="625"/>
+            <ac:spMk id="11" creationId="{00000000-0000-0000-0000-000000000000}"/>
+          </ac:spMkLst>
+        </pc:spChg>
+        <pc:picChg chg="add mod">
+          <ac:chgData name="KimNamhyoung" userId="442ac80a-8cd4-4165-8fc5-0e4ac214a370" providerId="ADAL" clId="{FD99DAB4-585E-4BD9-9B21-B0F7D7FC5D55}" dt="2021-01-07T07:59:11.546" v="160" actId="1076"/>
+          <ac:picMkLst>
+            <pc:docMk/>
+            <pc:sldMk cId="4228750141" sldId="625"/>
+            <ac:picMk id="9" creationId="{73A73CD8-10C8-4732-A5BC-30A6AB4F0BBE}"/>
+          </ac:picMkLst>
+        </pc:picChg>
+        <pc:picChg chg="add mod">
+          <ac:chgData name="KimNamhyoung" userId="442ac80a-8cd4-4165-8fc5-0e4ac214a370" providerId="ADAL" clId="{FD99DAB4-585E-4BD9-9B21-B0F7D7FC5D55}" dt="2021-01-07T07:59:35.365" v="164" actId="1076"/>
+          <ac:picMkLst>
+            <pc:docMk/>
+            <pc:sldMk cId="4228750141" sldId="625"/>
+            <ac:picMk id="12" creationId="{A5A7A9A1-7115-47A4-A27F-37591EAD6DD0}"/>
+          </ac:picMkLst>
+        </pc:picChg>
+      </pc:sldChg>
+      <pc:sldChg chg="addSp delSp modSp add mod">
+        <pc:chgData name="KimNamhyoung" userId="442ac80a-8cd4-4165-8fc5-0e4ac214a370" providerId="ADAL" clId="{FD99DAB4-585E-4BD9-9B21-B0F7D7FC5D55}" dt="2021-01-07T08:00:17.660" v="303" actId="1076"/>
+        <pc:sldMkLst>
+          <pc:docMk/>
+          <pc:sldMk cId="557861339" sldId="626"/>
+        </pc:sldMkLst>
+        <pc:spChg chg="mod">
+          <ac:chgData name="KimNamhyoung" userId="442ac80a-8cd4-4165-8fc5-0e4ac214a370" providerId="ADAL" clId="{FD99DAB4-585E-4BD9-9B21-B0F7D7FC5D55}" dt="2021-01-07T08:00:16.981" v="302"/>
+          <ac:spMkLst>
+            <pc:docMk/>
+            <pc:sldMk cId="557861339" sldId="626"/>
+            <ac:spMk id="11" creationId="{00000000-0000-0000-0000-000000000000}"/>
+          </ac:spMkLst>
+        </pc:spChg>
+        <pc:picChg chg="add mod">
+          <ac:chgData name="KimNamhyoung" userId="442ac80a-8cd4-4165-8fc5-0e4ac214a370" providerId="ADAL" clId="{FD99DAB4-585E-4BD9-9B21-B0F7D7FC5D55}" dt="2021-01-07T08:00:17.660" v="303" actId="1076"/>
+          <ac:picMkLst>
+            <pc:docMk/>
+            <pc:sldMk cId="557861339" sldId="626"/>
+            <ac:picMk id="4" creationId="{D9D9071E-9538-487B-879D-8A1C370E0BD2}"/>
+          </ac:picMkLst>
+        </pc:picChg>
+        <pc:picChg chg="del">
+          <ac:chgData name="KimNamhyoung" userId="442ac80a-8cd4-4165-8fc5-0e4ac214a370" providerId="ADAL" clId="{FD99DAB4-585E-4BD9-9B21-B0F7D7FC5D55}" dt="2021-01-07T07:59:45.070" v="166" actId="478"/>
+          <ac:picMkLst>
+            <pc:docMk/>
+            <pc:sldMk cId="557861339" sldId="626"/>
+            <ac:picMk id="9" creationId="{73A73CD8-10C8-4732-A5BC-30A6AB4F0BBE}"/>
+          </ac:picMkLst>
+        </pc:picChg>
+        <pc:picChg chg="del">
+          <ac:chgData name="KimNamhyoung" userId="442ac80a-8cd4-4165-8fc5-0e4ac214a370" providerId="ADAL" clId="{FD99DAB4-585E-4BD9-9B21-B0F7D7FC5D55}" dt="2021-01-07T07:59:45.708" v="167" actId="478"/>
+          <ac:picMkLst>
+            <pc:docMk/>
+            <pc:sldMk cId="557861339" sldId="626"/>
+            <ac:picMk id="12" creationId="{A5A7A9A1-7115-47A4-A27F-37591EAD6DD0}"/>
+          </ac:picMkLst>
+        </pc:picChg>
+      </pc:sldChg>
+    </pc:docChg>
+  </pc:docChgLst>
+  <pc:docChgLst>
     <pc:chgData name="KimNamhyoung" userId="442ac80a-8cd4-4165-8fc5-0e4ac214a370" providerId="ADAL" clId="{A7C9DBC5-19C1-4F46-9F71-1C14A5EE2117}"/>
     <pc:docChg chg="custSel modSld">
       <pc:chgData name="KimNamhyoung" userId="442ac80a-8cd4-4165-8fc5-0e4ac214a370" providerId="ADAL" clId="{A7C9DBC5-19C1-4F46-9F71-1C14A5EE2117}" dt="2020-01-08T21:40:06.539" v="282" actId="313"/>
@@ -1239,6 +1406,37 @@
       </pc:sldChg>
     </pc:docChg>
   </pc:docChgLst>
+  <pc:docChgLst>
+    <pc:chgData name="KimNamhyoung" userId="442ac80a-8cd4-4165-8fc5-0e4ac214a370" providerId="ADAL" clId="{C16EB38B-6DB3-4B6D-90FF-16BC4A388674}"/>
+    <pc:docChg chg="custSel addSld modSld">
+      <pc:chgData name="KimNamhyoung" userId="442ac80a-8cd4-4165-8fc5-0e4ac214a370" providerId="ADAL" clId="{C16EB38B-6DB3-4B6D-90FF-16BC4A388674}" dt="2021-01-06T15:50:33.676" v="5"/>
+      <pc:docMkLst>
+        <pc:docMk/>
+      </pc:docMkLst>
+      <pc:sldChg chg="modSp mod">
+        <pc:chgData name="KimNamhyoung" userId="442ac80a-8cd4-4165-8fc5-0e4ac214a370" providerId="ADAL" clId="{C16EB38B-6DB3-4B6D-90FF-16BC4A388674}" dt="2021-01-06T13:19:35.728" v="4" actId="5793"/>
+        <pc:sldMkLst>
+          <pc:docMk/>
+          <pc:sldMk cId="2654636951" sldId="598"/>
+        </pc:sldMkLst>
+        <pc:spChg chg="mod">
+          <ac:chgData name="KimNamhyoung" userId="442ac80a-8cd4-4165-8fc5-0e4ac214a370" providerId="ADAL" clId="{C16EB38B-6DB3-4B6D-90FF-16BC4A388674}" dt="2021-01-06T13:19:35.728" v="4" actId="5793"/>
+          <ac:spMkLst>
+            <pc:docMk/>
+            <pc:sldMk cId="2654636951" sldId="598"/>
+            <ac:spMk id="11" creationId="{00000000-0000-0000-0000-000000000000}"/>
+          </ac:spMkLst>
+        </pc:spChg>
+      </pc:sldChg>
+      <pc:sldChg chg="add">
+        <pc:chgData name="KimNamhyoung" userId="442ac80a-8cd4-4165-8fc5-0e4ac214a370" providerId="ADAL" clId="{C16EB38B-6DB3-4B6D-90FF-16BC4A388674}" dt="2021-01-06T15:50:33.676" v="5"/>
+        <pc:sldMkLst>
+          <pc:docMk/>
+          <pc:sldMk cId="4228750141" sldId="625"/>
+        </pc:sldMkLst>
+      </pc:sldChg>
+    </pc:docChg>
+  </pc:docChgLst>
 </pc:chgInfo>
 </file>
 
@@ -3127,7 +3325,7 @@
     </p:spTree>
     <p:extLst>
       <p:ext uri="{BB962C8B-B14F-4D97-AF65-F5344CB8AC3E}">
-        <p14:creationId xmlns:p14="http://schemas.microsoft.com/office/powerpoint/2010/main" val="4205113971"/>
+        <p14:creationId xmlns:p14="http://schemas.microsoft.com/office/powerpoint/2010/main" val="3008104768"/>
       </p:ext>
     </p:extLst>
   </p:cSld>
@@ -3238,7 +3436,7 @@
     </p:spTree>
     <p:extLst>
       <p:ext uri="{BB962C8B-B14F-4D97-AF65-F5344CB8AC3E}">
-        <p14:creationId xmlns:p14="http://schemas.microsoft.com/office/powerpoint/2010/main" val="2364469177"/>
+        <p14:creationId xmlns:p14="http://schemas.microsoft.com/office/powerpoint/2010/main" val="2992910968"/>
       </p:ext>
     </p:extLst>
   </p:cSld>
@@ -3349,7 +3547,7 @@
     </p:spTree>
     <p:extLst>
       <p:ext uri="{BB962C8B-B14F-4D97-AF65-F5344CB8AC3E}">
-        <p14:creationId xmlns:p14="http://schemas.microsoft.com/office/powerpoint/2010/main" val="852922312"/>
+        <p14:creationId xmlns:p14="http://schemas.microsoft.com/office/powerpoint/2010/main" val="4205113971"/>
       </p:ext>
     </p:extLst>
   </p:cSld>
@@ -3460,7 +3658,7 @@
     </p:spTree>
     <p:extLst>
       <p:ext uri="{BB962C8B-B14F-4D97-AF65-F5344CB8AC3E}">
-        <p14:creationId xmlns:p14="http://schemas.microsoft.com/office/powerpoint/2010/main" val="3327082719"/>
+        <p14:creationId xmlns:p14="http://schemas.microsoft.com/office/powerpoint/2010/main" val="2364469177"/>
       </p:ext>
     </p:extLst>
   </p:cSld>
@@ -3571,7 +3769,7 @@
     </p:spTree>
     <p:extLst>
       <p:ext uri="{BB962C8B-B14F-4D97-AF65-F5344CB8AC3E}">
-        <p14:creationId xmlns:p14="http://schemas.microsoft.com/office/powerpoint/2010/main" val="1531089731"/>
+        <p14:creationId xmlns:p14="http://schemas.microsoft.com/office/powerpoint/2010/main" val="852922312"/>
       </p:ext>
     </p:extLst>
   </p:cSld>
@@ -3682,7 +3880,7 @@
     </p:spTree>
     <p:extLst>
       <p:ext uri="{BB962C8B-B14F-4D97-AF65-F5344CB8AC3E}">
-        <p14:creationId xmlns:p14="http://schemas.microsoft.com/office/powerpoint/2010/main" val="2354588371"/>
+        <p14:creationId xmlns:p14="http://schemas.microsoft.com/office/powerpoint/2010/main" val="3327082719"/>
       </p:ext>
     </p:extLst>
   </p:cSld>
@@ -3793,7 +3991,7 @@
     </p:spTree>
     <p:extLst>
       <p:ext uri="{BB962C8B-B14F-4D97-AF65-F5344CB8AC3E}">
-        <p14:creationId xmlns:p14="http://schemas.microsoft.com/office/powerpoint/2010/main" val="3843187662"/>
+        <p14:creationId xmlns:p14="http://schemas.microsoft.com/office/powerpoint/2010/main" val="1531089731"/>
       </p:ext>
     </p:extLst>
   </p:cSld>
@@ -3904,7 +4102,7 @@
     </p:spTree>
     <p:extLst>
       <p:ext uri="{BB962C8B-B14F-4D97-AF65-F5344CB8AC3E}">
-        <p14:creationId xmlns:p14="http://schemas.microsoft.com/office/powerpoint/2010/main" val="3150773143"/>
+        <p14:creationId xmlns:p14="http://schemas.microsoft.com/office/powerpoint/2010/main" val="2354588371"/>
       </p:ext>
     </p:extLst>
   </p:cSld>
@@ -4015,7 +4213,7 @@
     </p:spTree>
     <p:extLst>
       <p:ext uri="{BB962C8B-B14F-4D97-AF65-F5344CB8AC3E}">
-        <p14:creationId xmlns:p14="http://schemas.microsoft.com/office/powerpoint/2010/main" val="1765084563"/>
+        <p14:creationId xmlns:p14="http://schemas.microsoft.com/office/powerpoint/2010/main" val="3843187662"/>
       </p:ext>
     </p:extLst>
   </p:cSld>
@@ -4126,7 +4324,7 @@
     </p:spTree>
     <p:extLst>
       <p:ext uri="{BB962C8B-B14F-4D97-AF65-F5344CB8AC3E}">
-        <p14:creationId xmlns:p14="http://schemas.microsoft.com/office/powerpoint/2010/main" val="2168555902"/>
+        <p14:creationId xmlns:p14="http://schemas.microsoft.com/office/powerpoint/2010/main" val="3150773143"/>
       </p:ext>
     </p:extLst>
   </p:cSld>
@@ -4348,7 +4546,7 @@
     </p:spTree>
     <p:extLst>
       <p:ext uri="{BB962C8B-B14F-4D97-AF65-F5344CB8AC3E}">
-        <p14:creationId xmlns:p14="http://schemas.microsoft.com/office/powerpoint/2010/main" val="1129624611"/>
+        <p14:creationId xmlns:p14="http://schemas.microsoft.com/office/powerpoint/2010/main" val="1765084563"/>
       </p:ext>
     </p:extLst>
   </p:cSld>
@@ -4447,6 +4645,228 @@
                 <a:defRPr/>
               </a:pPr>
               <a:t>32</a:t>
+            </a:fld>
+            <a:endParaRPr lang="en-US" altLang="ko-KR">
+              <a:solidFill>
+                <a:prstClr val="black"/>
+              </a:solidFill>
+            </a:endParaRPr>
+          </a:p>
+        </p:txBody>
+      </p:sp>
+    </p:spTree>
+    <p:extLst>
+      <p:ext uri="{BB962C8B-B14F-4D97-AF65-F5344CB8AC3E}">
+        <p14:creationId xmlns:p14="http://schemas.microsoft.com/office/powerpoint/2010/main" val="2168555902"/>
+      </p:ext>
+    </p:extLst>
+  </p:cSld>
+  <p:clrMapOvr>
+    <a:masterClrMapping/>
+  </p:clrMapOvr>
+</p:notes>
+</file>
+
+<file path=ppt/notesSlides/notesSlide32.xml><?xml version="1.0" encoding="utf-8"?>
+<p:notes xmlns:a="http://schemas.openxmlformats.org/drawingml/2006/main" xmlns:r="http://schemas.openxmlformats.org/officeDocument/2006/relationships" xmlns:p="http://schemas.openxmlformats.org/presentationml/2006/main">
+  <p:cSld>
+    <p:spTree>
+      <p:nvGrpSpPr>
+        <p:cNvPr id="1" name=""/>
+        <p:cNvGrpSpPr/>
+        <p:nvPr/>
+      </p:nvGrpSpPr>
+      <p:grpSpPr>
+        <a:xfrm>
+          <a:off x="0" y="0"/>
+          <a:ext cx="0" cy="0"/>
+          <a:chOff x="0" y="0"/>
+          <a:chExt cx="0" cy="0"/>
+        </a:xfrm>
+      </p:grpSpPr>
+      <p:sp>
+        <p:nvSpPr>
+          <p:cNvPr id="2" name="슬라이드 이미지 개체 틀 1"/>
+          <p:cNvSpPr>
+            <a:spLocks noGrp="1" noRot="1" noChangeAspect="1"/>
+          </p:cNvSpPr>
+          <p:nvPr>
+            <p:ph type="sldImg"/>
+          </p:nvPr>
+        </p:nvSpPr>
+        <p:spPr>
+          <a:xfrm>
+            <a:off x="1143000" y="685800"/>
+            <a:ext cx="4572000" cy="3429000"/>
+          </a:xfrm>
+        </p:spPr>
+      </p:sp>
+      <p:sp>
+        <p:nvSpPr>
+          <p:cNvPr id="3" name="슬라이드 노트 개체 틀 2"/>
+          <p:cNvSpPr>
+            <a:spLocks noGrp="1"/>
+          </p:cNvSpPr>
+          <p:nvPr>
+            <p:ph type="body" idx="1"/>
+          </p:nvPr>
+        </p:nvSpPr>
+        <p:spPr/>
+        <p:txBody>
+          <a:bodyPr/>
+          <a:lstStyle/>
+          <a:p>
+            <a:endParaRPr lang="ko-KR" altLang="en-US" dirty="0"/>
+          </a:p>
+        </p:txBody>
+      </p:sp>
+      <p:sp>
+        <p:nvSpPr>
+          <p:cNvPr id="4" name="슬라이드 번호 개체 틀 3"/>
+          <p:cNvSpPr>
+            <a:spLocks noGrp="1"/>
+          </p:cNvSpPr>
+          <p:nvPr>
+            <p:ph type="sldNum" sz="quarter" idx="10"/>
+          </p:nvPr>
+        </p:nvSpPr>
+        <p:spPr>
+          <a:xfrm>
+            <a:off x="4021138" y="9721850"/>
+            <a:ext cx="3076575" cy="511175"/>
+          </a:xfrm>
+          <a:prstGeom prst="rect">
+            <a:avLst/>
+          </a:prstGeom>
+        </p:spPr>
+        <p:txBody>
+          <a:bodyPr/>
+          <a:lstStyle/>
+          <a:p>
+            <a:pPr>
+              <a:defRPr/>
+            </a:pPr>
+            <a:fld id="{7BFC1CD4-00F2-4EA7-8C31-7B07CD09CE95}" type="slidenum">
+              <a:rPr lang="en-US" altLang="ko-KR" smtClean="0">
+                <a:solidFill>
+                  <a:prstClr val="black"/>
+                </a:solidFill>
+              </a:rPr>
+              <a:pPr>
+                <a:defRPr/>
+              </a:pPr>
+              <a:t>33</a:t>
+            </a:fld>
+            <a:endParaRPr lang="en-US" altLang="ko-KR">
+              <a:solidFill>
+                <a:prstClr val="black"/>
+              </a:solidFill>
+            </a:endParaRPr>
+          </a:p>
+        </p:txBody>
+      </p:sp>
+    </p:spTree>
+    <p:extLst>
+      <p:ext uri="{BB962C8B-B14F-4D97-AF65-F5344CB8AC3E}">
+        <p14:creationId xmlns:p14="http://schemas.microsoft.com/office/powerpoint/2010/main" val="1129624611"/>
+      </p:ext>
+    </p:extLst>
+  </p:cSld>
+  <p:clrMapOvr>
+    <a:masterClrMapping/>
+  </p:clrMapOvr>
+</p:notes>
+</file>
+
+<file path=ppt/notesSlides/notesSlide33.xml><?xml version="1.0" encoding="utf-8"?>
+<p:notes xmlns:a="http://schemas.openxmlformats.org/drawingml/2006/main" xmlns:r="http://schemas.openxmlformats.org/officeDocument/2006/relationships" xmlns:p="http://schemas.openxmlformats.org/presentationml/2006/main">
+  <p:cSld>
+    <p:spTree>
+      <p:nvGrpSpPr>
+        <p:cNvPr id="1" name=""/>
+        <p:cNvGrpSpPr/>
+        <p:nvPr/>
+      </p:nvGrpSpPr>
+      <p:grpSpPr>
+        <a:xfrm>
+          <a:off x="0" y="0"/>
+          <a:ext cx="0" cy="0"/>
+          <a:chOff x="0" y="0"/>
+          <a:chExt cx="0" cy="0"/>
+        </a:xfrm>
+      </p:grpSpPr>
+      <p:sp>
+        <p:nvSpPr>
+          <p:cNvPr id="2" name="슬라이드 이미지 개체 틀 1"/>
+          <p:cNvSpPr>
+            <a:spLocks noGrp="1" noRot="1" noChangeAspect="1"/>
+          </p:cNvSpPr>
+          <p:nvPr>
+            <p:ph type="sldImg"/>
+          </p:nvPr>
+        </p:nvSpPr>
+        <p:spPr>
+          <a:xfrm>
+            <a:off x="1143000" y="685800"/>
+            <a:ext cx="4572000" cy="3429000"/>
+          </a:xfrm>
+        </p:spPr>
+      </p:sp>
+      <p:sp>
+        <p:nvSpPr>
+          <p:cNvPr id="3" name="슬라이드 노트 개체 틀 2"/>
+          <p:cNvSpPr>
+            <a:spLocks noGrp="1"/>
+          </p:cNvSpPr>
+          <p:nvPr>
+            <p:ph type="body" idx="1"/>
+          </p:nvPr>
+        </p:nvSpPr>
+        <p:spPr/>
+        <p:txBody>
+          <a:bodyPr/>
+          <a:lstStyle/>
+          <a:p>
+            <a:endParaRPr lang="ko-KR" altLang="en-US" dirty="0"/>
+          </a:p>
+        </p:txBody>
+      </p:sp>
+      <p:sp>
+        <p:nvSpPr>
+          <p:cNvPr id="4" name="슬라이드 번호 개체 틀 3"/>
+          <p:cNvSpPr>
+            <a:spLocks noGrp="1"/>
+          </p:cNvSpPr>
+          <p:nvPr>
+            <p:ph type="sldNum" sz="quarter" idx="10"/>
+          </p:nvPr>
+        </p:nvSpPr>
+        <p:spPr>
+          <a:xfrm>
+            <a:off x="4021138" y="9721850"/>
+            <a:ext cx="3076575" cy="511175"/>
+          </a:xfrm>
+          <a:prstGeom prst="rect">
+            <a:avLst/>
+          </a:prstGeom>
+        </p:spPr>
+        <p:txBody>
+          <a:bodyPr/>
+          <a:lstStyle/>
+          <a:p>
+            <a:pPr>
+              <a:defRPr/>
+            </a:pPr>
+            <a:fld id="{7BFC1CD4-00F2-4EA7-8C31-7B07CD09CE95}" type="slidenum">
+              <a:rPr lang="en-US" altLang="ko-KR" smtClean="0">
+                <a:solidFill>
+                  <a:prstClr val="black"/>
+                </a:solidFill>
+              </a:rPr>
+              <a:pPr>
+                <a:defRPr/>
+              </a:pPr>
+              <a:t>34</a:t>
             </a:fld>
             <a:endParaRPr lang="en-US" altLang="ko-KR">
               <a:solidFill>
@@ -21954,7 +22374,7 @@
                 <a:latin typeface="맑은 고딕" pitchFamily="50" charset="-127"/>
                 <a:ea typeface="맑은 고딕" pitchFamily="50" charset="-127"/>
               </a:rPr>
-              <a:t>(a, copy=false)  </a:t>
+              <a:t>(a, copy=False)  </a:t>
             </a:r>
             <a:r>
               <a:rPr lang="en-US" altLang="ko-KR" sz="1600" dirty="0">
@@ -22526,6 +22946,422 @@
 </file>
 
 <file path=ppt/slides/slide21.xml><?xml version="1.0" encoding="utf-8"?>
+<p:sld xmlns:a="http://schemas.openxmlformats.org/drawingml/2006/main" xmlns:r="http://schemas.openxmlformats.org/officeDocument/2006/relationships" xmlns:p="http://schemas.openxmlformats.org/presentationml/2006/main">
+  <p:cSld>
+    <p:spTree>
+      <p:nvGrpSpPr>
+        <p:cNvPr id="1" name=""/>
+        <p:cNvGrpSpPr/>
+        <p:nvPr/>
+      </p:nvGrpSpPr>
+      <p:grpSpPr>
+        <a:xfrm>
+          <a:off x="0" y="0"/>
+          <a:ext cx="0" cy="0"/>
+          <a:chOff x="0" y="0"/>
+          <a:chExt cx="0" cy="0"/>
+        </a:xfrm>
+      </p:grpSpPr>
+      <p:sp>
+        <p:nvSpPr>
+          <p:cNvPr id="3" name="제목 2"/>
+          <p:cNvSpPr>
+            <a:spLocks noGrp="1"/>
+          </p:cNvSpPr>
+          <p:nvPr>
+            <p:ph type="title"/>
+          </p:nvPr>
+        </p:nvSpPr>
+        <p:spPr/>
+        <p:txBody>
+          <a:bodyPr/>
+          <a:lstStyle/>
+          <a:p>
+            <a:r>
+              <a:rPr lang="en-US" altLang="ko-KR" dirty="0" err="1"/>
+              <a:t>Numpy</a:t>
+            </a:r>
+            <a:r>
+              <a:rPr lang="ko-KR" altLang="en-US" dirty="0"/>
+              <a:t> </a:t>
+            </a:r>
+            <a:r>
+              <a:rPr lang="en-US" altLang="ko-KR" dirty="0"/>
+              <a:t>- </a:t>
+            </a:r>
+            <a:r>
+              <a:rPr lang="en-US" altLang="ko-KR" dirty="0" err="1"/>
+              <a:t>ndarray</a:t>
+            </a:r>
+            <a:endParaRPr lang="ko-KR" altLang="en-US" dirty="0"/>
+          </a:p>
+        </p:txBody>
+      </p:sp>
+      <p:sp>
+        <p:nvSpPr>
+          <p:cNvPr id="11" name="텍스트 개체 틀 3"/>
+          <p:cNvSpPr>
+            <a:spLocks noGrp="1"/>
+          </p:cNvSpPr>
+          <p:nvPr>
+            <p:ph idx="1"/>
+          </p:nvPr>
+        </p:nvSpPr>
+        <p:spPr>
+          <a:xfrm>
+            <a:off x="323410" y="1052670"/>
+            <a:ext cx="8670925" cy="3724096"/>
+          </a:xfrm>
+          <a:noFill/>
+          <a:ln>
+            <a:noFill/>
+          </a:ln>
+          <a:extLst>
+            <a:ext uri="{909E8E84-426E-40DD-AFC4-6F175D3DCCD1}">
+              <a14:hiddenFill xmlns:a14="http://schemas.microsoft.com/office/drawing/2010/main">
+                <a:solidFill>
+                  <a:srgbClr val="FFFFFF"/>
+                </a:solidFill>
+              </a14:hiddenFill>
+            </a:ext>
+            <a:ext uri="{91240B29-F687-4F45-9708-019B960494DF}">
+              <a14:hiddenLine xmlns:a14="http://schemas.microsoft.com/office/drawing/2010/main" w="9525">
+                <a:solidFill>
+                  <a:srgbClr val="000000"/>
+                </a:solidFill>
+                <a:miter lim="800000"/>
+                <a:headEnd/>
+                <a:tailEnd/>
+              </a14:hiddenLine>
+            </a:ext>
+          </a:extLst>
+        </p:spPr>
+        <p:txBody>
+          <a:bodyPr vert="horz" wrap="square" lIns="0" tIns="0" rIns="0" bIns="0" numCol="1" anchor="t" anchorCtr="0" compatLnSpc="1">
+            <a:prstTxWarp prst="textNoShape">
+              <a:avLst/>
+            </a:prstTxWarp>
+            <a:spAutoFit/>
+          </a:bodyPr>
+          <a:lstStyle/>
+          <a:p>
+            <a:r>
+              <a:rPr lang="ko-KR" altLang="en-US" dirty="0"/>
+              <a:t>파이썬 리스트와 배열의 차이점</a:t>
+            </a:r>
+            <a:endParaRPr lang="en-US" altLang="ko-KR" dirty="0"/>
+          </a:p>
+          <a:p>
+            <a:pPr lvl="1"/>
+            <a:endParaRPr lang="en-US" altLang="ko-KR" dirty="0"/>
+          </a:p>
+          <a:p>
+            <a:pPr lvl="1"/>
+            <a:endParaRPr lang="en-US" altLang="ko-KR" dirty="0"/>
+          </a:p>
+          <a:p>
+            <a:pPr lvl="1"/>
+            <a:endParaRPr lang="en-US" altLang="ko-KR" dirty="0"/>
+          </a:p>
+          <a:p>
+            <a:pPr lvl="1"/>
+            <a:endParaRPr lang="en-US" altLang="ko-KR" dirty="0"/>
+          </a:p>
+          <a:p>
+            <a:pPr lvl="1"/>
+            <a:endParaRPr lang="en-US" altLang="ko-KR" dirty="0"/>
+          </a:p>
+          <a:p>
+            <a:pPr lvl="1"/>
+            <a:endParaRPr lang="en-US" altLang="ko-KR" dirty="0"/>
+          </a:p>
+          <a:p>
+            <a:pPr lvl="1"/>
+            <a:r>
+              <a:rPr lang="ko-KR" altLang="en-US" dirty="0"/>
+              <a:t>생김새가</a:t>
+            </a:r>
+            <a:r>
+              <a:rPr lang="en-US" altLang="ko-KR" dirty="0"/>
+              <a:t> </a:t>
+            </a:r>
+            <a:r>
+              <a:rPr lang="ko-KR" altLang="en-US" dirty="0"/>
+              <a:t>비슷하지만 같은 자료형은 아님</a:t>
+            </a:r>
+            <a:endParaRPr lang="en-US" altLang="ko-KR" dirty="0"/>
+          </a:p>
+          <a:p>
+            <a:pPr lvl="1"/>
+            <a:endParaRPr lang="en-US" altLang="ko-KR" dirty="0"/>
+          </a:p>
+          <a:p>
+            <a:pPr lvl="2"/>
+            <a:endParaRPr lang="en-US" altLang="ko-KR" dirty="0"/>
+          </a:p>
+        </p:txBody>
+      </p:sp>
+      <p:pic>
+        <p:nvPicPr>
+          <p:cNvPr id="9" name="그림 8">
+            <a:extLst>
+              <a:ext uri="{FF2B5EF4-FFF2-40B4-BE49-F238E27FC236}">
+                <a16:creationId xmlns:a16="http://schemas.microsoft.com/office/drawing/2014/main" id="{73A73CD8-10C8-4732-A5BC-30A6AB4F0BBE}"/>
+              </a:ext>
+            </a:extLst>
+          </p:cNvPr>
+          <p:cNvPicPr>
+            <a:picLocks noChangeAspect="1"/>
+          </p:cNvPicPr>
+          <p:nvPr/>
+        </p:nvPicPr>
+        <p:blipFill>
+          <a:blip r:embed="rId3"/>
+          <a:stretch>
+            <a:fillRect/>
+          </a:stretch>
+        </p:blipFill>
+        <p:spPr>
+          <a:xfrm>
+            <a:off x="1259632" y="1412776"/>
+            <a:ext cx="5514975" cy="2324100"/>
+          </a:xfrm>
+          <a:prstGeom prst="rect">
+            <a:avLst/>
+          </a:prstGeom>
+        </p:spPr>
+      </p:pic>
+      <p:pic>
+        <p:nvPicPr>
+          <p:cNvPr id="12" name="그림 11">
+            <a:extLst>
+              <a:ext uri="{FF2B5EF4-FFF2-40B4-BE49-F238E27FC236}">
+                <a16:creationId xmlns:a16="http://schemas.microsoft.com/office/drawing/2014/main" id="{A5A7A9A1-7115-47A4-A27F-37591EAD6DD0}"/>
+              </a:ext>
+            </a:extLst>
+          </p:cNvPr>
+          <p:cNvPicPr>
+            <a:picLocks noChangeAspect="1"/>
+          </p:cNvPicPr>
+          <p:nvPr/>
+        </p:nvPicPr>
+        <p:blipFill>
+          <a:blip r:embed="rId4"/>
+          <a:stretch>
+            <a:fillRect/>
+          </a:stretch>
+        </p:blipFill>
+        <p:spPr>
+          <a:xfrm>
+            <a:off x="1115616" y="4156276"/>
+            <a:ext cx="7486650" cy="2066925"/>
+          </a:xfrm>
+          <a:prstGeom prst="rect">
+            <a:avLst/>
+          </a:prstGeom>
+        </p:spPr>
+      </p:pic>
+    </p:spTree>
+    <p:extLst>
+      <p:ext uri="{BB962C8B-B14F-4D97-AF65-F5344CB8AC3E}">
+        <p14:creationId xmlns:p14="http://schemas.microsoft.com/office/powerpoint/2010/main" val="4228750141"/>
+      </p:ext>
+    </p:extLst>
+  </p:cSld>
+  <p:clrMapOvr>
+    <a:masterClrMapping/>
+  </p:clrMapOvr>
+</p:sld>
+</file>
+
+<file path=ppt/slides/slide22.xml><?xml version="1.0" encoding="utf-8"?>
+<p:sld xmlns:a="http://schemas.openxmlformats.org/drawingml/2006/main" xmlns:r="http://schemas.openxmlformats.org/officeDocument/2006/relationships" xmlns:p="http://schemas.openxmlformats.org/presentationml/2006/main">
+  <p:cSld>
+    <p:spTree>
+      <p:nvGrpSpPr>
+        <p:cNvPr id="1" name=""/>
+        <p:cNvGrpSpPr/>
+        <p:nvPr/>
+      </p:nvGrpSpPr>
+      <p:grpSpPr>
+        <a:xfrm>
+          <a:off x="0" y="0"/>
+          <a:ext cx="0" cy="0"/>
+          <a:chOff x="0" y="0"/>
+          <a:chExt cx="0" cy="0"/>
+        </a:xfrm>
+      </p:grpSpPr>
+      <p:sp>
+        <p:nvSpPr>
+          <p:cNvPr id="3" name="제목 2"/>
+          <p:cNvSpPr>
+            <a:spLocks noGrp="1"/>
+          </p:cNvSpPr>
+          <p:nvPr>
+            <p:ph type="title"/>
+          </p:nvPr>
+        </p:nvSpPr>
+        <p:spPr/>
+        <p:txBody>
+          <a:bodyPr/>
+          <a:lstStyle/>
+          <a:p>
+            <a:r>
+              <a:rPr lang="en-US" altLang="ko-KR" dirty="0" err="1"/>
+              <a:t>Numpy</a:t>
+            </a:r>
+            <a:r>
+              <a:rPr lang="ko-KR" altLang="en-US" dirty="0"/>
+              <a:t> </a:t>
+            </a:r>
+            <a:r>
+              <a:rPr lang="en-US" altLang="ko-KR" dirty="0"/>
+              <a:t>- </a:t>
+            </a:r>
+            <a:r>
+              <a:rPr lang="en-US" altLang="ko-KR" dirty="0" err="1"/>
+              <a:t>ndarray</a:t>
+            </a:r>
+            <a:endParaRPr lang="ko-KR" altLang="en-US" dirty="0"/>
+          </a:p>
+        </p:txBody>
+      </p:sp>
+      <p:sp>
+        <p:nvSpPr>
+          <p:cNvPr id="11" name="텍스트 개체 틀 3"/>
+          <p:cNvSpPr>
+            <a:spLocks noGrp="1"/>
+          </p:cNvSpPr>
+          <p:nvPr>
+            <p:ph idx="1"/>
+          </p:nvPr>
+        </p:nvSpPr>
+        <p:spPr>
+          <a:xfrm>
+            <a:off x="323410" y="1052670"/>
+            <a:ext cx="8670925" cy="3600986"/>
+          </a:xfrm>
+          <a:noFill/>
+          <a:ln>
+            <a:noFill/>
+          </a:ln>
+          <a:extLst>
+            <a:ext uri="{909E8E84-426E-40DD-AFC4-6F175D3DCCD1}">
+              <a14:hiddenFill xmlns:a14="http://schemas.microsoft.com/office/drawing/2010/main">
+                <a:solidFill>
+                  <a:srgbClr val="FFFFFF"/>
+                </a:solidFill>
+              </a14:hiddenFill>
+            </a:ext>
+            <a:ext uri="{91240B29-F687-4F45-9708-019B960494DF}">
+              <a14:hiddenLine xmlns:a14="http://schemas.microsoft.com/office/drawing/2010/main" w="9525">
+                <a:solidFill>
+                  <a:srgbClr val="000000"/>
+                </a:solidFill>
+                <a:miter lim="800000"/>
+                <a:headEnd/>
+                <a:tailEnd/>
+              </a14:hiddenLine>
+            </a:ext>
+          </a:extLst>
+        </p:spPr>
+        <p:txBody>
+          <a:bodyPr vert="horz" wrap="square" lIns="0" tIns="0" rIns="0" bIns="0" numCol="1" anchor="t" anchorCtr="0" compatLnSpc="1">
+            <a:prstTxWarp prst="textNoShape">
+              <a:avLst/>
+            </a:prstTxWarp>
+            <a:spAutoFit/>
+          </a:bodyPr>
+          <a:lstStyle/>
+          <a:p>
+            <a:r>
+              <a:rPr lang="ko-KR" altLang="en-US" dirty="0"/>
+              <a:t>파이썬 리스트와 배열의 차이점</a:t>
+            </a:r>
+            <a:endParaRPr lang="en-US" altLang="ko-KR" dirty="0"/>
+          </a:p>
+          <a:p>
+            <a:pPr lvl="1"/>
+            <a:endParaRPr lang="en-US" altLang="ko-KR" dirty="0"/>
+          </a:p>
+          <a:p>
+            <a:pPr lvl="1"/>
+            <a:endParaRPr lang="en-US" altLang="ko-KR" dirty="0"/>
+          </a:p>
+          <a:p>
+            <a:pPr lvl="1"/>
+            <a:endParaRPr lang="en-US" altLang="ko-KR" dirty="0"/>
+          </a:p>
+          <a:p>
+            <a:pPr lvl="1"/>
+            <a:endParaRPr lang="en-US" altLang="ko-KR" dirty="0"/>
+          </a:p>
+          <a:p>
+            <a:pPr lvl="1"/>
+            <a:endParaRPr lang="en-US" altLang="ko-KR" dirty="0"/>
+          </a:p>
+          <a:p>
+            <a:pPr lvl="1"/>
+            <a:endParaRPr lang="en-US" altLang="ko-KR" dirty="0"/>
+          </a:p>
+          <a:p>
+            <a:pPr lvl="1"/>
+            <a:r>
+              <a:rPr lang="ko-KR" altLang="en-US" dirty="0"/>
+              <a:t>이러한 기능은 대량의 데이터를 한꺼번에 처리할 때 리스트보다 배열이 경쟁력 있음을 보여줌</a:t>
+            </a:r>
+            <a:endParaRPr lang="en-US" altLang="ko-KR" dirty="0"/>
+          </a:p>
+          <a:p>
+            <a:pPr lvl="2"/>
+            <a:endParaRPr lang="en-US" altLang="ko-KR" dirty="0"/>
+          </a:p>
+        </p:txBody>
+      </p:sp>
+      <p:pic>
+        <p:nvPicPr>
+          <p:cNvPr id="4" name="그림 3">
+            <a:extLst>
+              <a:ext uri="{FF2B5EF4-FFF2-40B4-BE49-F238E27FC236}">
+                <a16:creationId xmlns:a16="http://schemas.microsoft.com/office/drawing/2014/main" id="{D9D9071E-9538-487B-879D-8A1C370E0BD2}"/>
+              </a:ext>
+            </a:extLst>
+          </p:cNvPr>
+          <p:cNvPicPr>
+            <a:picLocks noChangeAspect="1"/>
+          </p:cNvPicPr>
+          <p:nvPr/>
+        </p:nvPicPr>
+        <p:blipFill>
+          <a:blip r:embed="rId3"/>
+          <a:stretch>
+            <a:fillRect/>
+          </a:stretch>
+        </p:blipFill>
+        <p:spPr>
+          <a:xfrm>
+            <a:off x="1115616" y="1772816"/>
+            <a:ext cx="6257925" cy="1733550"/>
+          </a:xfrm>
+          <a:prstGeom prst="rect">
+            <a:avLst/>
+          </a:prstGeom>
+        </p:spPr>
+      </p:pic>
+    </p:spTree>
+    <p:extLst>
+      <p:ext uri="{BB962C8B-B14F-4D97-AF65-F5344CB8AC3E}">
+        <p14:creationId xmlns:p14="http://schemas.microsoft.com/office/powerpoint/2010/main" val="557861339"/>
+      </p:ext>
+    </p:extLst>
+  </p:cSld>
+  <p:clrMapOvr>
+    <a:masterClrMapping/>
+  </p:clrMapOvr>
+</p:sld>
+</file>
+
+<file path=ppt/slides/slide23.xml><?xml version="1.0" encoding="utf-8"?>
 <p:sld xmlns:a="http://schemas.openxmlformats.org/drawingml/2006/main" xmlns:r="http://schemas.openxmlformats.org/officeDocument/2006/relationships" xmlns:p="http://schemas.openxmlformats.org/presentationml/2006/main">
   <p:cSld>
     <p:spTree>
@@ -22760,7 +23596,7 @@
 </p:sld>
 </file>
 
-<file path=ppt/slides/slide22.xml><?xml version="1.0" encoding="utf-8"?>
+<file path=ppt/slides/slide24.xml><?xml version="1.0" encoding="utf-8"?>
 <p:sld xmlns:a="http://schemas.openxmlformats.org/drawingml/2006/main" xmlns:r="http://schemas.openxmlformats.org/officeDocument/2006/relationships" xmlns:p="http://schemas.openxmlformats.org/presentationml/2006/main">
   <p:cSld>
     <p:spTree>
@@ -23075,863 +23911,6 @@
     <p:extLst>
       <p:ext uri="{BB962C8B-B14F-4D97-AF65-F5344CB8AC3E}">
         <p14:creationId xmlns:p14="http://schemas.microsoft.com/office/powerpoint/2010/main" val="116334752"/>
-      </p:ext>
-    </p:extLst>
-  </p:cSld>
-  <p:clrMapOvr>
-    <a:masterClrMapping/>
-  </p:clrMapOvr>
-</p:sld>
-</file>
-
-<file path=ppt/slides/slide23.xml><?xml version="1.0" encoding="utf-8"?>
-<p:sld xmlns:a="http://schemas.openxmlformats.org/drawingml/2006/main" xmlns:r="http://schemas.openxmlformats.org/officeDocument/2006/relationships" xmlns:p="http://schemas.openxmlformats.org/presentationml/2006/main">
-  <p:cSld>
-    <p:spTree>
-      <p:nvGrpSpPr>
-        <p:cNvPr id="1" name=""/>
-        <p:cNvGrpSpPr/>
-        <p:nvPr/>
-      </p:nvGrpSpPr>
-      <p:grpSpPr>
-        <a:xfrm>
-          <a:off x="0" y="0"/>
-          <a:ext cx="0" cy="0"/>
-          <a:chOff x="0" y="0"/>
-          <a:chExt cx="0" cy="0"/>
-        </a:xfrm>
-      </p:grpSpPr>
-      <p:sp>
-        <p:nvSpPr>
-          <p:cNvPr id="3" name="제목 2"/>
-          <p:cNvSpPr>
-            <a:spLocks noGrp="1"/>
-          </p:cNvSpPr>
-          <p:nvPr>
-            <p:ph type="title"/>
-          </p:nvPr>
-        </p:nvSpPr>
-        <p:spPr/>
-        <p:txBody>
-          <a:bodyPr/>
-          <a:lstStyle/>
-          <a:p>
-            <a:r>
-              <a:rPr lang="ko-KR" altLang="en-US" dirty="0" err="1"/>
-              <a:t>유니버셜</a:t>
-            </a:r>
-            <a:r>
-              <a:rPr lang="ko-KR" altLang="en-US" dirty="0"/>
-              <a:t> 함수</a:t>
-            </a:r>
-          </a:p>
-        </p:txBody>
-      </p:sp>
-      <p:sp>
-        <p:nvSpPr>
-          <p:cNvPr id="11" name="텍스트 개체 틀 3"/>
-          <p:cNvSpPr>
-            <a:spLocks noGrp="1"/>
-          </p:cNvSpPr>
-          <p:nvPr>
-            <p:ph idx="1"/>
-          </p:nvPr>
-        </p:nvSpPr>
-        <p:spPr>
-          <a:xfrm>
-            <a:off x="323410" y="1052670"/>
-            <a:ext cx="8670925" cy="1538883"/>
-          </a:xfrm>
-          <a:noFill/>
-          <a:ln>
-            <a:noFill/>
-          </a:ln>
-          <a:extLst>
-            <a:ext uri="{909E8E84-426E-40DD-AFC4-6F175D3DCCD1}">
-              <a14:hiddenFill xmlns:a14="http://schemas.microsoft.com/office/drawing/2010/main">
-                <a:solidFill>
-                  <a:srgbClr val="FFFFFF"/>
-                </a:solidFill>
-              </a14:hiddenFill>
-            </a:ext>
-            <a:ext uri="{91240B29-F687-4F45-9708-019B960494DF}">
-              <a14:hiddenLine xmlns:a14="http://schemas.microsoft.com/office/drawing/2010/main" w="9525">
-                <a:solidFill>
-                  <a:srgbClr val="000000"/>
-                </a:solidFill>
-                <a:miter lim="800000"/>
-                <a:headEnd/>
-                <a:tailEnd/>
-              </a14:hiddenLine>
-            </a:ext>
-          </a:extLst>
-        </p:spPr>
-        <p:txBody>
-          <a:bodyPr vert="horz" wrap="square" lIns="0" tIns="0" rIns="0" bIns="0" numCol="1" anchor="t" anchorCtr="0" compatLnSpc="1">
-            <a:prstTxWarp prst="textNoShape">
-              <a:avLst/>
-            </a:prstTxWarp>
-            <a:spAutoFit/>
-          </a:bodyPr>
-          <a:lstStyle/>
-          <a:p>
-            <a:r>
-              <a:rPr lang="ko-KR" altLang="en-US" dirty="0"/>
-              <a:t>유니버설 함수</a:t>
-            </a:r>
-            <a:r>
-              <a:rPr lang="en-US" altLang="ko-KR" dirty="0"/>
-              <a:t>(universal function)</a:t>
-            </a:r>
-          </a:p>
-          <a:p>
-            <a:pPr lvl="1"/>
-            <a:r>
-              <a:rPr lang="en-US" altLang="ko-KR" dirty="0" err="1"/>
-              <a:t>ndarray</a:t>
-            </a:r>
-            <a:r>
-              <a:rPr lang="ko-KR" altLang="en-US" dirty="0"/>
-              <a:t>에 요소 단위 처리를 한 뒤 그 결과를 </a:t>
-            </a:r>
-            <a:r>
-              <a:rPr lang="ko-KR" altLang="en-US" dirty="0" err="1"/>
-              <a:t>리턴하는</a:t>
-            </a:r>
-            <a:r>
-              <a:rPr lang="ko-KR" altLang="en-US" dirty="0"/>
-              <a:t> 함수 </a:t>
-            </a:r>
-            <a:endParaRPr lang="en-US" altLang="ko-KR" dirty="0"/>
-          </a:p>
-          <a:p>
-            <a:pPr lvl="1"/>
-            <a:r>
-              <a:rPr lang="en-US" altLang="ko-KR" dirty="0" err="1"/>
-              <a:t>ufunc</a:t>
-            </a:r>
-            <a:r>
-              <a:rPr lang="ko-KR" altLang="en-US" dirty="0"/>
-              <a:t>라 부른다</a:t>
-            </a:r>
-            <a:endParaRPr lang="en-US" altLang="ko-KR" dirty="0"/>
-          </a:p>
-          <a:p>
-            <a:pPr lvl="1"/>
-            <a:endParaRPr lang="en-US" altLang="ko-KR" dirty="0"/>
-          </a:p>
-        </p:txBody>
-      </p:sp>
-      <p:sp>
-        <p:nvSpPr>
-          <p:cNvPr id="8" name="직사각형 7"/>
-          <p:cNvSpPr/>
-          <p:nvPr/>
-        </p:nvSpPr>
-        <p:spPr bwMode="auto">
-          <a:xfrm>
-            <a:off x="1187624" y="2492896"/>
-            <a:ext cx="6768940" cy="3312368"/>
-          </a:xfrm>
-          <a:prstGeom prst="rect">
-            <a:avLst/>
-          </a:prstGeom>
-          <a:solidFill>
-            <a:schemeClr val="bg1">
-              <a:lumMod val="85000"/>
-            </a:schemeClr>
-          </a:solidFill>
-          <a:ln w="9525" cap="flat" cmpd="sng" algn="ctr">
-            <a:noFill/>
-            <a:prstDash val="solid"/>
-            <a:round/>
-            <a:headEnd type="none" w="med" len="med"/>
-            <a:tailEnd type="none" w="med" len="med"/>
-          </a:ln>
-          <a:effectLst/>
-        </p:spPr>
-        <p:txBody>
-          <a:bodyPr vert="horz" wrap="none" lIns="360000" tIns="45720" rIns="91440" bIns="45720" numCol="1" rtlCol="0" anchor="ctr" anchorCtr="0" compatLnSpc="1">
-            <a:prstTxWarp prst="textNoShape">
-              <a:avLst/>
-            </a:prstTxWarp>
-          </a:bodyPr>
-          <a:lstStyle/>
-          <a:p>
-            <a:pPr defTabSz="977900" eaLnBrk="1" hangingPunct="1"/>
-            <a:r>
-              <a:rPr lang="en-US" altLang="ko-KR" sz="1400" b="0" i="1" dirty="0">
-                <a:latin typeface="맑은 고딕" pitchFamily="50" charset="-127"/>
-                <a:ea typeface="맑은 고딕" pitchFamily="50" charset="-127"/>
-              </a:rPr>
-              <a:t># 2x6 </a:t>
-            </a:r>
-            <a:r>
-              <a:rPr lang="en-US" altLang="ko-KR" sz="1400" b="0" i="1" dirty="0" err="1">
-                <a:latin typeface="맑은 고딕" pitchFamily="50" charset="-127"/>
-                <a:ea typeface="맑은 고딕" pitchFamily="50" charset="-127"/>
-              </a:rPr>
-              <a:t>ndarray</a:t>
-            </a:r>
-            <a:r>
-              <a:rPr lang="ko-KR" altLang="en-US" sz="1400" b="0" i="1" dirty="0">
-                <a:latin typeface="맑은 고딕" pitchFamily="50" charset="-127"/>
-                <a:ea typeface="맑은 고딕" pitchFamily="50" charset="-127"/>
-              </a:rPr>
-              <a:t>를 만든다</a:t>
-            </a:r>
-            <a:endParaRPr lang="en-US" altLang="ko-KR" sz="1400" b="0" i="1" dirty="0">
-              <a:latin typeface="맑은 고딕" pitchFamily="50" charset="-127"/>
-              <a:ea typeface="맑은 고딕" pitchFamily="50" charset="-127"/>
-            </a:endParaRPr>
-          </a:p>
-          <a:p>
-            <a:pPr defTabSz="977900" eaLnBrk="1" hangingPunct="1"/>
-            <a:r>
-              <a:rPr lang="en-US" altLang="ko-KR" sz="1400" dirty="0" err="1">
-                <a:latin typeface="맑은 고딕" pitchFamily="50" charset="-127"/>
-                <a:ea typeface="맑은 고딕" pitchFamily="50" charset="-127"/>
-              </a:rPr>
-              <a:t>nda</a:t>
-            </a:r>
-            <a:r>
-              <a:rPr lang="en-US" altLang="ko-KR" sz="1400" dirty="0">
-                <a:latin typeface="맑은 고딕" pitchFamily="50" charset="-127"/>
-                <a:ea typeface="맑은 고딕" pitchFamily="50" charset="-127"/>
-              </a:rPr>
-              <a:t> = </a:t>
-            </a:r>
-            <a:r>
-              <a:rPr lang="en-US" altLang="ko-KR" sz="1400" dirty="0" err="1">
-                <a:latin typeface="맑은 고딕" pitchFamily="50" charset="-127"/>
-                <a:ea typeface="맑은 고딕" pitchFamily="50" charset="-127"/>
-              </a:rPr>
-              <a:t>np.arange</a:t>
-            </a:r>
-            <a:r>
-              <a:rPr lang="en-US" altLang="ko-KR" sz="1400" dirty="0">
-                <a:latin typeface="맑은 고딕" pitchFamily="50" charset="-127"/>
-                <a:ea typeface="맑은 고딕" pitchFamily="50" charset="-127"/>
-              </a:rPr>
-              <a:t>(12).reshape(2,6)</a:t>
-            </a:r>
-          </a:p>
-          <a:p>
-            <a:pPr defTabSz="977900" eaLnBrk="1" hangingPunct="1"/>
-            <a:endParaRPr lang="en-US" altLang="ko-KR" sz="1400" dirty="0">
-              <a:latin typeface="맑은 고딕" pitchFamily="50" charset="-127"/>
-              <a:ea typeface="맑은 고딕" pitchFamily="50" charset="-127"/>
-            </a:endParaRPr>
-          </a:p>
-          <a:p>
-            <a:pPr defTabSz="977900" eaLnBrk="1" hangingPunct="1"/>
-            <a:r>
-              <a:rPr lang="en-US" altLang="ko-KR" sz="1400" dirty="0" err="1">
-                <a:latin typeface="맑은 고딕" pitchFamily="50" charset="-127"/>
-                <a:ea typeface="맑은 고딕" pitchFamily="50" charset="-127"/>
-              </a:rPr>
-              <a:t>nda</a:t>
-            </a:r>
-            <a:endParaRPr lang="en-US" altLang="ko-KR" sz="1400" dirty="0">
-              <a:latin typeface="맑은 고딕" pitchFamily="50" charset="-127"/>
-              <a:ea typeface="맑은 고딕" pitchFamily="50" charset="-127"/>
-            </a:endParaRPr>
-          </a:p>
-          <a:p>
-            <a:pPr defTabSz="977900" eaLnBrk="1" hangingPunct="1"/>
-            <a:r>
-              <a:rPr lang="en-US" altLang="ko-KR" sz="1400" dirty="0">
-                <a:solidFill>
-                  <a:srgbClr val="FF0000"/>
-                </a:solidFill>
-                <a:latin typeface="맑은 고딕" pitchFamily="50" charset="-127"/>
-                <a:ea typeface="맑은 고딕" pitchFamily="50" charset="-127"/>
-              </a:rPr>
-              <a:t>Out[57]: </a:t>
-            </a:r>
-          </a:p>
-          <a:p>
-            <a:pPr defTabSz="977900" eaLnBrk="1" hangingPunct="1"/>
-            <a:r>
-              <a:rPr lang="en-US" altLang="ko-KR" sz="1400" dirty="0">
-                <a:solidFill>
-                  <a:srgbClr val="FF0000"/>
-                </a:solidFill>
-                <a:latin typeface="맑은 고딕" pitchFamily="50" charset="-127"/>
-                <a:ea typeface="맑은 고딕" pitchFamily="50" charset="-127"/>
-              </a:rPr>
-              <a:t>array([[ 0,  1,  2,  3,  4,  5],</a:t>
-            </a:r>
-          </a:p>
-          <a:p>
-            <a:pPr defTabSz="977900" eaLnBrk="1" hangingPunct="1"/>
-            <a:r>
-              <a:rPr lang="en-US" altLang="ko-KR" sz="1400" dirty="0">
-                <a:solidFill>
-                  <a:srgbClr val="FF0000"/>
-                </a:solidFill>
-                <a:latin typeface="맑은 고딕" pitchFamily="50" charset="-127"/>
-                <a:ea typeface="맑은 고딕" pitchFamily="50" charset="-127"/>
-              </a:rPr>
-              <a:t>       [ 6,  7,  8,  9, 10, 11]])</a:t>
-            </a:r>
-          </a:p>
-          <a:p>
-            <a:pPr defTabSz="977900" eaLnBrk="1" hangingPunct="1"/>
-            <a:endParaRPr lang="en-US" altLang="ko-KR" sz="1400" dirty="0">
-              <a:latin typeface="맑은 고딕" pitchFamily="50" charset="-127"/>
-              <a:ea typeface="맑은 고딕" pitchFamily="50" charset="-127"/>
-            </a:endParaRPr>
-          </a:p>
-          <a:p>
-            <a:pPr defTabSz="977900" eaLnBrk="1" hangingPunct="1"/>
-            <a:r>
-              <a:rPr lang="en-US" altLang="ko-KR" sz="1400" b="0" i="1" dirty="0">
-                <a:latin typeface="맑은 고딕" pitchFamily="50" charset="-127"/>
-                <a:ea typeface="맑은 고딕" pitchFamily="50" charset="-127"/>
-              </a:rPr>
-              <a:t># </a:t>
-            </a:r>
-            <a:r>
-              <a:rPr lang="en-US" altLang="ko-KR" sz="1400" b="0" i="1" dirty="0" err="1">
-                <a:latin typeface="맑은 고딕" pitchFamily="50" charset="-127"/>
-                <a:ea typeface="맑은 고딕" pitchFamily="50" charset="-127"/>
-              </a:rPr>
-              <a:t>nda</a:t>
-            </a:r>
-            <a:r>
-              <a:rPr lang="ko-KR" altLang="en-US" sz="1400" b="0" i="1" dirty="0">
-                <a:latin typeface="맑은 고딕" pitchFamily="50" charset="-127"/>
-                <a:ea typeface="맑은 고딕" pitchFamily="50" charset="-127"/>
-              </a:rPr>
-              <a:t>에 </a:t>
-            </a:r>
-            <a:r>
-              <a:rPr lang="en-US" altLang="ko-KR" sz="1400" b="0" i="1" dirty="0" err="1">
-                <a:latin typeface="맑은 고딕" pitchFamily="50" charset="-127"/>
-                <a:ea typeface="맑은 고딕" pitchFamily="50" charset="-127"/>
-              </a:rPr>
-              <a:t>ufunc</a:t>
-            </a:r>
-            <a:r>
-              <a:rPr lang="en-US" altLang="ko-KR" sz="1400" b="0" i="1" dirty="0">
-                <a:latin typeface="맑은 고딕" pitchFamily="50" charset="-127"/>
-                <a:ea typeface="맑은 고딕" pitchFamily="50" charset="-127"/>
-              </a:rPr>
-              <a:t>(square)</a:t>
-            </a:r>
-            <a:r>
-              <a:rPr lang="ko-KR" altLang="en-US" sz="1400" b="0" i="1" dirty="0">
-                <a:latin typeface="맑은 고딕" pitchFamily="50" charset="-127"/>
-                <a:ea typeface="맑은 고딕" pitchFamily="50" charset="-127"/>
-              </a:rPr>
-              <a:t>를 적용하여 각 요소를 제곱한다</a:t>
-            </a:r>
-            <a:endParaRPr lang="en-US" altLang="ko-KR" sz="1400" b="0" i="1" dirty="0">
-              <a:latin typeface="맑은 고딕" pitchFamily="50" charset="-127"/>
-              <a:ea typeface="맑은 고딕" pitchFamily="50" charset="-127"/>
-            </a:endParaRPr>
-          </a:p>
-          <a:p>
-            <a:pPr defTabSz="977900" eaLnBrk="1" hangingPunct="1"/>
-            <a:r>
-              <a:rPr lang="en-US" altLang="ko-KR" sz="1400" dirty="0" err="1">
-                <a:latin typeface="맑은 고딕" pitchFamily="50" charset="-127"/>
-                <a:ea typeface="맑은 고딕" pitchFamily="50" charset="-127"/>
-              </a:rPr>
-              <a:t>np.square</a:t>
-            </a:r>
-            <a:r>
-              <a:rPr lang="en-US" altLang="ko-KR" sz="1400" dirty="0">
-                <a:latin typeface="맑은 고딕" pitchFamily="50" charset="-127"/>
-                <a:ea typeface="맑은 고딕" pitchFamily="50" charset="-127"/>
-              </a:rPr>
-              <a:t>(</a:t>
-            </a:r>
-            <a:r>
-              <a:rPr lang="en-US" altLang="ko-KR" sz="1400" dirty="0" err="1">
-                <a:latin typeface="맑은 고딕" pitchFamily="50" charset="-127"/>
-                <a:ea typeface="맑은 고딕" pitchFamily="50" charset="-127"/>
-              </a:rPr>
-              <a:t>nda</a:t>
-            </a:r>
-            <a:r>
-              <a:rPr lang="en-US" altLang="ko-KR" sz="1400" dirty="0">
-                <a:latin typeface="맑은 고딕" pitchFamily="50" charset="-127"/>
-                <a:ea typeface="맑은 고딕" pitchFamily="50" charset="-127"/>
-              </a:rPr>
-              <a:t>)</a:t>
-            </a:r>
-          </a:p>
-          <a:p>
-            <a:pPr defTabSz="977900" eaLnBrk="1" hangingPunct="1"/>
-            <a:r>
-              <a:rPr lang="en-US" altLang="ko-KR" sz="1400" dirty="0">
-                <a:solidFill>
-                  <a:srgbClr val="FF0000"/>
-                </a:solidFill>
-                <a:latin typeface="맑은 고딕" pitchFamily="50" charset="-127"/>
-                <a:ea typeface="맑은 고딕" pitchFamily="50" charset="-127"/>
-              </a:rPr>
-              <a:t>Out[58]: </a:t>
-            </a:r>
-          </a:p>
-          <a:p>
-            <a:pPr defTabSz="977900" eaLnBrk="1" hangingPunct="1"/>
-            <a:r>
-              <a:rPr lang="en-US" altLang="ko-KR" sz="1400" dirty="0">
-                <a:solidFill>
-                  <a:srgbClr val="FF0000"/>
-                </a:solidFill>
-                <a:latin typeface="맑은 고딕" pitchFamily="50" charset="-127"/>
-                <a:ea typeface="맑은 고딕" pitchFamily="50" charset="-127"/>
-              </a:rPr>
-              <a:t>array([[  0,   1,   4,   9,  16,  25],</a:t>
-            </a:r>
-          </a:p>
-          <a:p>
-            <a:pPr defTabSz="977900" eaLnBrk="1" hangingPunct="1"/>
-            <a:r>
-              <a:rPr lang="en-US" altLang="ko-KR" sz="1400" dirty="0">
-                <a:solidFill>
-                  <a:srgbClr val="FF0000"/>
-                </a:solidFill>
-                <a:latin typeface="맑은 고딕" pitchFamily="50" charset="-127"/>
-                <a:ea typeface="맑은 고딕" pitchFamily="50" charset="-127"/>
-              </a:rPr>
-              <a:t>       [ 36,  49,  64,  81, 100, 121]], </a:t>
-            </a:r>
-            <a:r>
-              <a:rPr lang="en-US" altLang="ko-KR" sz="1400" dirty="0" err="1">
-                <a:solidFill>
-                  <a:srgbClr val="FF0000"/>
-                </a:solidFill>
-                <a:latin typeface="맑은 고딕" pitchFamily="50" charset="-127"/>
-                <a:ea typeface="맑은 고딕" pitchFamily="50" charset="-127"/>
-              </a:rPr>
-              <a:t>dtype</a:t>
-            </a:r>
-            <a:r>
-              <a:rPr lang="en-US" altLang="ko-KR" sz="1400" dirty="0">
-                <a:solidFill>
-                  <a:srgbClr val="FF0000"/>
-                </a:solidFill>
-                <a:latin typeface="맑은 고딕" pitchFamily="50" charset="-127"/>
-                <a:ea typeface="맑은 고딕" pitchFamily="50" charset="-127"/>
-              </a:rPr>
-              <a:t>=int32)</a:t>
-            </a:r>
-          </a:p>
-        </p:txBody>
-      </p:sp>
-    </p:spTree>
-    <p:extLst>
-      <p:ext uri="{BB962C8B-B14F-4D97-AF65-F5344CB8AC3E}">
-        <p14:creationId xmlns:p14="http://schemas.microsoft.com/office/powerpoint/2010/main" val="613357660"/>
-      </p:ext>
-    </p:extLst>
-  </p:cSld>
-  <p:clrMapOvr>
-    <a:masterClrMapping/>
-  </p:clrMapOvr>
-</p:sld>
-</file>
-
-<file path=ppt/slides/slide24.xml><?xml version="1.0" encoding="utf-8"?>
-<p:sld xmlns:a="http://schemas.openxmlformats.org/drawingml/2006/main" xmlns:r="http://schemas.openxmlformats.org/officeDocument/2006/relationships" xmlns:p="http://schemas.openxmlformats.org/presentationml/2006/main">
-  <p:cSld>
-    <p:spTree>
-      <p:nvGrpSpPr>
-        <p:cNvPr id="1" name=""/>
-        <p:cNvGrpSpPr/>
-        <p:nvPr/>
-      </p:nvGrpSpPr>
-      <p:grpSpPr>
-        <a:xfrm>
-          <a:off x="0" y="0"/>
-          <a:ext cx="0" cy="0"/>
-          <a:chOff x="0" y="0"/>
-          <a:chExt cx="0" cy="0"/>
-        </a:xfrm>
-      </p:grpSpPr>
-      <p:sp>
-        <p:nvSpPr>
-          <p:cNvPr id="3" name="제목 2"/>
-          <p:cNvSpPr>
-            <a:spLocks noGrp="1"/>
-          </p:cNvSpPr>
-          <p:nvPr>
-            <p:ph type="title"/>
-          </p:nvPr>
-        </p:nvSpPr>
-        <p:spPr/>
-        <p:txBody>
-          <a:bodyPr/>
-          <a:lstStyle/>
-          <a:p>
-            <a:r>
-              <a:rPr lang="ko-KR" altLang="en-US" dirty="0" err="1"/>
-              <a:t>유니버셜</a:t>
-            </a:r>
-            <a:r>
-              <a:rPr lang="ko-KR" altLang="en-US" dirty="0"/>
-              <a:t> 함수</a:t>
-            </a:r>
-          </a:p>
-        </p:txBody>
-      </p:sp>
-      <p:sp>
-        <p:nvSpPr>
-          <p:cNvPr id="11" name="텍스트 개체 틀 3"/>
-          <p:cNvSpPr>
-            <a:spLocks noGrp="1"/>
-          </p:cNvSpPr>
-          <p:nvPr>
-            <p:ph idx="1"/>
-          </p:nvPr>
-        </p:nvSpPr>
-        <p:spPr>
-          <a:xfrm>
-            <a:off x="323410" y="1052670"/>
-            <a:ext cx="8670925" cy="5109091"/>
-          </a:xfrm>
-          <a:noFill/>
-          <a:ln>
-            <a:noFill/>
-          </a:ln>
-          <a:extLst>
-            <a:ext uri="{909E8E84-426E-40DD-AFC4-6F175D3DCCD1}">
-              <a14:hiddenFill xmlns:a14="http://schemas.microsoft.com/office/drawing/2010/main">
-                <a:solidFill>
-                  <a:srgbClr val="FFFFFF"/>
-                </a:solidFill>
-              </a14:hiddenFill>
-            </a:ext>
-            <a:ext uri="{91240B29-F687-4F45-9708-019B960494DF}">
-              <a14:hiddenLine xmlns:a14="http://schemas.microsoft.com/office/drawing/2010/main" w="9525">
-                <a:solidFill>
-                  <a:srgbClr val="000000"/>
-                </a:solidFill>
-                <a:miter lim="800000"/>
-                <a:headEnd/>
-                <a:tailEnd/>
-              </a14:hiddenLine>
-            </a:ext>
-          </a:extLst>
-        </p:spPr>
-        <p:txBody>
-          <a:bodyPr vert="horz" wrap="square" lIns="0" tIns="0" rIns="0" bIns="0" numCol="1" anchor="t" anchorCtr="0" compatLnSpc="1">
-            <a:prstTxWarp prst="textNoShape">
-              <a:avLst/>
-            </a:prstTxWarp>
-            <a:spAutoFit/>
-          </a:bodyPr>
-          <a:lstStyle/>
-          <a:p>
-            <a:r>
-              <a:rPr lang="ko-KR" altLang="en-US" dirty="0"/>
-              <a:t>유니버설 함수</a:t>
-            </a:r>
-            <a:r>
-              <a:rPr lang="en-US" altLang="ko-KR" dirty="0"/>
-              <a:t>(universal function)</a:t>
-            </a:r>
-          </a:p>
-          <a:p>
-            <a:pPr lvl="1"/>
-            <a:r>
-              <a:rPr lang="ko-KR" altLang="en-US" dirty="0"/>
-              <a:t>앞과 같은 요소 단위 제곱을 </a:t>
-            </a:r>
-            <a:r>
-              <a:rPr lang="ko-KR" altLang="en-US" dirty="0" err="1"/>
-              <a:t>파이썬</a:t>
-            </a:r>
-            <a:r>
-              <a:rPr lang="ko-KR" altLang="en-US" dirty="0"/>
-              <a:t> 자체 기능만을 사용하려면 </a:t>
-            </a:r>
-            <a:r>
-              <a:rPr lang="en-US" altLang="ko-KR" dirty="0"/>
-              <a:t>for</a:t>
-            </a:r>
-            <a:r>
-              <a:rPr lang="ko-KR" altLang="en-US" dirty="0"/>
-              <a:t>문이나 리스트 </a:t>
-            </a:r>
-            <a:r>
-              <a:rPr lang="ko-KR" altLang="en-US" dirty="0" err="1"/>
-              <a:t>컴프리헨션</a:t>
-            </a:r>
-            <a:r>
-              <a:rPr lang="ko-KR" altLang="en-US" dirty="0"/>
-              <a:t> 등을 사용해야 한다</a:t>
-            </a:r>
-            <a:endParaRPr lang="en-US" altLang="ko-KR" dirty="0"/>
-          </a:p>
-          <a:p>
-            <a:pPr lvl="1"/>
-            <a:r>
-              <a:rPr lang="ko-KR" altLang="en-US" dirty="0"/>
-              <a:t>그러나 이를 </a:t>
-            </a:r>
-            <a:r>
-              <a:rPr lang="en-US" altLang="ko-KR" dirty="0" err="1"/>
-              <a:t>ufunc</a:t>
-            </a:r>
-            <a:r>
-              <a:rPr lang="ko-KR" altLang="en-US" dirty="0"/>
-              <a:t>를 이용해 속도면에서도 빠르고</a:t>
-            </a:r>
-            <a:r>
-              <a:rPr lang="en-US" altLang="ko-KR" dirty="0"/>
-              <a:t>, </a:t>
-            </a:r>
-            <a:r>
-              <a:rPr lang="ko-KR" altLang="en-US" dirty="0" err="1"/>
-              <a:t>한줄로</a:t>
-            </a:r>
-            <a:r>
-              <a:rPr lang="ko-KR" altLang="en-US" dirty="0"/>
-              <a:t> 처리할 수 있다</a:t>
-            </a:r>
-            <a:endParaRPr lang="en-US" altLang="ko-KR" dirty="0"/>
-          </a:p>
-          <a:p>
-            <a:pPr lvl="1"/>
-            <a:r>
-              <a:rPr lang="ko-KR" altLang="en-US" dirty="0" err="1"/>
-              <a:t>특정함수가</a:t>
-            </a:r>
-            <a:r>
-              <a:rPr lang="ko-KR" altLang="en-US" dirty="0"/>
-              <a:t> </a:t>
-            </a:r>
-            <a:r>
-              <a:rPr lang="en-US" altLang="ko-KR" dirty="0" err="1"/>
-              <a:t>ufunc</a:t>
-            </a:r>
-            <a:r>
-              <a:rPr lang="ko-KR" altLang="en-US" dirty="0"/>
-              <a:t>인지 아닌지 알려면 </a:t>
-            </a:r>
-            <a:r>
-              <a:rPr lang="en-US" altLang="ko-KR" dirty="0"/>
-              <a:t>“?”</a:t>
-            </a:r>
-            <a:r>
-              <a:rPr lang="ko-KR" altLang="en-US" dirty="0"/>
-              <a:t>를 사용해 함수의 도움말을 보면 된다</a:t>
-            </a:r>
-            <a:endParaRPr lang="en-US" altLang="ko-KR" dirty="0"/>
-          </a:p>
-          <a:p>
-            <a:pPr lvl="1"/>
-            <a:r>
-              <a:rPr lang="ko-KR" altLang="en-US" dirty="0"/>
-              <a:t>예를 들어 </a:t>
-            </a:r>
-            <a:r>
-              <a:rPr lang="en-US" altLang="ko-KR" dirty="0" err="1"/>
-              <a:t>np.sin</a:t>
-            </a:r>
-            <a:r>
-              <a:rPr lang="ko-KR" altLang="en-US" dirty="0"/>
-              <a:t>이 </a:t>
-            </a:r>
-            <a:r>
-              <a:rPr lang="en-US" altLang="ko-KR" dirty="0" err="1"/>
-              <a:t>ufunc</a:t>
-            </a:r>
-            <a:r>
-              <a:rPr lang="ko-KR" altLang="en-US" dirty="0"/>
-              <a:t>인지 알려면 </a:t>
-            </a:r>
-            <a:r>
-              <a:rPr lang="en-US" altLang="ko-KR" dirty="0" err="1"/>
-              <a:t>np.sin</a:t>
-            </a:r>
-            <a:r>
-              <a:rPr lang="en-US" altLang="ko-KR" dirty="0"/>
-              <a:t>?</a:t>
-            </a:r>
-            <a:r>
-              <a:rPr lang="ko-KR" altLang="en-US" dirty="0"/>
-              <a:t>를 입력하면 된다</a:t>
-            </a:r>
-            <a:endParaRPr lang="en-US" altLang="ko-KR" dirty="0"/>
-          </a:p>
-          <a:p>
-            <a:pPr lvl="1"/>
-            <a:endParaRPr lang="en-US" altLang="ko-KR" dirty="0"/>
-          </a:p>
-          <a:p>
-            <a:pPr lvl="1"/>
-            <a:endParaRPr lang="en-US" altLang="ko-KR" dirty="0"/>
-          </a:p>
-          <a:p>
-            <a:pPr lvl="1"/>
-            <a:endParaRPr lang="en-US" altLang="ko-KR" dirty="0"/>
-          </a:p>
-          <a:p>
-            <a:pPr lvl="1"/>
-            <a:endParaRPr lang="en-US" altLang="ko-KR" dirty="0"/>
-          </a:p>
-          <a:p>
-            <a:pPr lvl="1"/>
-            <a:endParaRPr lang="en-US" altLang="ko-KR" dirty="0"/>
-          </a:p>
-          <a:p>
-            <a:pPr lvl="1"/>
-            <a:endParaRPr lang="en-US" altLang="ko-KR" dirty="0"/>
-          </a:p>
-          <a:p>
-            <a:pPr lvl="1"/>
-            <a:r>
-              <a:rPr lang="en-US" altLang="ko-KR" dirty="0"/>
-              <a:t>Type</a:t>
-            </a:r>
-            <a:r>
-              <a:rPr lang="ko-KR" altLang="en-US" dirty="0"/>
-              <a:t>이 </a:t>
-            </a:r>
-            <a:r>
-              <a:rPr lang="en-US" altLang="ko-KR" dirty="0" err="1"/>
-              <a:t>ufunc</a:t>
-            </a:r>
-            <a:r>
-              <a:rPr lang="ko-KR" altLang="en-US" dirty="0"/>
-              <a:t>임을 확인할 수 있다</a:t>
-            </a:r>
-            <a:endParaRPr lang="en-US" altLang="ko-KR" dirty="0"/>
-          </a:p>
-          <a:p>
-            <a:pPr lvl="1"/>
-            <a:endParaRPr lang="en-US" altLang="ko-KR" dirty="0"/>
-          </a:p>
-        </p:txBody>
-      </p:sp>
-      <p:sp>
-        <p:nvSpPr>
-          <p:cNvPr id="5" name="직사각형 4"/>
-          <p:cNvSpPr/>
-          <p:nvPr/>
-        </p:nvSpPr>
-        <p:spPr bwMode="auto">
-          <a:xfrm>
-            <a:off x="1182768" y="3501008"/>
-            <a:ext cx="6768940" cy="1584176"/>
-          </a:xfrm>
-          <a:prstGeom prst="rect">
-            <a:avLst/>
-          </a:prstGeom>
-          <a:solidFill>
-            <a:schemeClr val="bg1">
-              <a:lumMod val="85000"/>
-            </a:schemeClr>
-          </a:solidFill>
-          <a:ln w="9525" cap="flat" cmpd="sng" algn="ctr">
-            <a:noFill/>
-            <a:prstDash val="solid"/>
-            <a:round/>
-            <a:headEnd type="none" w="med" len="med"/>
-            <a:tailEnd type="none" w="med" len="med"/>
-          </a:ln>
-          <a:effectLst/>
-        </p:spPr>
-        <p:txBody>
-          <a:bodyPr vert="horz" wrap="none" lIns="360000" tIns="45720" rIns="91440" bIns="45720" numCol="1" rtlCol="0" anchor="ctr" anchorCtr="0" compatLnSpc="1">
-            <a:prstTxWarp prst="textNoShape">
-              <a:avLst/>
-            </a:prstTxWarp>
-          </a:bodyPr>
-          <a:lstStyle/>
-          <a:p>
-            <a:r>
-              <a:rPr lang="en-US" altLang="ko-KR" sz="1400" dirty="0">
-                <a:latin typeface="+mn-lt"/>
-              </a:rPr>
-              <a:t>Type: </a:t>
-            </a:r>
-            <a:r>
-              <a:rPr lang="en-US" altLang="ko-KR" sz="1400" dirty="0" err="1">
-                <a:solidFill>
-                  <a:srgbClr val="FF0000"/>
-                </a:solidFill>
-                <a:latin typeface="+mn-lt"/>
-              </a:rPr>
-              <a:t>ufunc</a:t>
-            </a:r>
-            <a:endParaRPr lang="en-US" altLang="ko-KR" sz="1400" dirty="0">
-              <a:solidFill>
-                <a:srgbClr val="FF0000"/>
-              </a:solidFill>
-              <a:latin typeface="+mn-lt"/>
-            </a:endParaRPr>
-          </a:p>
-          <a:p>
-            <a:r>
-              <a:rPr lang="en-US" altLang="ko-KR" sz="1400" dirty="0">
-                <a:latin typeface="+mn-lt"/>
-              </a:rPr>
-              <a:t>String form: &lt;</a:t>
-            </a:r>
-            <a:r>
-              <a:rPr lang="en-US" altLang="ko-KR" sz="1400" dirty="0" err="1">
-                <a:latin typeface="+mn-lt"/>
-              </a:rPr>
-              <a:t>ufunc</a:t>
-            </a:r>
-            <a:r>
-              <a:rPr lang="en-US" altLang="ko-KR" sz="1400" dirty="0">
-                <a:latin typeface="+mn-lt"/>
-              </a:rPr>
-              <a:t> 'sin'&gt;</a:t>
-            </a:r>
-          </a:p>
-          <a:p>
-            <a:r>
-              <a:rPr lang="en-US" altLang="ko-KR" sz="1400" dirty="0">
-                <a:latin typeface="+mn-lt"/>
-              </a:rPr>
-              <a:t>File: c:\users\bumho\anaconda3\lib\site-packages\numpy\__init__.py</a:t>
-            </a:r>
-          </a:p>
-          <a:p>
-            <a:r>
-              <a:rPr lang="en-US" altLang="ko-KR" sz="1400" dirty="0" err="1">
-                <a:latin typeface="+mn-lt"/>
-              </a:rPr>
-              <a:t>Docstring</a:t>
-            </a:r>
-            <a:r>
-              <a:rPr lang="en-US" altLang="ko-KR" sz="1400" dirty="0">
-                <a:latin typeface="+mn-lt"/>
-              </a:rPr>
-              <a:t>: </a:t>
-            </a:r>
-          </a:p>
-          <a:p>
-            <a:r>
-              <a:rPr lang="en-US" altLang="ko-KR" sz="1400" dirty="0">
-                <a:latin typeface="+mn-lt"/>
-              </a:rPr>
-              <a:t>sin(x[, out])</a:t>
-            </a:r>
-            <a:endParaRPr lang="en-US" altLang="ko-KR" sz="1400" dirty="0">
-              <a:solidFill>
-                <a:srgbClr val="FF0000"/>
-              </a:solidFill>
-              <a:latin typeface="+mn-lt"/>
-              <a:ea typeface="맑은 고딕" pitchFamily="50" charset="-127"/>
-            </a:endParaRPr>
-          </a:p>
-        </p:txBody>
-      </p:sp>
-    </p:spTree>
-    <p:extLst>
-      <p:ext uri="{BB962C8B-B14F-4D97-AF65-F5344CB8AC3E}">
-        <p14:creationId xmlns:p14="http://schemas.microsoft.com/office/powerpoint/2010/main" val="1910086847"/>
       </p:ext>
     </p:extLst>
   </p:cSld>
@@ -23975,9 +23954,12 @@
           <a:p>
             <a:r>
               <a:rPr lang="ko-KR" altLang="en-US" dirty="0" err="1"/>
-              <a:t>브로드캐스팅</a:t>
-            </a:r>
-            <a:endParaRPr lang="ko-KR" altLang="en-US" dirty="0"/>
+              <a:t>유니버셜</a:t>
+            </a:r>
+            <a:r>
+              <a:rPr lang="ko-KR" altLang="en-US" dirty="0"/>
+              <a:t> 함수</a:t>
+            </a:r>
           </a:p>
         </p:txBody>
       </p:sp>
@@ -23994,7 +23976,7 @@
         <p:spPr>
           <a:xfrm>
             <a:off x="323410" y="1052670"/>
-            <a:ext cx="8670925" cy="4739759"/>
+            <a:ext cx="8670925" cy="1538883"/>
           </a:xfrm>
           <a:noFill/>
           <a:ln>
@@ -24030,22 +24012,13 @@
           <a:lstStyle/>
           <a:p>
             <a:r>
-              <a:rPr lang="ko-KR" altLang="en-US" dirty="0" err="1"/>
-              <a:t>브로드캐스팅</a:t>
-            </a:r>
-            <a:endParaRPr lang="en-US" altLang="ko-KR" dirty="0"/>
-          </a:p>
-          <a:p>
-            <a:pPr lvl="1"/>
-            <a:r>
-              <a:rPr lang="en-US" altLang="ko-KR" dirty="0" err="1"/>
-              <a:t>Numpy</a:t>
-            </a:r>
-            <a:r>
               <a:rPr lang="ko-KR" altLang="en-US" dirty="0"/>
-              <a:t>가 효율적인 처리를 목적으로 가지고 있는 배열 연산 확장 규칙</a:t>
-            </a:r>
-            <a:endParaRPr lang="en-US" altLang="ko-KR" dirty="0"/>
+              <a:t>유니버설 함수</a:t>
+            </a:r>
+            <a:r>
+              <a:rPr lang="en-US" altLang="ko-KR" dirty="0"/>
+              <a:t>(universal function)</a:t>
+            </a:r>
           </a:p>
           <a:p>
             <a:pPr lvl="1"/>
@@ -24054,153 +24027,47 @@
               <a:t>ndarray</a:t>
             </a:r>
             <a:r>
+              <a:rPr lang="ko-KR" altLang="en-US" dirty="0"/>
+              <a:t>에 요소 단위 처리를 한 뒤 그 결과를 </a:t>
+            </a:r>
+            <a:r>
               <a:rPr lang="ko-KR" altLang="en-US" dirty="0" err="1"/>
-              <a:t>끼리의</a:t>
+              <a:t>리턴하는</a:t>
             </a:r>
             <a:r>
               <a:rPr lang="ko-KR" altLang="en-US" dirty="0"/>
-              <a:t> 연산을 수행할 때</a:t>
-            </a:r>
-            <a:r>
-              <a:rPr lang="en-US" altLang="ko-KR" dirty="0"/>
-              <a:t>, </a:t>
+              <a:t> 함수 </a:t>
+            </a:r>
+            <a:endParaRPr lang="en-US" altLang="ko-KR" dirty="0"/>
+          </a:p>
+          <a:p>
+            <a:pPr lvl="1"/>
+            <a:r>
+              <a:rPr lang="en-US" altLang="ko-KR" dirty="0" err="1"/>
+              <a:t>ufunc</a:t>
             </a:r>
             <a:r>
               <a:rPr lang="ko-KR" altLang="en-US" dirty="0"/>
-              <a:t>서로 다른 크기를 갖는 </a:t>
-            </a:r>
-            <a:r>
-              <a:rPr lang="en-US" altLang="ko-KR" dirty="0"/>
-              <a:t>2</a:t>
-            </a:r>
-            <a:r>
-              <a:rPr lang="ko-KR" altLang="en-US" dirty="0"/>
-              <a:t>개의 </a:t>
-            </a:r>
-            <a:r>
-              <a:rPr lang="en-US" altLang="ko-KR" dirty="0" err="1"/>
-              <a:t>ndarray</a:t>
-            </a:r>
-            <a:r>
-              <a:rPr lang="ko-KR" altLang="en-US" dirty="0"/>
-              <a:t>에 연산을 수행해야 하는 경우</a:t>
+              <a:t>라 부른다</a:t>
             </a:r>
             <a:endParaRPr lang="en-US" altLang="ko-KR" dirty="0"/>
           </a:p>
           <a:p>
             <a:pPr lvl="1"/>
-            <a:endParaRPr lang="en-US" altLang="ko-KR" dirty="0"/>
-          </a:p>
-          <a:p>
-            <a:pPr lvl="1"/>
-            <a:endParaRPr lang="en-US" altLang="ko-KR" dirty="0"/>
-          </a:p>
-          <a:p>
-            <a:pPr lvl="1"/>
-            <a:endParaRPr lang="en-US" altLang="ko-KR" dirty="0"/>
-          </a:p>
-          <a:p>
-            <a:pPr lvl="1"/>
-            <a:endParaRPr lang="en-US" altLang="ko-KR" dirty="0"/>
-          </a:p>
-          <a:p>
-            <a:pPr lvl="1"/>
-            <a:endParaRPr lang="en-US" altLang="ko-KR" dirty="0"/>
-          </a:p>
-          <a:p>
-            <a:pPr lvl="1"/>
-            <a:r>
-              <a:rPr lang="ko-KR" altLang="en-US" dirty="0"/>
-              <a:t>위의 예에서 요소 단위 계산을 하려면 요소 수가 다르므로 이대로는 실행 불가능</a:t>
-            </a:r>
-            <a:endParaRPr lang="en-US" altLang="ko-KR" dirty="0"/>
-          </a:p>
-          <a:p>
-            <a:pPr lvl="1"/>
-            <a:r>
-              <a:rPr lang="en-US" altLang="ko-KR" dirty="0" err="1"/>
-              <a:t>Numpy</a:t>
-            </a:r>
-            <a:r>
-              <a:rPr lang="ko-KR" altLang="en-US" dirty="0"/>
-              <a:t>에서 이 계산을 가능하게 해주는 처리가 </a:t>
-            </a:r>
-            <a:r>
-              <a:rPr lang="ko-KR" altLang="en-US" dirty="0" err="1"/>
-              <a:t>브로드캐스팅</a:t>
-            </a:r>
-            <a:endParaRPr lang="en-US" altLang="ko-KR" dirty="0"/>
-          </a:p>
-          <a:p>
-            <a:pPr lvl="1"/>
-            <a:r>
-              <a:rPr lang="ko-KR" altLang="en-US" dirty="0" err="1"/>
-              <a:t>브로드캐스팅은</a:t>
-            </a:r>
-            <a:r>
-              <a:rPr lang="ko-KR" altLang="en-US" dirty="0"/>
-              <a:t> 내부에서 자동적으로 수행되어</a:t>
-            </a:r>
-            <a:endParaRPr lang="en-US" altLang="ko-KR" dirty="0"/>
-          </a:p>
-          <a:p>
-            <a:pPr marL="457200" lvl="1" indent="0">
-              <a:buNone/>
-            </a:pPr>
-            <a:r>
-              <a:rPr lang="en-US" altLang="ko-KR" dirty="0"/>
-              <a:t>	</a:t>
-            </a:r>
-            <a:r>
-              <a:rPr lang="en-US" altLang="ko-KR" dirty="0" err="1">
-                <a:solidFill>
-                  <a:srgbClr val="FF0000"/>
-                </a:solidFill>
-              </a:rPr>
-              <a:t>nda</a:t>
-            </a:r>
-            <a:r>
-              <a:rPr lang="en-US" altLang="ko-KR" dirty="0">
-                <a:solidFill>
-                  <a:srgbClr val="FF0000"/>
-                </a:solidFill>
-              </a:rPr>
-              <a:t> + </a:t>
-            </a:r>
-            <a:r>
-              <a:rPr lang="en-US" altLang="ko-KR" dirty="0" err="1">
-                <a:solidFill>
-                  <a:srgbClr val="FF0000"/>
-                </a:solidFill>
-              </a:rPr>
-              <a:t>np.array</a:t>
-            </a:r>
-            <a:r>
-              <a:rPr lang="en-US" altLang="ko-KR" dirty="0">
-                <a:solidFill>
-                  <a:srgbClr val="FF0000"/>
-                </a:solidFill>
-              </a:rPr>
-              <a:t>([1,1,1])</a:t>
-            </a:r>
-            <a:r>
-              <a:rPr lang="ko-KR" altLang="en-US" dirty="0"/>
-              <a:t>로 치환되어 실행된다</a:t>
-            </a:r>
             <a:endParaRPr lang="en-US" altLang="ko-KR" dirty="0"/>
           </a:p>
         </p:txBody>
       </p:sp>
       <p:sp>
         <p:nvSpPr>
-          <p:cNvPr id="6" name="직사각형 5"/>
+          <p:cNvPr id="8" name="직사각형 7"/>
           <p:cNvSpPr/>
           <p:nvPr/>
         </p:nvSpPr>
         <p:spPr bwMode="auto">
           <a:xfrm>
-            <a:off x="1182768" y="2640049"/>
-            <a:ext cx="6768940" cy="1584176"/>
+            <a:off x="1187624" y="2492896"/>
+            <a:ext cx="6768940" cy="3312368"/>
           </a:xfrm>
           <a:prstGeom prst="rect">
             <a:avLst/>
@@ -24227,117 +24094,276 @@
           </a:bodyPr>
           <a:lstStyle/>
           <a:p>
+            <a:pPr defTabSz="977900" eaLnBrk="1" hangingPunct="1"/>
             <a:r>
               <a:rPr lang="en-US" altLang="ko-KR" sz="1400" b="0" i="1" dirty="0">
-                <a:latin typeface="+mn-lt"/>
-              </a:rPr>
-              <a:t># 1x3 </a:t>
+                <a:latin typeface="맑은 고딕" pitchFamily="50" charset="-127"/>
+                <a:ea typeface="맑은 고딕" pitchFamily="50" charset="-127"/>
+              </a:rPr>
+              <a:t># 2x6 </a:t>
             </a:r>
             <a:r>
               <a:rPr lang="en-US" altLang="ko-KR" sz="1400" b="0" i="1" dirty="0" err="1">
-                <a:latin typeface="+mn-lt"/>
+                <a:latin typeface="맑은 고딕" pitchFamily="50" charset="-127"/>
+                <a:ea typeface="맑은 고딕" pitchFamily="50" charset="-127"/>
               </a:rPr>
               <a:t>ndarray</a:t>
             </a:r>
+            <a:r>
+              <a:rPr lang="ko-KR" altLang="en-US" sz="1400" b="0" i="1" dirty="0">
+                <a:latin typeface="맑은 고딕" pitchFamily="50" charset="-127"/>
+                <a:ea typeface="맑은 고딕" pitchFamily="50" charset="-127"/>
+              </a:rPr>
+              <a:t>를 만든다</a:t>
+            </a:r>
             <a:endParaRPr lang="en-US" altLang="ko-KR" sz="1400" b="0" i="1" dirty="0">
-              <a:latin typeface="+mn-lt"/>
-            </a:endParaRPr>
-          </a:p>
-          <a:p>
-            <a:r>
-              <a:rPr lang="en-US" altLang="ko-KR" sz="1400" dirty="0" err="1">
-                <a:latin typeface="+mn-lt"/>
-              </a:rPr>
-              <a:t>nda</a:t>
-            </a:r>
-            <a:r>
-              <a:rPr lang="en-US" altLang="ko-KR" sz="1400" dirty="0">
-                <a:latin typeface="+mn-lt"/>
-              </a:rPr>
-              <a:t> = </a:t>
-            </a:r>
-            <a:r>
-              <a:rPr lang="en-US" altLang="ko-KR" sz="1400" dirty="0" err="1">
-                <a:latin typeface="+mn-lt"/>
-              </a:rPr>
-              <a:t>np.array</a:t>
-            </a:r>
-            <a:r>
-              <a:rPr lang="en-US" altLang="ko-KR" sz="1400" dirty="0">
-                <a:latin typeface="+mn-lt"/>
-              </a:rPr>
-              <a:t>([1,2,3])</a:t>
-            </a:r>
-          </a:p>
-          <a:p>
-            <a:endParaRPr lang="en-US" altLang="ko-KR" sz="1400" dirty="0">
-              <a:latin typeface="+mn-lt"/>
-            </a:endParaRPr>
-          </a:p>
-          <a:p>
-            <a:r>
-              <a:rPr lang="en-US" altLang="ko-KR" sz="1400" b="0" i="1" dirty="0">
-                <a:latin typeface="+mn-lt"/>
-              </a:rPr>
-              <a:t># 1x3 </a:t>
-            </a:r>
-            <a:r>
-              <a:rPr lang="en-US" altLang="ko-KR" sz="1400" b="0" i="1" dirty="0" err="1">
-                <a:latin typeface="+mn-lt"/>
-              </a:rPr>
-              <a:t>ndarray</a:t>
-            </a:r>
-            <a:r>
-              <a:rPr lang="ko-KR" altLang="en-US" sz="1400" b="0" i="1" dirty="0">
-                <a:latin typeface="+mn-lt"/>
-              </a:rPr>
-              <a:t>에 스칼라 </a:t>
-            </a:r>
-            <a:r>
-              <a:rPr lang="en-US" altLang="ko-KR" sz="1400" b="0" i="1" dirty="0">
-                <a:latin typeface="+mn-lt"/>
-              </a:rPr>
-              <a:t>1</a:t>
-            </a:r>
-            <a:r>
-              <a:rPr lang="ko-KR" altLang="en-US" sz="1400" b="0" i="1" dirty="0">
-                <a:latin typeface="+mn-lt"/>
-              </a:rPr>
-              <a:t>을 더한다</a:t>
-            </a:r>
-            <a:endParaRPr lang="en-US" altLang="ko-KR" sz="1400" b="0" i="1" dirty="0">
-              <a:latin typeface="+mn-lt"/>
-            </a:endParaRPr>
-          </a:p>
-          <a:p>
-            <a:r>
-              <a:rPr lang="en-US" altLang="ko-KR" sz="1400" dirty="0">
-                <a:latin typeface="+mn-lt"/>
-              </a:rPr>
-              <a:t>nda+1</a:t>
-            </a:r>
-          </a:p>
-          <a:p>
-            <a:r>
-              <a:rPr lang="en-US" altLang="ko-KR" sz="1400" dirty="0">
-                <a:latin typeface="+mn-lt"/>
-              </a:rPr>
-              <a:t>Out[61]: array([2, 3, 4])</a:t>
-            </a:r>
-            <a:endParaRPr lang="en-US" altLang="ko-KR" sz="1400" dirty="0">
-              <a:solidFill>
-                <a:srgbClr val="FF0000"/>
-              </a:solidFill>
-              <a:latin typeface="+mn-lt"/>
+              <a:latin typeface="맑은 고딕" pitchFamily="50" charset="-127"/>
               <a:ea typeface="맑은 고딕" pitchFamily="50" charset="-127"/>
             </a:endParaRPr>
+          </a:p>
+          <a:p>
+            <a:pPr defTabSz="977900" eaLnBrk="1" hangingPunct="1"/>
+            <a:r>
+              <a:rPr lang="en-US" altLang="ko-KR" sz="1400" dirty="0" err="1">
+                <a:latin typeface="맑은 고딕" pitchFamily="50" charset="-127"/>
+                <a:ea typeface="맑은 고딕" pitchFamily="50" charset="-127"/>
+              </a:rPr>
+              <a:t>nda</a:t>
+            </a:r>
+            <a:r>
+              <a:rPr lang="en-US" altLang="ko-KR" sz="1400" dirty="0">
+                <a:latin typeface="맑은 고딕" pitchFamily="50" charset="-127"/>
+                <a:ea typeface="맑은 고딕" pitchFamily="50" charset="-127"/>
+              </a:rPr>
+              <a:t> = </a:t>
+            </a:r>
+            <a:r>
+              <a:rPr lang="en-US" altLang="ko-KR" sz="1400" dirty="0" err="1">
+                <a:latin typeface="맑은 고딕" pitchFamily="50" charset="-127"/>
+                <a:ea typeface="맑은 고딕" pitchFamily="50" charset="-127"/>
+              </a:rPr>
+              <a:t>np.arange</a:t>
+            </a:r>
+            <a:r>
+              <a:rPr lang="en-US" altLang="ko-KR" sz="1400" dirty="0">
+                <a:latin typeface="맑은 고딕" pitchFamily="50" charset="-127"/>
+                <a:ea typeface="맑은 고딕" pitchFamily="50" charset="-127"/>
+              </a:rPr>
+              <a:t>(12).reshape(2,6)</a:t>
+            </a:r>
+          </a:p>
+          <a:p>
+            <a:pPr defTabSz="977900" eaLnBrk="1" hangingPunct="1"/>
+            <a:endParaRPr lang="en-US" altLang="ko-KR" sz="1400" dirty="0">
+              <a:latin typeface="맑은 고딕" pitchFamily="50" charset="-127"/>
+              <a:ea typeface="맑은 고딕" pitchFamily="50" charset="-127"/>
+            </a:endParaRPr>
+          </a:p>
+          <a:p>
+            <a:pPr defTabSz="977900" eaLnBrk="1" hangingPunct="1"/>
+            <a:r>
+              <a:rPr lang="en-US" altLang="ko-KR" sz="1400" dirty="0" err="1">
+                <a:latin typeface="맑은 고딕" pitchFamily="50" charset="-127"/>
+                <a:ea typeface="맑은 고딕" pitchFamily="50" charset="-127"/>
+              </a:rPr>
+              <a:t>nda</a:t>
+            </a:r>
+            <a:endParaRPr lang="en-US" altLang="ko-KR" sz="1400" dirty="0">
+              <a:latin typeface="맑은 고딕" pitchFamily="50" charset="-127"/>
+              <a:ea typeface="맑은 고딕" pitchFamily="50" charset="-127"/>
+            </a:endParaRPr>
+          </a:p>
+          <a:p>
+            <a:pPr defTabSz="977900" eaLnBrk="1" hangingPunct="1"/>
+            <a:r>
+              <a:rPr lang="en-US" altLang="ko-KR" sz="1400" dirty="0">
+                <a:solidFill>
+                  <a:srgbClr val="FF0000"/>
+                </a:solidFill>
+                <a:latin typeface="맑은 고딕" pitchFamily="50" charset="-127"/>
+                <a:ea typeface="맑은 고딕" pitchFamily="50" charset="-127"/>
+              </a:rPr>
+              <a:t>Out[57]: </a:t>
+            </a:r>
+          </a:p>
+          <a:p>
+            <a:pPr defTabSz="977900" eaLnBrk="1" hangingPunct="1"/>
+            <a:r>
+              <a:rPr lang="en-US" altLang="ko-KR" sz="1400" dirty="0">
+                <a:solidFill>
+                  <a:srgbClr val="FF0000"/>
+                </a:solidFill>
+                <a:latin typeface="맑은 고딕" pitchFamily="50" charset="-127"/>
+                <a:ea typeface="맑은 고딕" pitchFamily="50" charset="-127"/>
+              </a:rPr>
+              <a:t>array([[ 0,  1,  2,  3,  4,  5],</a:t>
+            </a:r>
+          </a:p>
+          <a:p>
+            <a:pPr defTabSz="977900" eaLnBrk="1" hangingPunct="1"/>
+            <a:r>
+              <a:rPr lang="en-US" altLang="ko-KR" sz="1400" dirty="0">
+                <a:solidFill>
+                  <a:srgbClr val="FF0000"/>
+                </a:solidFill>
+                <a:latin typeface="맑은 고딕" pitchFamily="50" charset="-127"/>
+                <a:ea typeface="맑은 고딕" pitchFamily="50" charset="-127"/>
+              </a:rPr>
+              <a:t>       [ 6,  7,  8,  9, 10, 11]])</a:t>
+            </a:r>
+          </a:p>
+          <a:p>
+            <a:pPr defTabSz="977900" eaLnBrk="1" hangingPunct="1"/>
+            <a:endParaRPr lang="en-US" altLang="ko-KR" sz="1400" dirty="0">
+              <a:latin typeface="맑은 고딕" pitchFamily="50" charset="-127"/>
+              <a:ea typeface="맑은 고딕" pitchFamily="50" charset="-127"/>
+            </a:endParaRPr>
+          </a:p>
+          <a:p>
+            <a:pPr defTabSz="977900" eaLnBrk="1" hangingPunct="1"/>
+            <a:r>
+              <a:rPr lang="en-US" altLang="ko-KR" sz="1400" b="0" i="1" dirty="0">
+                <a:latin typeface="맑은 고딕" pitchFamily="50" charset="-127"/>
+                <a:ea typeface="맑은 고딕" pitchFamily="50" charset="-127"/>
+              </a:rPr>
+              <a:t># </a:t>
+            </a:r>
+            <a:r>
+              <a:rPr lang="en-US" altLang="ko-KR" sz="1400" b="0" i="1" dirty="0" err="1">
+                <a:latin typeface="맑은 고딕" pitchFamily="50" charset="-127"/>
+                <a:ea typeface="맑은 고딕" pitchFamily="50" charset="-127"/>
+              </a:rPr>
+              <a:t>nda</a:t>
+            </a:r>
+            <a:r>
+              <a:rPr lang="ko-KR" altLang="en-US" sz="1400" b="0" i="1" dirty="0">
+                <a:latin typeface="맑은 고딕" pitchFamily="50" charset="-127"/>
+                <a:ea typeface="맑은 고딕" pitchFamily="50" charset="-127"/>
+              </a:rPr>
+              <a:t>에 </a:t>
+            </a:r>
+            <a:r>
+              <a:rPr lang="en-US" altLang="ko-KR" sz="1400" b="0" i="1" dirty="0" err="1">
+                <a:latin typeface="맑은 고딕" pitchFamily="50" charset="-127"/>
+                <a:ea typeface="맑은 고딕" pitchFamily="50" charset="-127"/>
+              </a:rPr>
+              <a:t>ufunc</a:t>
+            </a:r>
+            <a:r>
+              <a:rPr lang="en-US" altLang="ko-KR" sz="1400" b="0" i="1" dirty="0">
+                <a:latin typeface="맑은 고딕" pitchFamily="50" charset="-127"/>
+                <a:ea typeface="맑은 고딕" pitchFamily="50" charset="-127"/>
+              </a:rPr>
+              <a:t>(square)</a:t>
+            </a:r>
+            <a:r>
+              <a:rPr lang="ko-KR" altLang="en-US" sz="1400" b="0" i="1" dirty="0">
+                <a:latin typeface="맑은 고딕" pitchFamily="50" charset="-127"/>
+                <a:ea typeface="맑은 고딕" pitchFamily="50" charset="-127"/>
+              </a:rPr>
+              <a:t>를 적용하여 각 요소를 제곱한다</a:t>
+            </a:r>
+            <a:endParaRPr lang="en-US" altLang="ko-KR" sz="1400" b="0" i="1" dirty="0">
+              <a:latin typeface="맑은 고딕" pitchFamily="50" charset="-127"/>
+              <a:ea typeface="맑은 고딕" pitchFamily="50" charset="-127"/>
+            </a:endParaRPr>
+          </a:p>
+          <a:p>
+            <a:pPr defTabSz="977900" eaLnBrk="1" hangingPunct="1"/>
+            <a:r>
+              <a:rPr lang="en-US" altLang="ko-KR" sz="1400" dirty="0" err="1">
+                <a:latin typeface="맑은 고딕" pitchFamily="50" charset="-127"/>
+                <a:ea typeface="맑은 고딕" pitchFamily="50" charset="-127"/>
+              </a:rPr>
+              <a:t>np.square</a:t>
+            </a:r>
+            <a:r>
+              <a:rPr lang="en-US" altLang="ko-KR" sz="1400" dirty="0">
+                <a:latin typeface="맑은 고딕" pitchFamily="50" charset="-127"/>
+                <a:ea typeface="맑은 고딕" pitchFamily="50" charset="-127"/>
+              </a:rPr>
+              <a:t>(</a:t>
+            </a:r>
+            <a:r>
+              <a:rPr lang="en-US" altLang="ko-KR" sz="1400" dirty="0" err="1">
+                <a:latin typeface="맑은 고딕" pitchFamily="50" charset="-127"/>
+                <a:ea typeface="맑은 고딕" pitchFamily="50" charset="-127"/>
+              </a:rPr>
+              <a:t>nda</a:t>
+            </a:r>
+            <a:r>
+              <a:rPr lang="en-US" altLang="ko-KR" sz="1400" dirty="0">
+                <a:latin typeface="맑은 고딕" pitchFamily="50" charset="-127"/>
+                <a:ea typeface="맑은 고딕" pitchFamily="50" charset="-127"/>
+              </a:rPr>
+              <a:t>)</a:t>
+            </a:r>
+          </a:p>
+          <a:p>
+            <a:pPr defTabSz="977900" eaLnBrk="1" hangingPunct="1"/>
+            <a:r>
+              <a:rPr lang="en-US" altLang="ko-KR" sz="1400" dirty="0">
+                <a:solidFill>
+                  <a:srgbClr val="FF0000"/>
+                </a:solidFill>
+                <a:latin typeface="맑은 고딕" pitchFamily="50" charset="-127"/>
+                <a:ea typeface="맑은 고딕" pitchFamily="50" charset="-127"/>
+              </a:rPr>
+              <a:t>Out[58]: </a:t>
+            </a:r>
+          </a:p>
+          <a:p>
+            <a:pPr defTabSz="977900" eaLnBrk="1" hangingPunct="1"/>
+            <a:r>
+              <a:rPr lang="en-US" altLang="ko-KR" sz="1400" dirty="0">
+                <a:solidFill>
+                  <a:srgbClr val="FF0000"/>
+                </a:solidFill>
+                <a:latin typeface="맑은 고딕" pitchFamily="50" charset="-127"/>
+                <a:ea typeface="맑은 고딕" pitchFamily="50" charset="-127"/>
+              </a:rPr>
+              <a:t>array([[  0,   1,   4,   9,  16,  25],</a:t>
+            </a:r>
+          </a:p>
+          <a:p>
+            <a:pPr defTabSz="977900" eaLnBrk="1" hangingPunct="1"/>
+            <a:r>
+              <a:rPr lang="en-US" altLang="ko-KR" sz="1400" dirty="0">
+                <a:solidFill>
+                  <a:srgbClr val="FF0000"/>
+                </a:solidFill>
+                <a:latin typeface="맑은 고딕" pitchFamily="50" charset="-127"/>
+                <a:ea typeface="맑은 고딕" pitchFamily="50" charset="-127"/>
+              </a:rPr>
+              <a:t>       [ 36,  49,  64,  81, 100, 121]], </a:t>
+            </a:r>
+            <a:r>
+              <a:rPr lang="en-US" altLang="ko-KR" sz="1400" dirty="0" err="1">
+                <a:solidFill>
+                  <a:srgbClr val="FF0000"/>
+                </a:solidFill>
+                <a:latin typeface="맑은 고딕" pitchFamily="50" charset="-127"/>
+                <a:ea typeface="맑은 고딕" pitchFamily="50" charset="-127"/>
+              </a:rPr>
+              <a:t>dtype</a:t>
+            </a:r>
+            <a:r>
+              <a:rPr lang="en-US" altLang="ko-KR" sz="1400" dirty="0">
+                <a:solidFill>
+                  <a:srgbClr val="FF0000"/>
+                </a:solidFill>
+                <a:latin typeface="맑은 고딕" pitchFamily="50" charset="-127"/>
+                <a:ea typeface="맑은 고딕" pitchFamily="50" charset="-127"/>
+              </a:rPr>
+              <a:t>=int32)</a:t>
+            </a:r>
           </a:p>
         </p:txBody>
       </p:sp>
     </p:spTree>
     <p:extLst>
       <p:ext uri="{BB962C8B-B14F-4D97-AF65-F5344CB8AC3E}">
-        <p14:creationId xmlns:p14="http://schemas.microsoft.com/office/powerpoint/2010/main" val="328481087"/>
+        <p14:creationId xmlns:p14="http://schemas.microsoft.com/office/powerpoint/2010/main" val="613357660"/>
       </p:ext>
     </p:extLst>
   </p:cSld>
@@ -24381,9 +24407,12 @@
           <a:p>
             <a:r>
               <a:rPr lang="ko-KR" altLang="en-US" dirty="0" err="1"/>
-              <a:t>브로드캐스팅</a:t>
-            </a:r>
-            <a:endParaRPr lang="ko-KR" altLang="en-US" dirty="0"/>
+              <a:t>유니버셜</a:t>
+            </a:r>
+            <a:r>
+              <a:rPr lang="ko-KR" altLang="en-US" dirty="0"/>
+              <a:t> 함수</a:t>
+            </a:r>
           </a:p>
         </p:txBody>
       </p:sp>
@@ -24399,8 +24428,8 @@
         </p:nvSpPr>
         <p:spPr>
           <a:xfrm>
-            <a:off x="323411" y="1052670"/>
-            <a:ext cx="8353046" cy="4001095"/>
+            <a:off x="323410" y="1052670"/>
+            <a:ext cx="8670925" cy="5109091"/>
           </a:xfrm>
           <a:noFill/>
           <a:ln>
@@ -24436,244 +24465,135 @@
           <a:lstStyle/>
           <a:p>
             <a:r>
+              <a:rPr lang="ko-KR" altLang="en-US" dirty="0"/>
+              <a:t>유니버설 함수</a:t>
+            </a:r>
+            <a:r>
+              <a:rPr lang="en-US" altLang="ko-KR" dirty="0"/>
+              <a:t>(universal function)</a:t>
+            </a:r>
+          </a:p>
+          <a:p>
+            <a:pPr lvl="1"/>
+            <a:r>
+              <a:rPr lang="ko-KR" altLang="en-US" dirty="0"/>
+              <a:t>앞과 같은 요소 단위 제곱을 </a:t>
+            </a:r>
+            <a:r>
               <a:rPr lang="ko-KR" altLang="en-US" dirty="0" err="1"/>
-              <a:t>브로드캐스팅</a:t>
+              <a:t>파이썬</a:t>
+            </a:r>
+            <a:r>
+              <a:rPr lang="ko-KR" altLang="en-US" dirty="0"/>
+              <a:t> 자체 기능만을 사용하려면 </a:t>
+            </a:r>
+            <a:r>
+              <a:rPr lang="en-US" altLang="ko-KR" dirty="0"/>
+              <a:t>for</a:t>
+            </a:r>
+            <a:r>
+              <a:rPr lang="ko-KR" altLang="en-US" dirty="0"/>
+              <a:t>문이나 리스트 </a:t>
+            </a:r>
+            <a:r>
+              <a:rPr lang="ko-KR" altLang="en-US" dirty="0" err="1"/>
+              <a:t>컴프리헨션</a:t>
+            </a:r>
+            <a:r>
+              <a:rPr lang="ko-KR" altLang="en-US" dirty="0"/>
+              <a:t> 등을 사용해야 한다</a:t>
             </a:r>
             <a:endParaRPr lang="en-US" altLang="ko-KR" dirty="0"/>
           </a:p>
           <a:p>
             <a:pPr lvl="1"/>
             <a:r>
-              <a:rPr lang="ko-KR" altLang="ko-KR" dirty="0"/>
-              <a:t>①</a:t>
+              <a:rPr lang="ko-KR" altLang="en-US" dirty="0"/>
+              <a:t>그러나 이를 </a:t>
+            </a:r>
+            <a:r>
+              <a:rPr lang="en-US" altLang="ko-KR" dirty="0" err="1"/>
+              <a:t>ufunc</a:t>
+            </a:r>
+            <a:r>
+              <a:rPr lang="ko-KR" altLang="en-US" dirty="0"/>
+              <a:t>를 이용해 속도면에서도 빠르고</a:t>
             </a:r>
             <a:r>
               <a:rPr lang="en-US" altLang="ko-KR" dirty="0"/>
+              <a:t>, </a:t>
+            </a:r>
+            <a:r>
+              <a:rPr lang="ko-KR" altLang="en-US" dirty="0" err="1"/>
+              <a:t>한줄로</a:t>
+            </a:r>
+            <a:r>
+              <a:rPr lang="ko-KR" altLang="en-US" dirty="0"/>
+              <a:t> 처리할 수 있다</a:t>
+            </a:r>
+            <a:endParaRPr lang="en-US" altLang="ko-KR" dirty="0"/>
+          </a:p>
+          <a:p>
+            <a:pPr lvl="1"/>
+            <a:r>
+              <a:rPr lang="ko-KR" altLang="en-US" dirty="0" err="1"/>
+              <a:t>특정함수가</a:t>
+            </a:r>
+            <a:r>
+              <a:rPr lang="ko-KR" altLang="en-US" dirty="0"/>
               <a:t> </a:t>
             </a:r>
             <a:r>
+              <a:rPr lang="en-US" altLang="ko-KR" dirty="0" err="1"/>
+              <a:t>ufunc</a:t>
+            </a:r>
+            <a:r>
               <a:rPr lang="ko-KR" altLang="en-US" dirty="0"/>
-              <a:t>계산에 쓰일 </a:t>
+              <a:t>인지 아닌지 알려면 </a:t>
+            </a:r>
+            <a:r>
+              <a:rPr lang="en-US" altLang="ko-KR" dirty="0"/>
+              <a:t>“?”</a:t>
+            </a:r>
+            <a:r>
+              <a:rPr lang="ko-KR" altLang="en-US" dirty="0"/>
+              <a:t>를 사용해 함수의 도움말을 보면 된다</a:t>
+            </a:r>
+            <a:endParaRPr lang="en-US" altLang="ko-KR" dirty="0"/>
+          </a:p>
+          <a:p>
+            <a:pPr lvl="1"/>
+            <a:r>
+              <a:rPr lang="ko-KR" altLang="en-US" dirty="0"/>
+              <a:t>예를 들어 </a:t>
             </a:r>
             <a:r>
               <a:rPr lang="en-US" altLang="ko-KR" dirty="0" err="1"/>
-              <a:t>ndarray</a:t>
-            </a:r>
-            <a:r>
-              <a:rPr lang="en-US" altLang="ko-KR" dirty="0"/>
-              <a:t> </a:t>
-            </a:r>
-            <a:r>
-              <a:rPr lang="ko-KR" altLang="en-US" dirty="0"/>
-              <a:t>중 </a:t>
-            </a:r>
-            <a:r>
-              <a:rPr lang="en-US" altLang="ko-KR" dirty="0" err="1"/>
-              <a:t>ndim</a:t>
-            </a:r>
-            <a:r>
-              <a:rPr lang="ko-KR" altLang="en-US" dirty="0"/>
-              <a:t>의 크기가 가장 큰 것과 맞도록 </a:t>
-            </a:r>
-            <a:r>
-              <a:rPr lang="en-US" altLang="ko-KR" dirty="0"/>
-              <a:t>1</a:t>
-            </a:r>
-            <a:r>
-              <a:rPr lang="ko-KR" altLang="en-US" dirty="0"/>
-              <a:t>을 필요한 크기만큼 </a:t>
-            </a:r>
-            <a:r>
-              <a:rPr lang="en-US" altLang="ko-KR" dirty="0" err="1"/>
-              <a:t>ndim</a:t>
-            </a:r>
-            <a:r>
-              <a:rPr lang="ko-KR" altLang="en-US" dirty="0"/>
-              <a:t>의 </a:t>
-            </a:r>
-            <a:r>
-              <a:rPr lang="ko-KR" altLang="en-US" dirty="0" err="1"/>
-              <a:t>튜플</a:t>
-            </a:r>
-            <a:r>
-              <a:rPr lang="ko-KR" altLang="en-US" dirty="0"/>
-              <a:t> 표현 앞에 더한다</a:t>
-            </a:r>
-            <a:r>
-              <a:rPr lang="en-US" altLang="ko-KR" dirty="0"/>
-              <a:t>. </a:t>
-            </a:r>
-            <a:r>
-              <a:rPr lang="ko-KR" altLang="en-US" dirty="0"/>
-              <a:t>예를 들어 최대 </a:t>
-            </a:r>
-            <a:r>
-              <a:rPr lang="en-US" altLang="ko-KR" dirty="0" err="1"/>
-              <a:t>ndim</a:t>
+              <a:t>np.sin</a:t>
             </a:r>
             <a:r>
               <a:rPr lang="ko-KR" altLang="en-US" dirty="0"/>
               <a:t>이 </a:t>
             </a:r>
             <a:r>
+              <a:rPr lang="en-US" altLang="ko-KR" dirty="0" err="1"/>
+              <a:t>ufunc</a:t>
+            </a:r>
+            <a:r>
+              <a:rPr lang="ko-KR" altLang="en-US" dirty="0"/>
+              <a:t>인지 알려면 </a:t>
+            </a:r>
+            <a:r>
+              <a:rPr lang="en-US" altLang="ko-KR" dirty="0" err="1"/>
+              <a:t>np.sin</a:t>
+            </a:r>
+            <a:r>
               <a:rPr lang="en-US" altLang="ko-KR" dirty="0"/>
-              <a:t>3</a:t>
+              <a:t>?</a:t>
             </a:r>
             <a:r>
               <a:rPr lang="ko-KR" altLang="en-US" dirty="0"/>
-              <a:t>일 때 크기가 </a:t>
-            </a:r>
-            <a:r>
-              <a:rPr lang="en-US" altLang="ko-KR" dirty="0"/>
-              <a:t>(2, 3)</a:t>
-            </a:r>
-            <a:r>
-              <a:rPr lang="ko-KR" altLang="en-US" dirty="0"/>
-              <a:t>인 </a:t>
-            </a:r>
-            <a:r>
-              <a:rPr lang="en-US" altLang="ko-KR" dirty="0" err="1"/>
-              <a:t>ndarray</a:t>
-            </a:r>
-            <a:r>
-              <a:rPr lang="ko-KR" altLang="en-US" dirty="0"/>
-              <a:t>가 있는 경우</a:t>
-            </a:r>
-            <a:r>
-              <a:rPr lang="en-US" altLang="ko-KR" dirty="0"/>
-              <a:t>, 1</a:t>
-            </a:r>
-            <a:r>
-              <a:rPr lang="ko-KR" altLang="en-US" dirty="0"/>
-              <a:t>을 앞에 채워 </a:t>
-            </a:r>
-            <a:r>
-              <a:rPr lang="en-US" altLang="ko-KR" dirty="0"/>
-              <a:t>(1, 2, 3) </a:t>
-            </a:r>
-            <a:r>
-              <a:rPr lang="ko-KR" altLang="en-US" dirty="0"/>
-              <a:t>크기의 </a:t>
-            </a:r>
-            <a:r>
-              <a:rPr lang="en-US" altLang="ko-KR" dirty="0" err="1"/>
-              <a:t>ndarray</a:t>
-            </a:r>
-            <a:r>
-              <a:rPr lang="ko-KR" altLang="en-US" dirty="0"/>
-              <a:t>라고 간주한다</a:t>
-            </a:r>
-            <a:endParaRPr lang="en-US" altLang="ko-KR" dirty="0"/>
-          </a:p>
-          <a:p>
-            <a:pPr lvl="1"/>
-            <a:r>
-              <a:rPr lang="ko-KR" altLang="en-US" dirty="0"/>
-              <a:t>② 계산에 쓰일 </a:t>
-            </a:r>
-            <a:r>
-              <a:rPr lang="en-US" altLang="ko-KR" dirty="0" err="1"/>
-              <a:t>ndarray</a:t>
-            </a:r>
-            <a:r>
-              <a:rPr lang="ko-KR" altLang="en-US" dirty="0"/>
-              <a:t>의 각 축에 대한 크기의 최댓값으로 </a:t>
-            </a:r>
-            <a:r>
-              <a:rPr lang="en-US" altLang="ko-KR" dirty="0" err="1"/>
-              <a:t>ndarray</a:t>
-            </a:r>
-            <a:r>
-              <a:rPr lang="ko-KR" altLang="en-US" dirty="0"/>
-              <a:t>의 출력 크기가 정해진다</a:t>
-            </a:r>
-            <a:endParaRPr lang="en-US" altLang="ko-KR" dirty="0"/>
-          </a:p>
-          <a:p>
-            <a:pPr lvl="1"/>
-            <a:r>
-              <a:rPr lang="ko-KR" altLang="en-US" dirty="0"/>
-              <a:t>③ </a:t>
-            </a:r>
-            <a:r>
-              <a:rPr lang="ko-KR" altLang="en-US" dirty="0" err="1"/>
-              <a:t>브로드캐스팅으로</a:t>
-            </a:r>
-            <a:r>
-              <a:rPr lang="ko-KR" altLang="en-US" dirty="0"/>
-              <a:t> 계산이 가능할지 여부는 다음과 같지 결정된다</a:t>
-            </a:r>
-            <a:r>
-              <a:rPr lang="en-US" altLang="ko-KR" dirty="0"/>
-              <a:t>. </a:t>
-            </a:r>
-            <a:r>
-              <a:rPr lang="ko-KR" altLang="en-US" dirty="0"/>
-              <a:t>차수가 높은 축부터 순서대로</a:t>
-            </a:r>
-            <a:r>
-              <a:rPr lang="en-US" altLang="ko-KR" dirty="0"/>
-              <a:t>(</a:t>
-            </a:r>
-            <a:r>
-              <a:rPr lang="en-US" altLang="ko-KR" dirty="0" err="1"/>
-              <a:t>ndim</a:t>
-            </a:r>
-            <a:r>
-              <a:rPr lang="en-US" altLang="ko-KR" dirty="0"/>
-              <a:t> = 3</a:t>
-            </a:r>
-            <a:r>
-              <a:rPr lang="ko-KR" altLang="en-US" dirty="0"/>
-              <a:t>이라면 </a:t>
-            </a:r>
-            <a:r>
-              <a:rPr lang="en-US" altLang="ko-KR" dirty="0"/>
-              <a:t>2, 1, 0 </a:t>
-            </a:r>
-            <a:r>
-              <a:rPr lang="ko-KR" altLang="en-US" dirty="0"/>
-              <a:t>순으로</a:t>
-            </a:r>
-            <a:r>
-              <a:rPr lang="en-US" altLang="ko-KR" dirty="0"/>
-              <a:t>) </a:t>
-            </a:r>
-            <a:r>
-              <a:rPr lang="ko-KR" altLang="en-US" dirty="0"/>
-              <a:t>위의 출력 크기와 각 </a:t>
-            </a:r>
-            <a:r>
-              <a:rPr lang="en-US" altLang="ko-KR" dirty="0" err="1"/>
-              <a:t>ndarray</a:t>
-            </a:r>
-            <a:r>
-              <a:rPr lang="ko-KR" altLang="en-US" dirty="0"/>
-              <a:t>의 크기를 비교하면서 크기가 일치하는 축이 발견됐을 때 그 외의 축의 크기가 </a:t>
-            </a:r>
-            <a:r>
-              <a:rPr lang="en-US" altLang="ko-KR" dirty="0"/>
-              <a:t>‘1’ </a:t>
-            </a:r>
-            <a:r>
-              <a:rPr lang="ko-KR" altLang="en-US" dirty="0"/>
-              <a:t>혹은 출력 크기와 일치한다면 </a:t>
-            </a:r>
-            <a:r>
-              <a:rPr lang="ko-KR" altLang="en-US" dirty="0" err="1"/>
-              <a:t>브로드캐스팅이</a:t>
-            </a:r>
-            <a:r>
-              <a:rPr lang="ko-KR" altLang="en-US" dirty="0"/>
-              <a:t> 가능하며</a:t>
-            </a:r>
-            <a:r>
-              <a:rPr lang="en-US" altLang="ko-KR" dirty="0"/>
-              <a:t>, </a:t>
-            </a:r>
-            <a:r>
-              <a:rPr lang="ko-KR" altLang="en-US" dirty="0"/>
-              <a:t>그렇지 않다면 불가능하므로 오류가 발생한다</a:t>
+              <a:t>를 입력하면 된다</a:t>
             </a:r>
             <a:endParaRPr lang="en-US" altLang="ko-KR" dirty="0"/>
           </a:p>
@@ -24683,30 +24603,171 @@
           </a:p>
           <a:p>
             <a:pPr lvl="1"/>
+            <a:endParaRPr lang="en-US" altLang="ko-KR" dirty="0"/>
+          </a:p>
+          <a:p>
+            <a:pPr lvl="1"/>
+            <a:endParaRPr lang="en-US" altLang="ko-KR" dirty="0"/>
+          </a:p>
+          <a:p>
+            <a:pPr lvl="1"/>
+            <a:endParaRPr lang="en-US" altLang="ko-KR" dirty="0"/>
+          </a:p>
+          <a:p>
+            <a:pPr lvl="1"/>
+            <a:endParaRPr lang="en-US" altLang="ko-KR" dirty="0"/>
+          </a:p>
+          <a:p>
+            <a:pPr lvl="1"/>
+            <a:endParaRPr lang="en-US" altLang="ko-KR" dirty="0"/>
+          </a:p>
+          <a:p>
+            <a:pPr lvl="1"/>
+            <a:r>
+              <a:rPr lang="en-US" altLang="ko-KR" dirty="0"/>
+              <a:t>Type</a:t>
+            </a:r>
             <a:r>
               <a:rPr lang="ko-KR" altLang="en-US" dirty="0"/>
-              <a:t>난해하다 </a:t>
-            </a:r>
-            <a:r>
-              <a:rPr lang="en-US" altLang="ko-KR" dirty="0">
-                <a:sym typeface="Wingdings" panose="05000000000000000000" pitchFamily="2" charset="2"/>
-              </a:rPr>
-              <a:t> </a:t>
-            </a:r>
-            <a:r>
-              <a:rPr lang="ko-KR" altLang="en-US" dirty="0">
-                <a:sym typeface="Wingdings" panose="05000000000000000000" pitchFamily="2" charset="2"/>
-              </a:rPr>
-              <a:t>예제를 통해 알아보자</a:t>
+              <a:t>이 </a:t>
+            </a:r>
+            <a:r>
+              <a:rPr lang="en-US" altLang="ko-KR" dirty="0" err="1"/>
+              <a:t>ufunc</a:t>
+            </a:r>
+            <a:r>
+              <a:rPr lang="ko-KR" altLang="en-US" dirty="0"/>
+              <a:t>임을 확인할 수 있다</a:t>
             </a:r>
             <a:endParaRPr lang="en-US" altLang="ko-KR" dirty="0"/>
+          </a:p>
+          <a:p>
+            <a:pPr lvl="1"/>
+            <a:endParaRPr lang="en-US" altLang="ko-KR" dirty="0"/>
+          </a:p>
+        </p:txBody>
+      </p:sp>
+      <p:sp>
+        <p:nvSpPr>
+          <p:cNvPr id="5" name="직사각형 4"/>
+          <p:cNvSpPr/>
+          <p:nvPr/>
+        </p:nvSpPr>
+        <p:spPr bwMode="auto">
+          <a:xfrm>
+            <a:off x="1182768" y="3501008"/>
+            <a:ext cx="6768940" cy="1584176"/>
+          </a:xfrm>
+          <a:prstGeom prst="rect">
+            <a:avLst/>
+          </a:prstGeom>
+          <a:solidFill>
+            <a:schemeClr val="bg1">
+              <a:lumMod val="85000"/>
+            </a:schemeClr>
+          </a:solidFill>
+          <a:ln w="9525" cap="flat" cmpd="sng" algn="ctr">
+            <a:noFill/>
+            <a:prstDash val="solid"/>
+            <a:round/>
+            <a:headEnd type="none" w="med" len="med"/>
+            <a:tailEnd type="none" w="med" len="med"/>
+          </a:ln>
+          <a:effectLst/>
+        </p:spPr>
+        <p:txBody>
+          <a:bodyPr vert="horz" wrap="none" lIns="360000" tIns="45720" rIns="91440" bIns="45720" numCol="1" rtlCol="0" anchor="ctr" anchorCtr="0" compatLnSpc="1">
+            <a:prstTxWarp prst="textNoShape">
+              <a:avLst/>
+            </a:prstTxWarp>
+          </a:bodyPr>
+          <a:lstStyle/>
+          <a:p>
+            <a:r>
+              <a:rPr lang="en-US" altLang="ko-KR" sz="1400" dirty="0">
+                <a:latin typeface="+mn-lt"/>
+              </a:rPr>
+              <a:t>Type: </a:t>
+            </a:r>
+            <a:r>
+              <a:rPr lang="en-US" altLang="ko-KR" sz="1400" dirty="0" err="1">
+                <a:solidFill>
+                  <a:srgbClr val="FF0000"/>
+                </a:solidFill>
+                <a:latin typeface="+mn-lt"/>
+              </a:rPr>
+              <a:t>ufunc</a:t>
+            </a:r>
+            <a:endParaRPr lang="en-US" altLang="ko-KR" sz="1400" dirty="0">
+              <a:solidFill>
+                <a:srgbClr val="FF0000"/>
+              </a:solidFill>
+              <a:latin typeface="+mn-lt"/>
+            </a:endParaRPr>
+          </a:p>
+          <a:p>
+            <a:r>
+              <a:rPr lang="en-US" altLang="ko-KR" sz="1400" dirty="0">
+                <a:latin typeface="+mn-lt"/>
+              </a:rPr>
+              <a:t>String form: &lt;</a:t>
+            </a:r>
+            <a:r>
+              <a:rPr lang="en-US" altLang="ko-KR" sz="1400" dirty="0" err="1">
+                <a:latin typeface="+mn-lt"/>
+              </a:rPr>
+              <a:t>ufunc</a:t>
+            </a:r>
+            <a:r>
+              <a:rPr lang="en-US" altLang="ko-KR" sz="1400" dirty="0">
+                <a:latin typeface="+mn-lt"/>
+              </a:rPr>
+              <a:t> 'sin'&gt;</a:t>
+            </a:r>
+          </a:p>
+          <a:p>
+            <a:r>
+              <a:rPr lang="en-US" altLang="ko-KR" sz="1400" dirty="0">
+                <a:latin typeface="+mn-lt"/>
+              </a:rPr>
+              <a:t>File: c:\users\bumho\anaconda3\lib\site-packages\numpy\__init__.py</a:t>
+            </a:r>
+          </a:p>
+          <a:p>
+            <a:r>
+              <a:rPr lang="en-US" altLang="ko-KR" sz="1400" dirty="0" err="1">
+                <a:latin typeface="+mn-lt"/>
+              </a:rPr>
+              <a:t>Docstring</a:t>
+            </a:r>
+            <a:r>
+              <a:rPr lang="en-US" altLang="ko-KR" sz="1400" dirty="0">
+                <a:latin typeface="+mn-lt"/>
+              </a:rPr>
+              <a:t>: </a:t>
+            </a:r>
+          </a:p>
+          <a:p>
+            <a:r>
+              <a:rPr lang="en-US" altLang="ko-KR" sz="1400" dirty="0">
+                <a:latin typeface="+mn-lt"/>
+              </a:rPr>
+              <a:t>sin(x[, out])</a:t>
+            </a:r>
+            <a:endParaRPr lang="en-US" altLang="ko-KR" sz="1400" dirty="0">
+              <a:solidFill>
+                <a:srgbClr val="FF0000"/>
+              </a:solidFill>
+              <a:latin typeface="+mn-lt"/>
+              <a:ea typeface="맑은 고딕" pitchFamily="50" charset="-127"/>
+            </a:endParaRPr>
           </a:p>
         </p:txBody>
       </p:sp>
     </p:spTree>
     <p:extLst>
       <p:ext uri="{BB962C8B-B14F-4D97-AF65-F5344CB8AC3E}">
-        <p14:creationId xmlns:p14="http://schemas.microsoft.com/office/powerpoint/2010/main" val="1499506830"/>
+        <p14:creationId xmlns:p14="http://schemas.microsoft.com/office/powerpoint/2010/main" val="1910086847"/>
       </p:ext>
     </p:extLst>
   </p:cSld>
@@ -24769,6 +24830,781 @@
         <p:spPr>
           <a:xfrm>
             <a:off x="323410" y="1052670"/>
+            <a:ext cx="8670925" cy="4739759"/>
+          </a:xfrm>
+          <a:noFill/>
+          <a:ln>
+            <a:noFill/>
+          </a:ln>
+          <a:extLst>
+            <a:ext uri="{909E8E84-426E-40DD-AFC4-6F175D3DCCD1}">
+              <a14:hiddenFill xmlns:a14="http://schemas.microsoft.com/office/drawing/2010/main">
+                <a:solidFill>
+                  <a:srgbClr val="FFFFFF"/>
+                </a:solidFill>
+              </a14:hiddenFill>
+            </a:ext>
+            <a:ext uri="{91240B29-F687-4F45-9708-019B960494DF}">
+              <a14:hiddenLine xmlns:a14="http://schemas.microsoft.com/office/drawing/2010/main" w="9525">
+                <a:solidFill>
+                  <a:srgbClr val="000000"/>
+                </a:solidFill>
+                <a:miter lim="800000"/>
+                <a:headEnd/>
+                <a:tailEnd/>
+              </a14:hiddenLine>
+            </a:ext>
+          </a:extLst>
+        </p:spPr>
+        <p:txBody>
+          <a:bodyPr vert="horz" wrap="square" lIns="0" tIns="0" rIns="0" bIns="0" numCol="1" anchor="t" anchorCtr="0" compatLnSpc="1">
+            <a:prstTxWarp prst="textNoShape">
+              <a:avLst/>
+            </a:prstTxWarp>
+            <a:spAutoFit/>
+          </a:bodyPr>
+          <a:lstStyle/>
+          <a:p>
+            <a:r>
+              <a:rPr lang="ko-KR" altLang="en-US" dirty="0" err="1"/>
+              <a:t>브로드캐스팅</a:t>
+            </a:r>
+            <a:endParaRPr lang="en-US" altLang="ko-KR" dirty="0"/>
+          </a:p>
+          <a:p>
+            <a:pPr lvl="1"/>
+            <a:r>
+              <a:rPr lang="en-US" altLang="ko-KR" dirty="0" err="1"/>
+              <a:t>Numpy</a:t>
+            </a:r>
+            <a:r>
+              <a:rPr lang="ko-KR" altLang="en-US" dirty="0"/>
+              <a:t>가 효율적인 처리를 목적으로 가지고 있는 배열 연산 확장 규칙</a:t>
+            </a:r>
+            <a:endParaRPr lang="en-US" altLang="ko-KR" dirty="0"/>
+          </a:p>
+          <a:p>
+            <a:pPr lvl="1"/>
+            <a:r>
+              <a:rPr lang="en-US" altLang="ko-KR" dirty="0" err="1"/>
+              <a:t>ndarray</a:t>
+            </a:r>
+            <a:r>
+              <a:rPr lang="ko-KR" altLang="en-US" dirty="0" err="1"/>
+              <a:t>끼리의</a:t>
+            </a:r>
+            <a:r>
+              <a:rPr lang="ko-KR" altLang="en-US" dirty="0"/>
+              <a:t> 연산을 수행할 때</a:t>
+            </a:r>
+            <a:r>
+              <a:rPr lang="en-US" altLang="ko-KR" dirty="0"/>
+              <a:t>, </a:t>
+            </a:r>
+            <a:r>
+              <a:rPr lang="ko-KR" altLang="en-US" dirty="0"/>
+              <a:t>서로 다른 크기를 갖는 </a:t>
+            </a:r>
+            <a:r>
+              <a:rPr lang="en-US" altLang="ko-KR" dirty="0"/>
+              <a:t>2</a:t>
+            </a:r>
+            <a:r>
+              <a:rPr lang="ko-KR" altLang="en-US" dirty="0"/>
+              <a:t>개의 </a:t>
+            </a:r>
+            <a:r>
+              <a:rPr lang="en-US" altLang="ko-KR" dirty="0" err="1"/>
+              <a:t>ndarray</a:t>
+            </a:r>
+            <a:r>
+              <a:rPr lang="ko-KR" altLang="en-US" dirty="0"/>
+              <a:t>에 연산을 수행해야 하는 경우</a:t>
+            </a:r>
+            <a:endParaRPr lang="en-US" altLang="ko-KR" dirty="0"/>
+          </a:p>
+          <a:p>
+            <a:pPr lvl="1"/>
+            <a:endParaRPr lang="en-US" altLang="ko-KR" dirty="0"/>
+          </a:p>
+          <a:p>
+            <a:pPr lvl="1"/>
+            <a:endParaRPr lang="en-US" altLang="ko-KR" dirty="0"/>
+          </a:p>
+          <a:p>
+            <a:pPr lvl="1"/>
+            <a:endParaRPr lang="en-US" altLang="ko-KR" dirty="0"/>
+          </a:p>
+          <a:p>
+            <a:pPr lvl="1"/>
+            <a:endParaRPr lang="en-US" altLang="ko-KR" dirty="0"/>
+          </a:p>
+          <a:p>
+            <a:pPr lvl="1"/>
+            <a:endParaRPr lang="en-US" altLang="ko-KR" dirty="0"/>
+          </a:p>
+          <a:p>
+            <a:pPr lvl="1"/>
+            <a:r>
+              <a:rPr lang="ko-KR" altLang="en-US" dirty="0"/>
+              <a:t>위의 예에서 요소 단위 계산을 하려면 요소 수가 다르므로 이대로는 실행 불가능</a:t>
+            </a:r>
+            <a:endParaRPr lang="en-US" altLang="ko-KR" dirty="0"/>
+          </a:p>
+          <a:p>
+            <a:pPr lvl="1"/>
+            <a:r>
+              <a:rPr lang="en-US" altLang="ko-KR" dirty="0" err="1"/>
+              <a:t>Numpy</a:t>
+            </a:r>
+            <a:r>
+              <a:rPr lang="ko-KR" altLang="en-US" dirty="0"/>
+              <a:t>에서 이 계산을 가능하게 해주는 처리가 </a:t>
+            </a:r>
+            <a:r>
+              <a:rPr lang="ko-KR" altLang="en-US" dirty="0" err="1"/>
+              <a:t>브로드캐스팅</a:t>
+            </a:r>
+            <a:endParaRPr lang="en-US" altLang="ko-KR" dirty="0"/>
+          </a:p>
+          <a:p>
+            <a:pPr lvl="1"/>
+            <a:r>
+              <a:rPr lang="ko-KR" altLang="en-US" dirty="0" err="1"/>
+              <a:t>브로드캐스팅은</a:t>
+            </a:r>
+            <a:r>
+              <a:rPr lang="ko-KR" altLang="en-US" dirty="0"/>
+              <a:t> 내부에서 자동적으로 수행되어</a:t>
+            </a:r>
+            <a:endParaRPr lang="en-US" altLang="ko-KR" dirty="0"/>
+          </a:p>
+          <a:p>
+            <a:pPr marL="457200" lvl="1" indent="0">
+              <a:buNone/>
+            </a:pPr>
+            <a:r>
+              <a:rPr lang="en-US" altLang="ko-KR" dirty="0"/>
+              <a:t>	</a:t>
+            </a:r>
+            <a:r>
+              <a:rPr lang="en-US" altLang="ko-KR" dirty="0" err="1">
+                <a:solidFill>
+                  <a:srgbClr val="FF0000"/>
+                </a:solidFill>
+              </a:rPr>
+              <a:t>nda</a:t>
+            </a:r>
+            <a:r>
+              <a:rPr lang="en-US" altLang="ko-KR" dirty="0">
+                <a:solidFill>
+                  <a:srgbClr val="FF0000"/>
+                </a:solidFill>
+              </a:rPr>
+              <a:t> + </a:t>
+            </a:r>
+            <a:r>
+              <a:rPr lang="en-US" altLang="ko-KR" dirty="0" err="1">
+                <a:solidFill>
+                  <a:srgbClr val="FF0000"/>
+                </a:solidFill>
+              </a:rPr>
+              <a:t>np.array</a:t>
+            </a:r>
+            <a:r>
+              <a:rPr lang="en-US" altLang="ko-KR" dirty="0">
+                <a:solidFill>
+                  <a:srgbClr val="FF0000"/>
+                </a:solidFill>
+              </a:rPr>
+              <a:t>([1,1,1])</a:t>
+            </a:r>
+            <a:r>
+              <a:rPr lang="ko-KR" altLang="en-US" dirty="0"/>
+              <a:t>로 치환되어 실행된다</a:t>
+            </a:r>
+            <a:endParaRPr lang="en-US" altLang="ko-KR" dirty="0"/>
+          </a:p>
+        </p:txBody>
+      </p:sp>
+      <p:sp>
+        <p:nvSpPr>
+          <p:cNvPr id="6" name="직사각형 5"/>
+          <p:cNvSpPr/>
+          <p:nvPr/>
+        </p:nvSpPr>
+        <p:spPr bwMode="auto">
+          <a:xfrm>
+            <a:off x="1182768" y="2640049"/>
+            <a:ext cx="6768940" cy="1584176"/>
+          </a:xfrm>
+          <a:prstGeom prst="rect">
+            <a:avLst/>
+          </a:prstGeom>
+          <a:solidFill>
+            <a:schemeClr val="bg1">
+              <a:lumMod val="85000"/>
+            </a:schemeClr>
+          </a:solidFill>
+          <a:ln w="9525" cap="flat" cmpd="sng" algn="ctr">
+            <a:noFill/>
+            <a:prstDash val="solid"/>
+            <a:round/>
+            <a:headEnd type="none" w="med" len="med"/>
+            <a:tailEnd type="none" w="med" len="med"/>
+          </a:ln>
+          <a:effectLst/>
+        </p:spPr>
+        <p:txBody>
+          <a:bodyPr vert="horz" wrap="none" lIns="360000" tIns="45720" rIns="91440" bIns="45720" numCol="1" rtlCol="0" anchor="ctr" anchorCtr="0" compatLnSpc="1">
+            <a:prstTxWarp prst="textNoShape">
+              <a:avLst/>
+            </a:prstTxWarp>
+          </a:bodyPr>
+          <a:lstStyle/>
+          <a:p>
+            <a:r>
+              <a:rPr lang="en-US" altLang="ko-KR" sz="1400" b="0" i="1" dirty="0">
+                <a:latin typeface="+mn-lt"/>
+              </a:rPr>
+              <a:t># 1x3 </a:t>
+            </a:r>
+            <a:r>
+              <a:rPr lang="en-US" altLang="ko-KR" sz="1400" b="0" i="1" dirty="0" err="1">
+                <a:latin typeface="+mn-lt"/>
+              </a:rPr>
+              <a:t>ndarray</a:t>
+            </a:r>
+            <a:endParaRPr lang="en-US" altLang="ko-KR" sz="1400" b="0" i="1" dirty="0">
+              <a:latin typeface="+mn-lt"/>
+            </a:endParaRPr>
+          </a:p>
+          <a:p>
+            <a:r>
+              <a:rPr lang="en-US" altLang="ko-KR" sz="1400" dirty="0" err="1">
+                <a:latin typeface="+mn-lt"/>
+              </a:rPr>
+              <a:t>nda</a:t>
+            </a:r>
+            <a:r>
+              <a:rPr lang="en-US" altLang="ko-KR" sz="1400" dirty="0">
+                <a:latin typeface="+mn-lt"/>
+              </a:rPr>
+              <a:t> = </a:t>
+            </a:r>
+            <a:r>
+              <a:rPr lang="en-US" altLang="ko-KR" sz="1400" dirty="0" err="1">
+                <a:latin typeface="+mn-lt"/>
+              </a:rPr>
+              <a:t>np.array</a:t>
+            </a:r>
+            <a:r>
+              <a:rPr lang="en-US" altLang="ko-KR" sz="1400" dirty="0">
+                <a:latin typeface="+mn-lt"/>
+              </a:rPr>
+              <a:t>([1,2,3])</a:t>
+            </a:r>
+          </a:p>
+          <a:p>
+            <a:endParaRPr lang="en-US" altLang="ko-KR" sz="1400" dirty="0">
+              <a:latin typeface="+mn-lt"/>
+            </a:endParaRPr>
+          </a:p>
+          <a:p>
+            <a:r>
+              <a:rPr lang="en-US" altLang="ko-KR" sz="1400" b="0" i="1" dirty="0">
+                <a:latin typeface="+mn-lt"/>
+              </a:rPr>
+              <a:t># 1x3 </a:t>
+            </a:r>
+            <a:r>
+              <a:rPr lang="en-US" altLang="ko-KR" sz="1400" b="0" i="1" dirty="0" err="1">
+                <a:latin typeface="+mn-lt"/>
+              </a:rPr>
+              <a:t>ndarray</a:t>
+            </a:r>
+            <a:r>
+              <a:rPr lang="ko-KR" altLang="en-US" sz="1400" b="0" i="1" dirty="0">
+                <a:latin typeface="+mn-lt"/>
+              </a:rPr>
+              <a:t>에 스칼라 </a:t>
+            </a:r>
+            <a:r>
+              <a:rPr lang="en-US" altLang="ko-KR" sz="1400" b="0" i="1" dirty="0">
+                <a:latin typeface="+mn-lt"/>
+              </a:rPr>
+              <a:t>1</a:t>
+            </a:r>
+            <a:r>
+              <a:rPr lang="ko-KR" altLang="en-US" sz="1400" b="0" i="1" dirty="0">
+                <a:latin typeface="+mn-lt"/>
+              </a:rPr>
+              <a:t>을 더한다</a:t>
+            </a:r>
+            <a:endParaRPr lang="en-US" altLang="ko-KR" sz="1400" b="0" i="1" dirty="0">
+              <a:latin typeface="+mn-lt"/>
+            </a:endParaRPr>
+          </a:p>
+          <a:p>
+            <a:r>
+              <a:rPr lang="en-US" altLang="ko-KR" sz="1400" dirty="0">
+                <a:latin typeface="+mn-lt"/>
+              </a:rPr>
+              <a:t>nda+1</a:t>
+            </a:r>
+          </a:p>
+          <a:p>
+            <a:r>
+              <a:rPr lang="en-US" altLang="ko-KR" sz="1400" dirty="0">
+                <a:latin typeface="+mn-lt"/>
+              </a:rPr>
+              <a:t>Out[61]: array([2, 3, 4])</a:t>
+            </a:r>
+            <a:endParaRPr lang="en-US" altLang="ko-KR" sz="1400" dirty="0">
+              <a:solidFill>
+                <a:srgbClr val="FF0000"/>
+              </a:solidFill>
+              <a:latin typeface="+mn-lt"/>
+              <a:ea typeface="맑은 고딕" pitchFamily="50" charset="-127"/>
+            </a:endParaRPr>
+          </a:p>
+        </p:txBody>
+      </p:sp>
+    </p:spTree>
+    <p:extLst>
+      <p:ext uri="{BB962C8B-B14F-4D97-AF65-F5344CB8AC3E}">
+        <p14:creationId xmlns:p14="http://schemas.microsoft.com/office/powerpoint/2010/main" val="328481087"/>
+      </p:ext>
+    </p:extLst>
+  </p:cSld>
+  <p:clrMapOvr>
+    <a:masterClrMapping/>
+  </p:clrMapOvr>
+</p:sld>
+</file>
+
+<file path=ppt/slides/slide28.xml><?xml version="1.0" encoding="utf-8"?>
+<p:sld xmlns:a="http://schemas.openxmlformats.org/drawingml/2006/main" xmlns:r="http://schemas.openxmlformats.org/officeDocument/2006/relationships" xmlns:p="http://schemas.openxmlformats.org/presentationml/2006/main">
+  <p:cSld>
+    <p:spTree>
+      <p:nvGrpSpPr>
+        <p:cNvPr id="1" name=""/>
+        <p:cNvGrpSpPr/>
+        <p:nvPr/>
+      </p:nvGrpSpPr>
+      <p:grpSpPr>
+        <a:xfrm>
+          <a:off x="0" y="0"/>
+          <a:ext cx="0" cy="0"/>
+          <a:chOff x="0" y="0"/>
+          <a:chExt cx="0" cy="0"/>
+        </a:xfrm>
+      </p:grpSpPr>
+      <p:sp>
+        <p:nvSpPr>
+          <p:cNvPr id="3" name="제목 2"/>
+          <p:cNvSpPr>
+            <a:spLocks noGrp="1"/>
+          </p:cNvSpPr>
+          <p:nvPr>
+            <p:ph type="title"/>
+          </p:nvPr>
+        </p:nvSpPr>
+        <p:spPr/>
+        <p:txBody>
+          <a:bodyPr/>
+          <a:lstStyle/>
+          <a:p>
+            <a:r>
+              <a:rPr lang="ko-KR" altLang="en-US" dirty="0" err="1"/>
+              <a:t>브로드캐스팅</a:t>
+            </a:r>
+            <a:endParaRPr lang="ko-KR" altLang="en-US" dirty="0"/>
+          </a:p>
+        </p:txBody>
+      </p:sp>
+      <p:sp>
+        <p:nvSpPr>
+          <p:cNvPr id="11" name="텍스트 개체 틀 3"/>
+          <p:cNvSpPr>
+            <a:spLocks noGrp="1"/>
+          </p:cNvSpPr>
+          <p:nvPr>
+            <p:ph idx="1"/>
+          </p:nvPr>
+        </p:nvSpPr>
+        <p:spPr>
+          <a:xfrm>
+            <a:off x="323411" y="1052670"/>
+            <a:ext cx="8353046" cy="4001095"/>
+          </a:xfrm>
+          <a:noFill/>
+          <a:ln>
+            <a:noFill/>
+          </a:ln>
+          <a:extLst>
+            <a:ext uri="{909E8E84-426E-40DD-AFC4-6F175D3DCCD1}">
+              <a14:hiddenFill xmlns:a14="http://schemas.microsoft.com/office/drawing/2010/main">
+                <a:solidFill>
+                  <a:srgbClr val="FFFFFF"/>
+                </a:solidFill>
+              </a14:hiddenFill>
+            </a:ext>
+            <a:ext uri="{91240B29-F687-4F45-9708-019B960494DF}">
+              <a14:hiddenLine xmlns:a14="http://schemas.microsoft.com/office/drawing/2010/main" w="9525">
+                <a:solidFill>
+                  <a:srgbClr val="000000"/>
+                </a:solidFill>
+                <a:miter lim="800000"/>
+                <a:headEnd/>
+                <a:tailEnd/>
+              </a14:hiddenLine>
+            </a:ext>
+          </a:extLst>
+        </p:spPr>
+        <p:txBody>
+          <a:bodyPr vert="horz" wrap="square" lIns="0" tIns="0" rIns="0" bIns="0" numCol="1" anchor="t" anchorCtr="0" compatLnSpc="1">
+            <a:prstTxWarp prst="textNoShape">
+              <a:avLst/>
+            </a:prstTxWarp>
+            <a:spAutoFit/>
+          </a:bodyPr>
+          <a:lstStyle/>
+          <a:p>
+            <a:r>
+              <a:rPr lang="ko-KR" altLang="en-US" dirty="0" err="1"/>
+              <a:t>브로드캐스팅</a:t>
+            </a:r>
+            <a:endParaRPr lang="en-US" altLang="ko-KR" dirty="0"/>
+          </a:p>
+          <a:p>
+            <a:pPr lvl="1"/>
+            <a:r>
+              <a:rPr lang="ko-KR" altLang="ko-KR" dirty="0"/>
+              <a:t>①</a:t>
+            </a:r>
+            <a:r>
+              <a:rPr lang="en-US" altLang="ko-KR" dirty="0"/>
+              <a:t> </a:t>
+            </a:r>
+            <a:r>
+              <a:rPr lang="ko-KR" altLang="en-US" dirty="0"/>
+              <a:t>계산에 쓰일 </a:t>
+            </a:r>
+            <a:r>
+              <a:rPr lang="en-US" altLang="ko-KR" dirty="0" err="1"/>
+              <a:t>ndarray</a:t>
+            </a:r>
+            <a:r>
+              <a:rPr lang="en-US" altLang="ko-KR" dirty="0"/>
+              <a:t> </a:t>
+            </a:r>
+            <a:r>
+              <a:rPr lang="ko-KR" altLang="en-US" dirty="0"/>
+              <a:t>중 </a:t>
+            </a:r>
+            <a:r>
+              <a:rPr lang="en-US" altLang="ko-KR" dirty="0" err="1"/>
+              <a:t>ndim</a:t>
+            </a:r>
+            <a:r>
+              <a:rPr lang="ko-KR" altLang="en-US" dirty="0"/>
+              <a:t>의 크기가 가장 큰 것과 맞도록 </a:t>
+            </a:r>
+            <a:r>
+              <a:rPr lang="en-US" altLang="ko-KR" dirty="0"/>
+              <a:t>1</a:t>
+            </a:r>
+            <a:r>
+              <a:rPr lang="ko-KR" altLang="en-US" dirty="0"/>
+              <a:t>을 필요한 크기만큼 </a:t>
+            </a:r>
+            <a:r>
+              <a:rPr lang="en-US" altLang="ko-KR" dirty="0" err="1"/>
+              <a:t>ndim</a:t>
+            </a:r>
+            <a:r>
+              <a:rPr lang="ko-KR" altLang="en-US" dirty="0"/>
+              <a:t>의 </a:t>
+            </a:r>
+            <a:r>
+              <a:rPr lang="ko-KR" altLang="en-US" dirty="0" err="1"/>
+              <a:t>튜플</a:t>
+            </a:r>
+            <a:r>
+              <a:rPr lang="ko-KR" altLang="en-US" dirty="0"/>
+              <a:t> 표현 앞에 더한다</a:t>
+            </a:r>
+            <a:r>
+              <a:rPr lang="en-US" altLang="ko-KR" dirty="0"/>
+              <a:t>. </a:t>
+            </a:r>
+            <a:r>
+              <a:rPr lang="ko-KR" altLang="en-US" dirty="0"/>
+              <a:t>예를 들어 최대 </a:t>
+            </a:r>
+            <a:r>
+              <a:rPr lang="en-US" altLang="ko-KR" dirty="0" err="1"/>
+              <a:t>ndim</a:t>
+            </a:r>
+            <a:r>
+              <a:rPr lang="ko-KR" altLang="en-US" dirty="0"/>
+              <a:t>이 </a:t>
+            </a:r>
+            <a:r>
+              <a:rPr lang="en-US" altLang="ko-KR" dirty="0"/>
+              <a:t>3</a:t>
+            </a:r>
+            <a:r>
+              <a:rPr lang="ko-KR" altLang="en-US" dirty="0"/>
+              <a:t>일 때 크기가 </a:t>
+            </a:r>
+            <a:r>
+              <a:rPr lang="en-US" altLang="ko-KR" dirty="0"/>
+              <a:t>(2, 3)</a:t>
+            </a:r>
+            <a:r>
+              <a:rPr lang="ko-KR" altLang="en-US" dirty="0"/>
+              <a:t>인 </a:t>
+            </a:r>
+            <a:r>
+              <a:rPr lang="en-US" altLang="ko-KR" dirty="0" err="1"/>
+              <a:t>ndarray</a:t>
+            </a:r>
+            <a:r>
+              <a:rPr lang="ko-KR" altLang="en-US" dirty="0"/>
+              <a:t>가 있는 경우</a:t>
+            </a:r>
+            <a:r>
+              <a:rPr lang="en-US" altLang="ko-KR" dirty="0"/>
+              <a:t>, 1</a:t>
+            </a:r>
+            <a:r>
+              <a:rPr lang="ko-KR" altLang="en-US" dirty="0"/>
+              <a:t>을 앞에 채워 </a:t>
+            </a:r>
+            <a:r>
+              <a:rPr lang="en-US" altLang="ko-KR" dirty="0"/>
+              <a:t>(1, 2, 3) </a:t>
+            </a:r>
+            <a:r>
+              <a:rPr lang="ko-KR" altLang="en-US" dirty="0"/>
+              <a:t>크기의 </a:t>
+            </a:r>
+            <a:r>
+              <a:rPr lang="en-US" altLang="ko-KR" dirty="0" err="1"/>
+              <a:t>ndarray</a:t>
+            </a:r>
+            <a:r>
+              <a:rPr lang="ko-KR" altLang="en-US" dirty="0"/>
+              <a:t>라고 간주한다</a:t>
+            </a:r>
+            <a:endParaRPr lang="en-US" altLang="ko-KR" dirty="0"/>
+          </a:p>
+          <a:p>
+            <a:pPr lvl="1"/>
+            <a:r>
+              <a:rPr lang="ko-KR" altLang="en-US" dirty="0"/>
+              <a:t>② 계산에 쓰일 </a:t>
+            </a:r>
+            <a:r>
+              <a:rPr lang="en-US" altLang="ko-KR" dirty="0" err="1"/>
+              <a:t>ndarray</a:t>
+            </a:r>
+            <a:r>
+              <a:rPr lang="ko-KR" altLang="en-US" dirty="0"/>
+              <a:t>의 각 축에 대한 크기의 최댓값으로 </a:t>
+            </a:r>
+            <a:r>
+              <a:rPr lang="en-US" altLang="ko-KR" dirty="0" err="1"/>
+              <a:t>ndarray</a:t>
+            </a:r>
+            <a:r>
+              <a:rPr lang="ko-KR" altLang="en-US" dirty="0"/>
+              <a:t>의 출력 크기가 정해진다</a:t>
+            </a:r>
+            <a:endParaRPr lang="en-US" altLang="ko-KR" dirty="0"/>
+          </a:p>
+          <a:p>
+            <a:pPr lvl="1"/>
+            <a:r>
+              <a:rPr lang="ko-KR" altLang="en-US" dirty="0"/>
+              <a:t>③ </a:t>
+            </a:r>
+            <a:r>
+              <a:rPr lang="ko-KR" altLang="en-US" dirty="0" err="1"/>
+              <a:t>브로드캐스팅으로</a:t>
+            </a:r>
+            <a:r>
+              <a:rPr lang="ko-KR" altLang="en-US" dirty="0"/>
+              <a:t> 계산이 가능할지 여부는 다음과 같지 결정된다</a:t>
+            </a:r>
+            <a:r>
+              <a:rPr lang="en-US" altLang="ko-KR" dirty="0"/>
+              <a:t>. </a:t>
+            </a:r>
+            <a:r>
+              <a:rPr lang="ko-KR" altLang="en-US" dirty="0"/>
+              <a:t>차수가 높은 축부터 순서대로</a:t>
+            </a:r>
+            <a:r>
+              <a:rPr lang="en-US" altLang="ko-KR" dirty="0"/>
+              <a:t>(</a:t>
+            </a:r>
+            <a:r>
+              <a:rPr lang="en-US" altLang="ko-KR" dirty="0" err="1"/>
+              <a:t>ndim</a:t>
+            </a:r>
+            <a:r>
+              <a:rPr lang="en-US" altLang="ko-KR" dirty="0"/>
+              <a:t> = 3</a:t>
+            </a:r>
+            <a:r>
+              <a:rPr lang="ko-KR" altLang="en-US" dirty="0"/>
+              <a:t>이라면 </a:t>
+            </a:r>
+            <a:r>
+              <a:rPr lang="en-US" altLang="ko-KR" dirty="0"/>
+              <a:t>2, 1, 0 </a:t>
+            </a:r>
+            <a:r>
+              <a:rPr lang="ko-KR" altLang="en-US" dirty="0"/>
+              <a:t>순으로</a:t>
+            </a:r>
+            <a:r>
+              <a:rPr lang="en-US" altLang="ko-KR" dirty="0"/>
+              <a:t>) </a:t>
+            </a:r>
+            <a:r>
+              <a:rPr lang="ko-KR" altLang="en-US" dirty="0"/>
+              <a:t>위의 출력 크기와 각 </a:t>
+            </a:r>
+            <a:r>
+              <a:rPr lang="en-US" altLang="ko-KR" dirty="0" err="1"/>
+              <a:t>ndarray</a:t>
+            </a:r>
+            <a:r>
+              <a:rPr lang="ko-KR" altLang="en-US" dirty="0"/>
+              <a:t>의 크기를 비교하면서 크기가 일치하는 축이 발견됐을 때 그 외의 축의 크기가 </a:t>
+            </a:r>
+            <a:r>
+              <a:rPr lang="en-US" altLang="ko-KR" dirty="0"/>
+              <a:t>‘1’ </a:t>
+            </a:r>
+            <a:r>
+              <a:rPr lang="ko-KR" altLang="en-US" dirty="0"/>
+              <a:t>혹은 출력 크기와 일치한다면 </a:t>
+            </a:r>
+            <a:r>
+              <a:rPr lang="ko-KR" altLang="en-US" dirty="0" err="1"/>
+              <a:t>브로드캐스팅이</a:t>
+            </a:r>
+            <a:r>
+              <a:rPr lang="ko-KR" altLang="en-US" dirty="0"/>
+              <a:t> 가능하며</a:t>
+            </a:r>
+            <a:r>
+              <a:rPr lang="en-US" altLang="ko-KR" dirty="0"/>
+              <a:t>, </a:t>
+            </a:r>
+            <a:r>
+              <a:rPr lang="ko-KR" altLang="en-US" dirty="0"/>
+              <a:t>그렇지 않다면 불가능하므로 오류가 발생한다</a:t>
+            </a:r>
+            <a:endParaRPr lang="en-US" altLang="ko-KR" dirty="0"/>
+          </a:p>
+          <a:p>
+            <a:pPr lvl="1"/>
+            <a:endParaRPr lang="en-US" altLang="ko-KR" dirty="0"/>
+          </a:p>
+          <a:p>
+            <a:pPr lvl="1"/>
+            <a:r>
+              <a:rPr lang="ko-KR" altLang="en-US" dirty="0"/>
+              <a:t>난해하다 </a:t>
+            </a:r>
+            <a:r>
+              <a:rPr lang="en-US" altLang="ko-KR" dirty="0">
+                <a:sym typeface="Wingdings" panose="05000000000000000000" pitchFamily="2" charset="2"/>
+              </a:rPr>
+              <a:t> </a:t>
+            </a:r>
+            <a:r>
+              <a:rPr lang="ko-KR" altLang="en-US" dirty="0">
+                <a:sym typeface="Wingdings" panose="05000000000000000000" pitchFamily="2" charset="2"/>
+              </a:rPr>
+              <a:t>예제를 통해 알아보자</a:t>
+            </a:r>
+            <a:endParaRPr lang="en-US" altLang="ko-KR" dirty="0"/>
+          </a:p>
+        </p:txBody>
+      </p:sp>
+    </p:spTree>
+    <p:extLst>
+      <p:ext uri="{BB962C8B-B14F-4D97-AF65-F5344CB8AC3E}">
+        <p14:creationId xmlns:p14="http://schemas.microsoft.com/office/powerpoint/2010/main" val="1499506830"/>
+      </p:ext>
+    </p:extLst>
+  </p:cSld>
+  <p:clrMapOvr>
+    <a:masterClrMapping/>
+  </p:clrMapOvr>
+</p:sld>
+</file>
+
+<file path=ppt/slides/slide29.xml><?xml version="1.0" encoding="utf-8"?>
+<p:sld xmlns:a="http://schemas.openxmlformats.org/drawingml/2006/main" xmlns:r="http://schemas.openxmlformats.org/officeDocument/2006/relationships" xmlns:p="http://schemas.openxmlformats.org/presentationml/2006/main">
+  <p:cSld>
+    <p:spTree>
+      <p:nvGrpSpPr>
+        <p:cNvPr id="1" name=""/>
+        <p:cNvGrpSpPr/>
+        <p:nvPr/>
+      </p:nvGrpSpPr>
+      <p:grpSpPr>
+        <a:xfrm>
+          <a:off x="0" y="0"/>
+          <a:ext cx="0" cy="0"/>
+          <a:chOff x="0" y="0"/>
+          <a:chExt cx="0" cy="0"/>
+        </a:xfrm>
+      </p:grpSpPr>
+      <p:sp>
+        <p:nvSpPr>
+          <p:cNvPr id="3" name="제목 2"/>
+          <p:cNvSpPr>
+            <a:spLocks noGrp="1"/>
+          </p:cNvSpPr>
+          <p:nvPr>
+            <p:ph type="title"/>
+          </p:nvPr>
+        </p:nvSpPr>
+        <p:spPr/>
+        <p:txBody>
+          <a:bodyPr/>
+          <a:lstStyle/>
+          <a:p>
+            <a:r>
+              <a:rPr lang="ko-KR" altLang="en-US" dirty="0" err="1"/>
+              <a:t>브로드캐스팅</a:t>
+            </a:r>
+            <a:endParaRPr lang="ko-KR" altLang="en-US" dirty="0"/>
+          </a:p>
+        </p:txBody>
+      </p:sp>
+      <p:sp>
+        <p:nvSpPr>
+          <p:cNvPr id="11" name="텍스트 개체 틀 3"/>
+          <p:cNvSpPr>
+            <a:spLocks noGrp="1"/>
+          </p:cNvSpPr>
+          <p:nvPr>
+            <p:ph idx="1"/>
+          </p:nvPr>
+        </p:nvSpPr>
+        <p:spPr>
+          <a:xfrm>
+            <a:off x="323410" y="1052670"/>
             <a:ext cx="8670925" cy="800219"/>
           </a:xfrm>
           <a:noFill/>
@@ -25167,7 +26003,253 @@
 </p:sld>
 </file>
 
-<file path=ppt/slides/slide28.xml><?xml version="1.0" encoding="utf-8"?>
+<file path=ppt/slides/slide3.xml><?xml version="1.0" encoding="utf-8"?>
+<p:sld xmlns:a="http://schemas.openxmlformats.org/drawingml/2006/main" xmlns:r="http://schemas.openxmlformats.org/officeDocument/2006/relationships" xmlns:p="http://schemas.openxmlformats.org/presentationml/2006/main">
+  <p:cSld>
+    <p:spTree>
+      <p:nvGrpSpPr>
+        <p:cNvPr id="1" name=""/>
+        <p:cNvGrpSpPr/>
+        <p:nvPr/>
+      </p:nvGrpSpPr>
+      <p:grpSpPr>
+        <a:xfrm>
+          <a:off x="0" y="0"/>
+          <a:ext cx="0" cy="0"/>
+          <a:chOff x="0" y="0"/>
+          <a:chExt cx="0" cy="0"/>
+        </a:xfrm>
+      </p:grpSpPr>
+      <p:sp>
+        <p:nvSpPr>
+          <p:cNvPr id="3" name="제목 2"/>
+          <p:cNvSpPr>
+            <a:spLocks noGrp="1"/>
+          </p:cNvSpPr>
+          <p:nvPr>
+            <p:ph type="title"/>
+          </p:nvPr>
+        </p:nvSpPr>
+        <p:spPr/>
+        <p:txBody>
+          <a:bodyPr/>
+          <a:lstStyle/>
+          <a:p>
+            <a:r>
+              <a:rPr lang="en-US" altLang="ko-KR" dirty="0" err="1"/>
+              <a:t>Numpy</a:t>
+            </a:r>
+            <a:r>
+              <a:rPr lang="en-US" altLang="ko-KR" dirty="0"/>
+              <a:t> </a:t>
+            </a:r>
+            <a:r>
+              <a:rPr lang="ko-KR" altLang="en-US" dirty="0"/>
+              <a:t>이란</a:t>
+            </a:r>
+            <a:r>
+              <a:rPr lang="en-US" altLang="ko-KR" dirty="0"/>
+              <a:t>?</a:t>
+            </a:r>
+            <a:endParaRPr lang="ko-KR" altLang="en-US" dirty="0"/>
+          </a:p>
+        </p:txBody>
+      </p:sp>
+      <p:sp>
+        <p:nvSpPr>
+          <p:cNvPr id="11" name="텍스트 개체 틀 3"/>
+          <p:cNvSpPr>
+            <a:spLocks noGrp="1"/>
+          </p:cNvSpPr>
+          <p:nvPr>
+            <p:ph idx="1"/>
+          </p:nvPr>
+        </p:nvSpPr>
+        <p:spPr>
+          <a:xfrm>
+            <a:off x="323410" y="1052670"/>
+            <a:ext cx="8670925" cy="3385542"/>
+          </a:xfrm>
+          <a:noFill/>
+          <a:ln>
+            <a:noFill/>
+          </a:ln>
+          <a:extLst>
+            <a:ext uri="{909E8E84-426E-40DD-AFC4-6F175D3DCCD1}">
+              <a14:hiddenFill xmlns:a14="http://schemas.microsoft.com/office/drawing/2010/main">
+                <a:solidFill>
+                  <a:srgbClr val="FFFFFF"/>
+                </a:solidFill>
+              </a14:hiddenFill>
+            </a:ext>
+            <a:ext uri="{91240B29-F687-4F45-9708-019B960494DF}">
+              <a14:hiddenLine xmlns:a14="http://schemas.microsoft.com/office/drawing/2010/main" w="9525">
+                <a:solidFill>
+                  <a:srgbClr val="000000"/>
+                </a:solidFill>
+                <a:miter lim="800000"/>
+                <a:headEnd/>
+                <a:tailEnd/>
+              </a14:hiddenLine>
+            </a:ext>
+          </a:extLst>
+        </p:spPr>
+        <p:txBody>
+          <a:bodyPr vert="horz" wrap="square" lIns="0" tIns="0" rIns="0" bIns="0" numCol="1" anchor="t" anchorCtr="0" compatLnSpc="1">
+            <a:prstTxWarp prst="textNoShape">
+              <a:avLst/>
+            </a:prstTxWarp>
+            <a:spAutoFit/>
+          </a:bodyPr>
+          <a:lstStyle/>
+          <a:p>
+            <a:r>
+              <a:rPr lang="en-US" altLang="ko-KR" dirty="0" err="1"/>
+              <a:t>Numpy</a:t>
+            </a:r>
+            <a:r>
+              <a:rPr lang="en-US" altLang="ko-KR" dirty="0"/>
+              <a:t> </a:t>
+            </a:r>
+            <a:r>
+              <a:rPr lang="ko-KR" altLang="en-US" dirty="0"/>
+              <a:t>기능</a:t>
+            </a:r>
+            <a:endParaRPr lang="en-US" altLang="ko-KR" dirty="0"/>
+          </a:p>
+          <a:p>
+            <a:pPr lvl="1"/>
+            <a:r>
+              <a:rPr lang="ko-KR" altLang="en-US" dirty="0" err="1"/>
+              <a:t>파이썬은</a:t>
+            </a:r>
+            <a:r>
+              <a:rPr lang="ko-KR" altLang="en-US" dirty="0"/>
+              <a:t> 기본적으로 배열을 리스트나 </a:t>
+            </a:r>
+            <a:r>
+              <a:rPr lang="ko-KR" altLang="en-US" dirty="0" err="1"/>
+              <a:t>튜플로</a:t>
+            </a:r>
+            <a:r>
+              <a:rPr lang="ko-KR" altLang="en-US" dirty="0"/>
+              <a:t> 저장</a:t>
+            </a:r>
+            <a:endParaRPr lang="en-US" altLang="ko-KR" dirty="0"/>
+          </a:p>
+          <a:p>
+            <a:pPr lvl="1"/>
+            <a:r>
+              <a:rPr lang="ko-KR" altLang="en-US" dirty="0"/>
+              <a:t>그러나 이는 대규모 데이터 처리 시 </a:t>
+            </a:r>
+            <a:r>
+              <a:rPr lang="en-US" altLang="ko-KR" dirty="0"/>
+              <a:t>C </a:t>
+            </a:r>
+            <a:r>
+              <a:rPr lang="ko-KR" altLang="en-US" dirty="0"/>
+              <a:t>등의 언어에 비해 현저히 느리다</a:t>
+            </a:r>
+            <a:endParaRPr lang="en-US" altLang="ko-KR" dirty="0"/>
+          </a:p>
+          <a:p>
+            <a:pPr lvl="1"/>
+            <a:r>
+              <a:rPr lang="en-US" altLang="ko-KR" dirty="0" err="1"/>
+              <a:t>Numpy</a:t>
+            </a:r>
+            <a:r>
+              <a:rPr lang="ko-KR" altLang="en-US" dirty="0"/>
+              <a:t>는 다차원 배열 객체 </a:t>
+            </a:r>
+            <a:r>
+              <a:rPr lang="en-US" altLang="ko-KR" b="1" dirty="0" err="1"/>
+              <a:t>ndarray</a:t>
+            </a:r>
+            <a:r>
+              <a:rPr lang="ko-KR" altLang="en-US" dirty="0"/>
+              <a:t>를 사용하여 고속 데이터 처리를 가능하게 한다</a:t>
+            </a:r>
+            <a:endParaRPr lang="en-US" altLang="ko-KR" dirty="0"/>
+          </a:p>
+          <a:p>
+            <a:pPr lvl="1"/>
+            <a:endParaRPr lang="en-US" altLang="ko-KR" dirty="0"/>
+          </a:p>
+          <a:p>
+            <a:pPr marL="457200" lvl="1" indent="0">
+              <a:buNone/>
+            </a:pPr>
+            <a:r>
+              <a:rPr lang="ko-KR" altLang="en-US" b="1" dirty="0"/>
+              <a:t>주요기능</a:t>
+            </a:r>
+            <a:endParaRPr lang="en-US" altLang="ko-KR" b="1" dirty="0"/>
+          </a:p>
+          <a:p>
+            <a:pPr lvl="1"/>
+            <a:r>
+              <a:rPr lang="ko-KR" altLang="en-US" dirty="0" err="1"/>
+              <a:t>유니버셜</a:t>
+            </a:r>
+            <a:r>
+              <a:rPr lang="ko-KR" altLang="en-US" dirty="0"/>
+              <a:t> 함수</a:t>
+            </a:r>
+            <a:r>
+              <a:rPr lang="en-US" altLang="ko-KR" dirty="0"/>
+              <a:t>(universal function)</a:t>
+            </a:r>
+          </a:p>
+          <a:p>
+            <a:pPr lvl="1"/>
+            <a:r>
+              <a:rPr lang="ko-KR" altLang="en-US" dirty="0"/>
+              <a:t>수학</a:t>
+            </a:r>
+            <a:r>
+              <a:rPr lang="en-US" altLang="ko-KR" dirty="0"/>
+              <a:t>/</a:t>
+            </a:r>
+            <a:r>
+              <a:rPr lang="ko-KR" altLang="en-US" dirty="0"/>
+              <a:t>선형대수</a:t>
+            </a:r>
+            <a:r>
+              <a:rPr lang="en-US" altLang="ko-KR" dirty="0"/>
+              <a:t>/</a:t>
+            </a:r>
+            <a:r>
+              <a:rPr lang="ko-KR" altLang="en-US" dirty="0"/>
+              <a:t>통계처리 함수 등 다양한 함수</a:t>
+            </a:r>
+            <a:endParaRPr lang="en-US" altLang="ko-KR" dirty="0"/>
+          </a:p>
+          <a:p>
+            <a:pPr lvl="1"/>
+            <a:r>
+              <a:rPr lang="ko-KR" altLang="en-US" dirty="0"/>
+              <a:t>다른 언어에 대한 인터페이스</a:t>
+            </a:r>
+            <a:endParaRPr lang="en-US" altLang="ko-KR" dirty="0"/>
+          </a:p>
+        </p:txBody>
+      </p:sp>
+    </p:spTree>
+    <p:extLst>
+      <p:ext uri="{BB962C8B-B14F-4D97-AF65-F5344CB8AC3E}">
+        <p14:creationId xmlns:p14="http://schemas.microsoft.com/office/powerpoint/2010/main" val="2483467660"/>
+      </p:ext>
+    </p:extLst>
+  </p:cSld>
+  <p:clrMapOvr>
+    <a:masterClrMapping/>
+  </p:clrMapOvr>
+</p:sld>
+</file>
+
+<file path=ppt/slides/slide30.xml><?xml version="1.0" encoding="utf-8"?>
 <p:sld xmlns:a="http://schemas.openxmlformats.org/drawingml/2006/main" xmlns:r="http://schemas.openxmlformats.org/officeDocument/2006/relationships" xmlns:p="http://schemas.openxmlformats.org/presentationml/2006/main">
   <p:cSld>
     <p:spTree>
@@ -28693,7 +29775,7 @@
 </p:sld>
 </file>
 
-<file path=ppt/slides/slide29.xml><?xml version="1.0" encoding="utf-8"?>
+<file path=ppt/slides/slide31.xml><?xml version="1.0" encoding="utf-8"?>
 <p:sld xmlns:a="http://schemas.openxmlformats.org/drawingml/2006/main" xmlns:r="http://schemas.openxmlformats.org/officeDocument/2006/relationships" xmlns:p="http://schemas.openxmlformats.org/presentationml/2006/main">
   <p:cSld>
     <p:spTree>
@@ -29260,929 +30342,6 @@
     <p:extLst>
       <p:ext uri="{BB962C8B-B14F-4D97-AF65-F5344CB8AC3E}">
         <p14:creationId xmlns:p14="http://schemas.microsoft.com/office/powerpoint/2010/main" val="451944889"/>
-      </p:ext>
-    </p:extLst>
-  </p:cSld>
-  <p:clrMapOvr>
-    <a:masterClrMapping/>
-  </p:clrMapOvr>
-</p:sld>
-</file>
-
-<file path=ppt/slides/slide3.xml><?xml version="1.0" encoding="utf-8"?>
-<p:sld xmlns:a="http://schemas.openxmlformats.org/drawingml/2006/main" xmlns:r="http://schemas.openxmlformats.org/officeDocument/2006/relationships" xmlns:p="http://schemas.openxmlformats.org/presentationml/2006/main">
-  <p:cSld>
-    <p:spTree>
-      <p:nvGrpSpPr>
-        <p:cNvPr id="1" name=""/>
-        <p:cNvGrpSpPr/>
-        <p:nvPr/>
-      </p:nvGrpSpPr>
-      <p:grpSpPr>
-        <a:xfrm>
-          <a:off x="0" y="0"/>
-          <a:ext cx="0" cy="0"/>
-          <a:chOff x="0" y="0"/>
-          <a:chExt cx="0" cy="0"/>
-        </a:xfrm>
-      </p:grpSpPr>
-      <p:sp>
-        <p:nvSpPr>
-          <p:cNvPr id="3" name="제목 2"/>
-          <p:cNvSpPr>
-            <a:spLocks noGrp="1"/>
-          </p:cNvSpPr>
-          <p:nvPr>
-            <p:ph type="title"/>
-          </p:nvPr>
-        </p:nvSpPr>
-        <p:spPr/>
-        <p:txBody>
-          <a:bodyPr/>
-          <a:lstStyle/>
-          <a:p>
-            <a:r>
-              <a:rPr lang="en-US" altLang="ko-KR" dirty="0" err="1"/>
-              <a:t>Numpy</a:t>
-            </a:r>
-            <a:r>
-              <a:rPr lang="en-US" altLang="ko-KR" dirty="0"/>
-              <a:t> </a:t>
-            </a:r>
-            <a:r>
-              <a:rPr lang="ko-KR" altLang="en-US" dirty="0"/>
-              <a:t>이란</a:t>
-            </a:r>
-            <a:r>
-              <a:rPr lang="en-US" altLang="ko-KR" dirty="0"/>
-              <a:t>?</a:t>
-            </a:r>
-            <a:endParaRPr lang="ko-KR" altLang="en-US" dirty="0"/>
-          </a:p>
-        </p:txBody>
-      </p:sp>
-      <p:sp>
-        <p:nvSpPr>
-          <p:cNvPr id="11" name="텍스트 개체 틀 3"/>
-          <p:cNvSpPr>
-            <a:spLocks noGrp="1"/>
-          </p:cNvSpPr>
-          <p:nvPr>
-            <p:ph idx="1"/>
-          </p:nvPr>
-        </p:nvSpPr>
-        <p:spPr>
-          <a:xfrm>
-            <a:off x="323410" y="1052670"/>
-            <a:ext cx="8670925" cy="3385542"/>
-          </a:xfrm>
-          <a:noFill/>
-          <a:ln>
-            <a:noFill/>
-          </a:ln>
-          <a:extLst>
-            <a:ext uri="{909E8E84-426E-40DD-AFC4-6F175D3DCCD1}">
-              <a14:hiddenFill xmlns:a14="http://schemas.microsoft.com/office/drawing/2010/main">
-                <a:solidFill>
-                  <a:srgbClr val="FFFFFF"/>
-                </a:solidFill>
-              </a14:hiddenFill>
-            </a:ext>
-            <a:ext uri="{91240B29-F687-4F45-9708-019B960494DF}">
-              <a14:hiddenLine xmlns:a14="http://schemas.microsoft.com/office/drawing/2010/main" w="9525">
-                <a:solidFill>
-                  <a:srgbClr val="000000"/>
-                </a:solidFill>
-                <a:miter lim="800000"/>
-                <a:headEnd/>
-                <a:tailEnd/>
-              </a14:hiddenLine>
-            </a:ext>
-          </a:extLst>
-        </p:spPr>
-        <p:txBody>
-          <a:bodyPr vert="horz" wrap="square" lIns="0" tIns="0" rIns="0" bIns="0" numCol="1" anchor="t" anchorCtr="0" compatLnSpc="1">
-            <a:prstTxWarp prst="textNoShape">
-              <a:avLst/>
-            </a:prstTxWarp>
-            <a:spAutoFit/>
-          </a:bodyPr>
-          <a:lstStyle/>
-          <a:p>
-            <a:r>
-              <a:rPr lang="en-US" altLang="ko-KR" dirty="0" err="1"/>
-              <a:t>Numpy</a:t>
-            </a:r>
-            <a:r>
-              <a:rPr lang="en-US" altLang="ko-KR" dirty="0"/>
-              <a:t> </a:t>
-            </a:r>
-            <a:r>
-              <a:rPr lang="ko-KR" altLang="en-US" dirty="0"/>
-              <a:t>기능</a:t>
-            </a:r>
-            <a:endParaRPr lang="en-US" altLang="ko-KR" dirty="0"/>
-          </a:p>
-          <a:p>
-            <a:pPr lvl="1"/>
-            <a:r>
-              <a:rPr lang="ko-KR" altLang="en-US" dirty="0" err="1"/>
-              <a:t>파이썬은</a:t>
-            </a:r>
-            <a:r>
-              <a:rPr lang="ko-KR" altLang="en-US" dirty="0"/>
-              <a:t> 기본적으로 배열을 리스트나 </a:t>
-            </a:r>
-            <a:r>
-              <a:rPr lang="ko-KR" altLang="en-US" dirty="0" err="1"/>
-              <a:t>튜플로</a:t>
-            </a:r>
-            <a:r>
-              <a:rPr lang="ko-KR" altLang="en-US" dirty="0"/>
-              <a:t> 저장</a:t>
-            </a:r>
-            <a:endParaRPr lang="en-US" altLang="ko-KR" dirty="0"/>
-          </a:p>
-          <a:p>
-            <a:pPr lvl="1"/>
-            <a:r>
-              <a:rPr lang="ko-KR" altLang="en-US" dirty="0"/>
-              <a:t>그러나 이는 대규모 데이터 처리 시 </a:t>
-            </a:r>
-            <a:r>
-              <a:rPr lang="en-US" altLang="ko-KR" dirty="0"/>
-              <a:t>C </a:t>
-            </a:r>
-            <a:r>
-              <a:rPr lang="ko-KR" altLang="en-US" dirty="0"/>
-              <a:t>등의 언어에 비해 현저히 느리다</a:t>
-            </a:r>
-            <a:endParaRPr lang="en-US" altLang="ko-KR" dirty="0"/>
-          </a:p>
-          <a:p>
-            <a:pPr lvl="1"/>
-            <a:r>
-              <a:rPr lang="en-US" altLang="ko-KR" dirty="0" err="1"/>
-              <a:t>Numpy</a:t>
-            </a:r>
-            <a:r>
-              <a:rPr lang="ko-KR" altLang="en-US" dirty="0"/>
-              <a:t>는 다차원 배열 객체 </a:t>
-            </a:r>
-            <a:r>
-              <a:rPr lang="en-US" altLang="ko-KR" b="1" dirty="0" err="1"/>
-              <a:t>ndarray</a:t>
-            </a:r>
-            <a:r>
-              <a:rPr lang="ko-KR" altLang="en-US" dirty="0"/>
-              <a:t>를 사용하여 고속 데이터 처리를 가능하게 한다</a:t>
-            </a:r>
-            <a:endParaRPr lang="en-US" altLang="ko-KR" dirty="0"/>
-          </a:p>
-          <a:p>
-            <a:pPr lvl="1"/>
-            <a:endParaRPr lang="en-US" altLang="ko-KR" dirty="0"/>
-          </a:p>
-          <a:p>
-            <a:pPr marL="457200" lvl="1" indent="0">
-              <a:buNone/>
-            </a:pPr>
-            <a:r>
-              <a:rPr lang="ko-KR" altLang="en-US" b="1" dirty="0"/>
-              <a:t>주요기능</a:t>
-            </a:r>
-            <a:endParaRPr lang="en-US" altLang="ko-KR" b="1" dirty="0"/>
-          </a:p>
-          <a:p>
-            <a:pPr lvl="1"/>
-            <a:r>
-              <a:rPr lang="ko-KR" altLang="en-US" dirty="0" err="1"/>
-              <a:t>유니버셜</a:t>
-            </a:r>
-            <a:r>
-              <a:rPr lang="ko-KR" altLang="en-US" dirty="0"/>
-              <a:t> 함수</a:t>
-            </a:r>
-            <a:r>
-              <a:rPr lang="en-US" altLang="ko-KR" dirty="0"/>
-              <a:t>(universal function)</a:t>
-            </a:r>
-          </a:p>
-          <a:p>
-            <a:pPr lvl="1"/>
-            <a:r>
-              <a:rPr lang="ko-KR" altLang="en-US" dirty="0"/>
-              <a:t>수학</a:t>
-            </a:r>
-            <a:r>
-              <a:rPr lang="en-US" altLang="ko-KR" dirty="0"/>
-              <a:t>/</a:t>
-            </a:r>
-            <a:r>
-              <a:rPr lang="ko-KR" altLang="en-US" dirty="0"/>
-              <a:t>선형대수</a:t>
-            </a:r>
-            <a:r>
-              <a:rPr lang="en-US" altLang="ko-KR" dirty="0"/>
-              <a:t>/</a:t>
-            </a:r>
-            <a:r>
-              <a:rPr lang="ko-KR" altLang="en-US" dirty="0"/>
-              <a:t>통계처리 함수 등 다양한 함수</a:t>
-            </a:r>
-            <a:endParaRPr lang="en-US" altLang="ko-KR" dirty="0"/>
-          </a:p>
-          <a:p>
-            <a:pPr lvl="1"/>
-            <a:r>
-              <a:rPr lang="ko-KR" altLang="en-US" dirty="0"/>
-              <a:t>다른 언어에 대한 인터페이스</a:t>
-            </a:r>
-            <a:endParaRPr lang="en-US" altLang="ko-KR" dirty="0"/>
-          </a:p>
-        </p:txBody>
-      </p:sp>
-    </p:spTree>
-    <p:extLst>
-      <p:ext uri="{BB962C8B-B14F-4D97-AF65-F5344CB8AC3E}">
-        <p14:creationId xmlns:p14="http://schemas.microsoft.com/office/powerpoint/2010/main" val="2483467660"/>
-      </p:ext>
-    </p:extLst>
-  </p:cSld>
-  <p:clrMapOvr>
-    <a:masterClrMapping/>
-  </p:clrMapOvr>
-</p:sld>
-</file>
-
-<file path=ppt/slides/slide30.xml><?xml version="1.0" encoding="utf-8"?>
-<p:sld xmlns:a="http://schemas.openxmlformats.org/drawingml/2006/main" xmlns:r="http://schemas.openxmlformats.org/officeDocument/2006/relationships" xmlns:p="http://schemas.openxmlformats.org/presentationml/2006/main">
-  <p:cSld>
-    <p:spTree>
-      <p:nvGrpSpPr>
-        <p:cNvPr id="1" name=""/>
-        <p:cNvGrpSpPr/>
-        <p:nvPr/>
-      </p:nvGrpSpPr>
-      <p:grpSpPr>
-        <a:xfrm>
-          <a:off x="0" y="0"/>
-          <a:ext cx="0" cy="0"/>
-          <a:chOff x="0" y="0"/>
-          <a:chExt cx="0" cy="0"/>
-        </a:xfrm>
-      </p:grpSpPr>
-      <p:sp>
-        <p:nvSpPr>
-          <p:cNvPr id="3" name="제목 2"/>
-          <p:cNvSpPr>
-            <a:spLocks noGrp="1"/>
-          </p:cNvSpPr>
-          <p:nvPr>
-            <p:ph type="title"/>
-          </p:nvPr>
-        </p:nvSpPr>
-        <p:spPr/>
-        <p:txBody>
-          <a:bodyPr/>
-          <a:lstStyle/>
-          <a:p>
-            <a:r>
-              <a:rPr lang="ko-KR" altLang="en-US" dirty="0" err="1"/>
-              <a:t>브로드캐스팅</a:t>
-            </a:r>
-            <a:endParaRPr lang="ko-KR" altLang="en-US" dirty="0"/>
-          </a:p>
-        </p:txBody>
-      </p:sp>
-      <p:sp>
-        <p:nvSpPr>
-          <p:cNvPr id="11" name="텍스트 개체 틀 3"/>
-          <p:cNvSpPr>
-            <a:spLocks noGrp="1"/>
-          </p:cNvSpPr>
-          <p:nvPr>
-            <p:ph idx="1"/>
-          </p:nvPr>
-        </p:nvSpPr>
-        <p:spPr>
-          <a:xfrm>
-            <a:off x="323411" y="1052670"/>
-            <a:ext cx="8353046" cy="2277547"/>
-          </a:xfrm>
-          <a:noFill/>
-          <a:ln>
-            <a:noFill/>
-          </a:ln>
-          <a:extLst>
-            <a:ext uri="{909E8E84-426E-40DD-AFC4-6F175D3DCCD1}">
-              <a14:hiddenFill xmlns:a14="http://schemas.microsoft.com/office/drawing/2010/main">
-                <a:solidFill>
-                  <a:srgbClr val="FFFFFF"/>
-                </a:solidFill>
-              </a14:hiddenFill>
-            </a:ext>
-            <a:ext uri="{91240B29-F687-4F45-9708-019B960494DF}">
-              <a14:hiddenLine xmlns:a14="http://schemas.microsoft.com/office/drawing/2010/main" w="9525">
-                <a:solidFill>
-                  <a:srgbClr val="000000"/>
-                </a:solidFill>
-                <a:miter lim="800000"/>
-                <a:headEnd/>
-                <a:tailEnd/>
-              </a14:hiddenLine>
-            </a:ext>
-          </a:extLst>
-        </p:spPr>
-        <p:txBody>
-          <a:bodyPr vert="horz" wrap="square" lIns="0" tIns="0" rIns="0" bIns="0" numCol="1" anchor="t" anchorCtr="0" compatLnSpc="1">
-            <a:prstTxWarp prst="textNoShape">
-              <a:avLst/>
-            </a:prstTxWarp>
-            <a:spAutoFit/>
-          </a:bodyPr>
-          <a:lstStyle/>
-          <a:p>
-            <a:r>
-              <a:rPr lang="ko-KR" altLang="en-US" dirty="0"/>
-              <a:t>차원 관련 주의사항</a:t>
-            </a:r>
-            <a:endParaRPr lang="en-US" altLang="ko-KR" dirty="0"/>
-          </a:p>
-          <a:p>
-            <a:pPr lvl="1"/>
-            <a:r>
-              <a:rPr lang="en-US" altLang="ko-KR" dirty="0" err="1"/>
-              <a:t>ndb</a:t>
-            </a:r>
-            <a:r>
-              <a:rPr lang="ko-KR" altLang="en-US" dirty="0"/>
-              <a:t>를 크기 </a:t>
-            </a:r>
-            <a:r>
-              <a:rPr lang="en-US" altLang="ko-KR" dirty="0"/>
-              <a:t>(4,1)</a:t>
-            </a:r>
-            <a:r>
-              <a:rPr lang="ko-KR" altLang="en-US" dirty="0"/>
-              <a:t>인</a:t>
-            </a:r>
-            <a:r>
-              <a:rPr lang="en-US" altLang="ko-KR" dirty="0"/>
-              <a:t> </a:t>
-            </a:r>
-            <a:r>
-              <a:rPr lang="en-US" altLang="ko-KR" dirty="0" err="1"/>
-              <a:t>ndarray</a:t>
-            </a:r>
-            <a:r>
-              <a:rPr lang="ko-KR" altLang="en-US" dirty="0"/>
-              <a:t>로 만들면 어느 축 방향으로 데이터를 </a:t>
-            </a:r>
-            <a:r>
-              <a:rPr lang="ko-KR" altLang="en-US" dirty="0" err="1"/>
-              <a:t>브로드캐스팅하더라도</a:t>
-            </a:r>
-            <a:r>
-              <a:rPr lang="ko-KR" altLang="en-US" dirty="0"/>
-              <a:t> </a:t>
-            </a:r>
-            <a:r>
-              <a:rPr lang="en-US" altLang="ko-KR" dirty="0" err="1"/>
-              <a:t>nda</a:t>
-            </a:r>
-            <a:r>
-              <a:rPr lang="ko-KR" altLang="en-US" dirty="0"/>
-              <a:t>와 같은 크기로 될 수 없기 때문에 오류가 발생한다</a:t>
-            </a:r>
-            <a:endParaRPr lang="en-US" altLang="ko-KR" dirty="0"/>
-          </a:p>
-          <a:p>
-            <a:pPr lvl="1"/>
-            <a:r>
-              <a:rPr lang="en-US" altLang="ko-KR" dirty="0" err="1"/>
-              <a:t>ndb</a:t>
-            </a:r>
-            <a:r>
-              <a:rPr lang="ko-KR" altLang="en-US" dirty="0"/>
-              <a:t>의 크기를 </a:t>
-            </a:r>
-            <a:r>
-              <a:rPr lang="en-US" altLang="ko-KR" dirty="0"/>
-              <a:t>(1,4)</a:t>
-            </a:r>
-            <a:r>
-              <a:rPr lang="ko-KR" altLang="en-US" dirty="0"/>
-              <a:t>로 한 경우에는 크기를 </a:t>
-            </a:r>
-            <a:r>
-              <a:rPr lang="en-US" altLang="ko-KR" dirty="0"/>
-              <a:t>(4,)</a:t>
-            </a:r>
-            <a:r>
-              <a:rPr lang="ko-KR" altLang="en-US" dirty="0"/>
-              <a:t>로 한 경우와 마찬가지로 </a:t>
-            </a:r>
-            <a:r>
-              <a:rPr lang="ko-KR" altLang="en-US" dirty="0" err="1"/>
-              <a:t>브로드캐스팅이</a:t>
-            </a:r>
-            <a:r>
-              <a:rPr lang="ko-KR" altLang="en-US" dirty="0"/>
-              <a:t> 가능하다</a:t>
-            </a:r>
-            <a:endParaRPr lang="en-US" altLang="ko-KR" dirty="0"/>
-          </a:p>
-          <a:p>
-            <a:pPr lvl="1"/>
-            <a:r>
-              <a:rPr lang="ko-KR" altLang="en-US" dirty="0"/>
-              <a:t>즉</a:t>
-            </a:r>
-            <a:r>
-              <a:rPr lang="en-US" altLang="ko-KR" dirty="0"/>
-              <a:t>, </a:t>
-            </a:r>
-            <a:r>
-              <a:rPr lang="ko-KR" altLang="en-US" dirty="0" err="1"/>
-              <a:t>브로드캐스팅에서</a:t>
-            </a:r>
-            <a:r>
-              <a:rPr lang="ko-KR" altLang="en-US" dirty="0"/>
-              <a:t> 크기가 </a:t>
-            </a:r>
-            <a:r>
-              <a:rPr lang="en-US" altLang="ko-KR" dirty="0"/>
-              <a:t>(N,)</a:t>
-            </a:r>
-            <a:r>
-              <a:rPr lang="ko-KR" altLang="en-US" dirty="0"/>
-              <a:t>인 </a:t>
-            </a:r>
-            <a:r>
-              <a:rPr lang="en-US" altLang="ko-KR" dirty="0"/>
-              <a:t>1</a:t>
-            </a:r>
-            <a:r>
-              <a:rPr lang="ko-KR" altLang="en-US" dirty="0"/>
-              <a:t>차원 </a:t>
-            </a:r>
-            <a:r>
-              <a:rPr lang="en-US" altLang="ko-KR" dirty="0" err="1"/>
-              <a:t>ndarray</a:t>
-            </a:r>
-            <a:r>
-              <a:rPr lang="ko-KR" altLang="en-US" dirty="0"/>
-              <a:t>는 크기 </a:t>
-            </a:r>
-            <a:r>
-              <a:rPr lang="en-US" altLang="ko-KR" dirty="0"/>
-              <a:t>(1, N)</a:t>
-            </a:r>
-            <a:r>
-              <a:rPr lang="ko-KR" altLang="en-US" dirty="0"/>
-              <a:t>인 </a:t>
-            </a:r>
-            <a:r>
-              <a:rPr lang="en-US" altLang="ko-KR" dirty="0"/>
-              <a:t>2</a:t>
-            </a:r>
-            <a:r>
-              <a:rPr lang="ko-KR" altLang="en-US" dirty="0"/>
-              <a:t>차원 </a:t>
-            </a:r>
-            <a:r>
-              <a:rPr lang="en-US" altLang="ko-KR" dirty="0" err="1"/>
-              <a:t>ndarray</a:t>
-            </a:r>
-            <a:r>
-              <a:rPr lang="ko-KR" altLang="en-US" dirty="0"/>
-              <a:t>와 같이 취급된다</a:t>
-            </a:r>
-            <a:endParaRPr lang="en-US" altLang="ko-KR" dirty="0"/>
-          </a:p>
-        </p:txBody>
-      </p:sp>
-      <p:sp>
-        <p:nvSpPr>
-          <p:cNvPr id="6" name="직사각형 5"/>
-          <p:cNvSpPr/>
-          <p:nvPr/>
-        </p:nvSpPr>
-        <p:spPr bwMode="auto">
-          <a:xfrm>
-            <a:off x="1182768" y="3330216"/>
-            <a:ext cx="6768940" cy="3076933"/>
-          </a:xfrm>
-          <a:prstGeom prst="rect">
-            <a:avLst/>
-          </a:prstGeom>
-          <a:solidFill>
-            <a:schemeClr val="bg1">
-              <a:lumMod val="85000"/>
-            </a:schemeClr>
-          </a:solidFill>
-          <a:ln w="9525" cap="flat" cmpd="sng" algn="ctr">
-            <a:noFill/>
-            <a:prstDash val="solid"/>
-            <a:round/>
-            <a:headEnd type="none" w="med" len="med"/>
-            <a:tailEnd type="none" w="med" len="med"/>
-          </a:ln>
-          <a:effectLst/>
-        </p:spPr>
-        <p:txBody>
-          <a:bodyPr vert="horz" wrap="none" lIns="360000" tIns="45720" rIns="91440" bIns="45720" numCol="1" rtlCol="0" anchor="ctr" anchorCtr="0" compatLnSpc="1">
-            <a:prstTxWarp prst="textNoShape">
-              <a:avLst/>
-            </a:prstTxWarp>
-          </a:bodyPr>
-          <a:lstStyle/>
-          <a:p>
-            <a:r>
-              <a:rPr lang="en-US" altLang="ko-KR" sz="1400" dirty="0" err="1">
-                <a:latin typeface="+mn-lt"/>
-              </a:rPr>
-              <a:t>nda</a:t>
-            </a:r>
-            <a:r>
-              <a:rPr lang="en-US" altLang="ko-KR" sz="1400" dirty="0">
-                <a:latin typeface="+mn-lt"/>
-              </a:rPr>
-              <a:t> = </a:t>
-            </a:r>
-            <a:r>
-              <a:rPr lang="en-US" altLang="ko-KR" sz="1400" dirty="0" err="1">
-                <a:latin typeface="+mn-lt"/>
-              </a:rPr>
-              <a:t>np.arange</a:t>
-            </a:r>
-            <a:r>
-              <a:rPr lang="en-US" altLang="ko-KR" sz="1400" dirty="0">
-                <a:latin typeface="+mn-lt"/>
-              </a:rPr>
-              <a:t>(12).reshape(4,3)</a:t>
-            </a:r>
-          </a:p>
-          <a:p>
-            <a:r>
-              <a:rPr lang="en-US" altLang="ko-KR" sz="1400" dirty="0" err="1">
-                <a:latin typeface="+mn-lt"/>
-              </a:rPr>
-              <a:t>ndb</a:t>
-            </a:r>
-            <a:r>
-              <a:rPr lang="en-US" altLang="ko-KR" sz="1400" dirty="0">
-                <a:latin typeface="+mn-lt"/>
-              </a:rPr>
-              <a:t> = </a:t>
-            </a:r>
-            <a:r>
-              <a:rPr lang="en-US" altLang="ko-KR" sz="1400" dirty="0" err="1">
-                <a:latin typeface="+mn-lt"/>
-              </a:rPr>
-              <a:t>np.arange</a:t>
-            </a:r>
-            <a:r>
-              <a:rPr lang="en-US" altLang="ko-KR" sz="1400" dirty="0">
-                <a:latin typeface="+mn-lt"/>
-              </a:rPr>
-              <a:t>(4).reshape(4,1)</a:t>
-            </a:r>
-          </a:p>
-          <a:p>
-            <a:r>
-              <a:rPr lang="en-US" altLang="ko-KR" sz="1400" dirty="0" err="1">
-                <a:latin typeface="+mn-lt"/>
-              </a:rPr>
-              <a:t>nda+ndb</a:t>
-            </a:r>
-            <a:endParaRPr lang="en-US" altLang="ko-KR" sz="1400" dirty="0">
-              <a:latin typeface="+mn-lt"/>
-            </a:endParaRPr>
-          </a:p>
-          <a:p>
-            <a:r>
-              <a:rPr lang="en-US" altLang="ko-KR" sz="1400" dirty="0">
-                <a:solidFill>
-                  <a:srgbClr val="FF0000"/>
-                </a:solidFill>
-                <a:latin typeface="+mn-lt"/>
-              </a:rPr>
-              <a:t>Out[73]: </a:t>
-            </a:r>
-          </a:p>
-          <a:p>
-            <a:r>
-              <a:rPr lang="en-US" altLang="ko-KR" sz="1400" dirty="0">
-                <a:solidFill>
-                  <a:srgbClr val="FF0000"/>
-                </a:solidFill>
-                <a:latin typeface="+mn-lt"/>
-              </a:rPr>
-              <a:t>array([[ 0,  1,  2],</a:t>
-            </a:r>
-          </a:p>
-          <a:p>
-            <a:r>
-              <a:rPr lang="en-US" altLang="ko-KR" sz="1400" dirty="0">
-                <a:solidFill>
-                  <a:srgbClr val="FF0000"/>
-                </a:solidFill>
-                <a:latin typeface="+mn-lt"/>
-              </a:rPr>
-              <a:t>       [ 4,  5,  6],</a:t>
-            </a:r>
-          </a:p>
-          <a:p>
-            <a:r>
-              <a:rPr lang="en-US" altLang="ko-KR" sz="1400" dirty="0">
-                <a:solidFill>
-                  <a:srgbClr val="FF0000"/>
-                </a:solidFill>
-                <a:latin typeface="+mn-lt"/>
-              </a:rPr>
-              <a:t>       [ 8,  9, 10],</a:t>
-            </a:r>
-          </a:p>
-          <a:p>
-            <a:r>
-              <a:rPr lang="en-US" altLang="ko-KR" sz="1400" dirty="0">
-                <a:solidFill>
-                  <a:srgbClr val="FF0000"/>
-                </a:solidFill>
-                <a:latin typeface="+mn-lt"/>
-              </a:rPr>
-              <a:t>       [12, 13, 14]])</a:t>
-            </a:r>
-          </a:p>
-          <a:p>
-            <a:endParaRPr lang="en-US" altLang="ko-KR" sz="1400" dirty="0">
-              <a:latin typeface="+mn-lt"/>
-            </a:endParaRPr>
-          </a:p>
-          <a:p>
-            <a:r>
-              <a:rPr lang="en-US" altLang="ko-KR" sz="1400" dirty="0" err="1">
-                <a:latin typeface="+mn-lt"/>
-              </a:rPr>
-              <a:t>ndb</a:t>
-            </a:r>
-            <a:r>
-              <a:rPr lang="en-US" altLang="ko-KR" sz="1400" dirty="0">
-                <a:latin typeface="+mn-lt"/>
-              </a:rPr>
-              <a:t>=</a:t>
-            </a:r>
-            <a:r>
-              <a:rPr lang="en-US" altLang="ko-KR" sz="1400" dirty="0" err="1">
-                <a:latin typeface="+mn-lt"/>
-              </a:rPr>
-              <a:t>np.arange</a:t>
-            </a:r>
-            <a:r>
-              <a:rPr lang="en-US" altLang="ko-KR" sz="1400" dirty="0">
-                <a:latin typeface="+mn-lt"/>
-              </a:rPr>
-              <a:t>(4)</a:t>
-            </a:r>
-          </a:p>
-          <a:p>
-            <a:r>
-              <a:rPr lang="en-US" altLang="ko-KR" sz="1400" b="0" i="1" dirty="0">
-                <a:latin typeface="+mn-lt"/>
-              </a:rPr>
-              <a:t>#</a:t>
-            </a:r>
-            <a:r>
-              <a:rPr lang="ko-KR" altLang="en-US" sz="1400" b="0" i="1" dirty="0">
-                <a:latin typeface="+mn-lt"/>
-              </a:rPr>
-              <a:t>오류가 발생한다</a:t>
-            </a:r>
-            <a:endParaRPr lang="en-US" altLang="ko-KR" sz="1400" b="0" i="1" dirty="0">
-              <a:latin typeface="+mn-lt"/>
-            </a:endParaRPr>
-          </a:p>
-          <a:p>
-            <a:r>
-              <a:rPr lang="en-US" altLang="ko-KR" sz="1400" dirty="0" err="1">
-                <a:latin typeface="+mn-lt"/>
-              </a:rPr>
-              <a:t>nda+ndb</a:t>
-            </a:r>
-            <a:endParaRPr lang="en-US" altLang="ko-KR" sz="1400" dirty="0">
-              <a:latin typeface="+mn-lt"/>
-            </a:endParaRPr>
-          </a:p>
-          <a:p>
-            <a:r>
-              <a:rPr lang="en-US" altLang="ko-KR" sz="1400" dirty="0">
-                <a:solidFill>
-                  <a:srgbClr val="FF0000"/>
-                </a:solidFill>
-                <a:latin typeface="+mn-lt"/>
-              </a:rPr>
-              <a:t>---------------------------------------------------------------------------</a:t>
-            </a:r>
-          </a:p>
-          <a:p>
-            <a:r>
-              <a:rPr lang="en-US" altLang="ko-KR" sz="1400" dirty="0" err="1">
-                <a:solidFill>
-                  <a:srgbClr val="FF0000"/>
-                </a:solidFill>
-                <a:latin typeface="+mn-lt"/>
-              </a:rPr>
-              <a:t>ValueError</a:t>
-            </a:r>
-            <a:r>
-              <a:rPr lang="en-US" altLang="ko-KR" sz="1400" dirty="0">
-                <a:solidFill>
-                  <a:srgbClr val="FF0000"/>
-                </a:solidFill>
-                <a:latin typeface="+mn-lt"/>
-              </a:rPr>
-              <a:t>                                </a:t>
-            </a:r>
-            <a:r>
-              <a:rPr lang="en-US" altLang="ko-KR" sz="1400" dirty="0" err="1">
-                <a:solidFill>
-                  <a:srgbClr val="FF0000"/>
-                </a:solidFill>
-                <a:latin typeface="+mn-lt"/>
-              </a:rPr>
-              <a:t>Traceback</a:t>
-            </a:r>
-            <a:r>
-              <a:rPr lang="en-US" altLang="ko-KR" sz="1400" dirty="0">
-                <a:solidFill>
-                  <a:srgbClr val="FF0000"/>
-                </a:solidFill>
-                <a:latin typeface="+mn-lt"/>
-              </a:rPr>
-              <a:t> (most recent call last)</a:t>
-            </a:r>
-            <a:endParaRPr lang="en-US" altLang="ko-KR" sz="1400" dirty="0">
-              <a:solidFill>
-                <a:srgbClr val="FF0000"/>
-              </a:solidFill>
-              <a:latin typeface="+mn-lt"/>
-              <a:ea typeface="맑은 고딕" pitchFamily="50" charset="-127"/>
-            </a:endParaRPr>
-          </a:p>
-        </p:txBody>
-      </p:sp>
-    </p:spTree>
-    <p:extLst>
-      <p:ext uri="{BB962C8B-B14F-4D97-AF65-F5344CB8AC3E}">
-        <p14:creationId xmlns:p14="http://schemas.microsoft.com/office/powerpoint/2010/main" val="1666805696"/>
-      </p:ext>
-    </p:extLst>
-  </p:cSld>
-  <p:clrMapOvr>
-    <a:masterClrMapping/>
-  </p:clrMapOvr>
-</p:sld>
-</file>
-
-<file path=ppt/slides/slide31.xml><?xml version="1.0" encoding="utf-8"?>
-<p:sld xmlns:a="http://schemas.openxmlformats.org/drawingml/2006/main" xmlns:r="http://schemas.openxmlformats.org/officeDocument/2006/relationships" xmlns:p="http://schemas.openxmlformats.org/presentationml/2006/main">
-  <p:cSld>
-    <p:spTree>
-      <p:nvGrpSpPr>
-        <p:cNvPr id="1" name=""/>
-        <p:cNvGrpSpPr/>
-        <p:nvPr/>
-      </p:nvGrpSpPr>
-      <p:grpSpPr>
-        <a:xfrm>
-          <a:off x="0" y="0"/>
-          <a:ext cx="0" cy="0"/>
-          <a:chOff x="0" y="0"/>
-          <a:chExt cx="0" cy="0"/>
-        </a:xfrm>
-      </p:grpSpPr>
-      <p:sp>
-        <p:nvSpPr>
-          <p:cNvPr id="3" name="제목 2"/>
-          <p:cNvSpPr>
-            <a:spLocks noGrp="1"/>
-          </p:cNvSpPr>
-          <p:nvPr>
-            <p:ph type="title"/>
-          </p:nvPr>
-        </p:nvSpPr>
-        <p:spPr/>
-        <p:txBody>
-          <a:bodyPr/>
-          <a:lstStyle/>
-          <a:p>
-            <a:r>
-              <a:rPr lang="ko-KR" altLang="en-US" dirty="0"/>
-              <a:t>정리</a:t>
-            </a:r>
-          </a:p>
-        </p:txBody>
-      </p:sp>
-      <p:sp>
-        <p:nvSpPr>
-          <p:cNvPr id="11" name="텍스트 개체 틀 3"/>
-          <p:cNvSpPr>
-            <a:spLocks noGrp="1"/>
-          </p:cNvSpPr>
-          <p:nvPr>
-            <p:ph idx="1"/>
-          </p:nvPr>
-        </p:nvSpPr>
-        <p:spPr>
-          <a:xfrm>
-            <a:off x="323411" y="1052670"/>
-            <a:ext cx="8353046" cy="2354491"/>
-          </a:xfrm>
-          <a:noFill/>
-          <a:ln>
-            <a:noFill/>
-          </a:ln>
-          <a:extLst>
-            <a:ext uri="{909E8E84-426E-40DD-AFC4-6F175D3DCCD1}">
-              <a14:hiddenFill xmlns:a14="http://schemas.microsoft.com/office/drawing/2010/main">
-                <a:solidFill>
-                  <a:srgbClr val="FFFFFF"/>
-                </a:solidFill>
-              </a14:hiddenFill>
-            </a:ext>
-            <a:ext uri="{91240B29-F687-4F45-9708-019B960494DF}">
-              <a14:hiddenLine xmlns:a14="http://schemas.microsoft.com/office/drawing/2010/main" w="9525">
-                <a:solidFill>
-                  <a:srgbClr val="000000"/>
-                </a:solidFill>
-                <a:miter lim="800000"/>
-                <a:headEnd/>
-                <a:tailEnd/>
-              </a14:hiddenLine>
-            </a:ext>
-          </a:extLst>
-        </p:spPr>
-        <p:txBody>
-          <a:bodyPr vert="horz" wrap="square" lIns="0" tIns="0" rIns="0" bIns="0" numCol="1" anchor="t" anchorCtr="0" compatLnSpc="1">
-            <a:prstTxWarp prst="textNoShape">
-              <a:avLst/>
-            </a:prstTxWarp>
-            <a:spAutoFit/>
-          </a:bodyPr>
-          <a:lstStyle/>
-          <a:p>
-            <a:r>
-              <a:rPr lang="en-US" altLang="ko-KR" dirty="0" err="1"/>
-              <a:t>Numpy</a:t>
-            </a:r>
-            <a:r>
-              <a:rPr lang="ko-KR" altLang="en-US" dirty="0"/>
-              <a:t>는 과학 기술 컴퓨팅 분야에서 다른 많은 라이브러리의 기초를 이루고 있어 이를 이해하는 것은 이제 필수이다</a:t>
-            </a:r>
-            <a:endParaRPr lang="en-US" altLang="ko-KR" dirty="0"/>
-          </a:p>
-          <a:p>
-            <a:r>
-              <a:rPr lang="ko-KR" altLang="en-US" dirty="0"/>
-              <a:t>앞서 소개한 메서드 등은 극히 일부이다</a:t>
-            </a:r>
-            <a:endParaRPr lang="en-US" altLang="ko-KR" dirty="0"/>
-          </a:p>
-          <a:p>
-            <a:r>
-              <a:rPr lang="en-US" altLang="ko-KR" dirty="0" err="1"/>
-              <a:t>Numpy</a:t>
-            </a:r>
-            <a:r>
-              <a:rPr lang="ko-KR" altLang="en-US" dirty="0"/>
-              <a:t>는 편리하게 사용할 수 있는 수많은 메서드를 제공하며</a:t>
-            </a:r>
-            <a:r>
-              <a:rPr lang="en-US" altLang="ko-KR" dirty="0"/>
-              <a:t>, </a:t>
-            </a:r>
-            <a:r>
-              <a:rPr lang="ko-KR" altLang="en-US" dirty="0"/>
-              <a:t>그 세부적인 함수 내용은 필요할 때마다 참조 문서</a:t>
-            </a:r>
-            <a:r>
-              <a:rPr lang="en-US" altLang="ko-KR" dirty="0"/>
-              <a:t>(google..) </a:t>
-            </a:r>
-            <a:r>
-              <a:rPr lang="ko-KR" altLang="en-US" dirty="0"/>
-              <a:t>등을 보며 참고하면 된다</a:t>
-            </a:r>
-            <a:endParaRPr lang="en-US" altLang="ko-KR" dirty="0"/>
-          </a:p>
-        </p:txBody>
-      </p:sp>
-    </p:spTree>
-    <p:extLst>
-      <p:ext uri="{BB962C8B-B14F-4D97-AF65-F5344CB8AC3E}">
-        <p14:creationId xmlns:p14="http://schemas.microsoft.com/office/powerpoint/2010/main" val="2360912621"/>
       </p:ext>
     </p:extLst>
   </p:cSld>
@@ -30225,9 +30384,10 @@
           <a:lstStyle/>
           <a:p>
             <a:r>
-              <a:rPr lang="ko-KR" altLang="en-US" dirty="0"/>
-              <a:t>연습문제</a:t>
-            </a:r>
+              <a:rPr lang="ko-KR" altLang="en-US" dirty="0" err="1"/>
+              <a:t>브로드캐스팅</a:t>
+            </a:r>
+            <a:endParaRPr lang="ko-KR" altLang="en-US" dirty="0"/>
           </a:p>
         </p:txBody>
       </p:sp>
@@ -30244,7 +30404,7 @@
         <p:spPr>
           <a:xfrm>
             <a:off x="323411" y="1052670"/>
-            <a:ext cx="8353046" cy="1615827"/>
+            <a:ext cx="8353046" cy="2277547"/>
           </a:xfrm>
           <a:noFill/>
           <a:ln>
@@ -30280,6 +30440,682 @@
           <a:lstStyle/>
           <a:p>
             <a:r>
+              <a:rPr lang="ko-KR" altLang="en-US" dirty="0"/>
+              <a:t>차원 관련 주의사항</a:t>
+            </a:r>
+            <a:endParaRPr lang="en-US" altLang="ko-KR" dirty="0"/>
+          </a:p>
+          <a:p>
+            <a:pPr lvl="1"/>
+            <a:r>
+              <a:rPr lang="en-US" altLang="ko-KR" dirty="0" err="1"/>
+              <a:t>ndb</a:t>
+            </a:r>
+            <a:r>
+              <a:rPr lang="ko-KR" altLang="en-US" dirty="0"/>
+              <a:t>를 크기 </a:t>
+            </a:r>
+            <a:r>
+              <a:rPr lang="en-US" altLang="ko-KR" dirty="0"/>
+              <a:t>(4,1)</a:t>
+            </a:r>
+            <a:r>
+              <a:rPr lang="ko-KR" altLang="en-US" dirty="0"/>
+              <a:t>인</a:t>
+            </a:r>
+            <a:r>
+              <a:rPr lang="en-US" altLang="ko-KR" dirty="0"/>
+              <a:t> </a:t>
+            </a:r>
+            <a:r>
+              <a:rPr lang="en-US" altLang="ko-KR" dirty="0" err="1"/>
+              <a:t>ndarray</a:t>
+            </a:r>
+            <a:r>
+              <a:rPr lang="ko-KR" altLang="en-US" dirty="0"/>
+              <a:t>로 만들면 어느 축 방향으로 데이터를 </a:t>
+            </a:r>
+            <a:r>
+              <a:rPr lang="ko-KR" altLang="en-US" dirty="0" err="1"/>
+              <a:t>브로드캐스팅하더라도</a:t>
+            </a:r>
+            <a:r>
+              <a:rPr lang="ko-KR" altLang="en-US" dirty="0"/>
+              <a:t> </a:t>
+            </a:r>
+            <a:r>
+              <a:rPr lang="en-US" altLang="ko-KR" dirty="0" err="1"/>
+              <a:t>nda</a:t>
+            </a:r>
+            <a:r>
+              <a:rPr lang="ko-KR" altLang="en-US" dirty="0"/>
+              <a:t>와 같은 크기로 될 수 없기 때문에 오류가 발생한다</a:t>
+            </a:r>
+            <a:endParaRPr lang="en-US" altLang="ko-KR" dirty="0"/>
+          </a:p>
+          <a:p>
+            <a:pPr lvl="1"/>
+            <a:r>
+              <a:rPr lang="en-US" altLang="ko-KR" dirty="0" err="1"/>
+              <a:t>ndb</a:t>
+            </a:r>
+            <a:r>
+              <a:rPr lang="ko-KR" altLang="en-US" dirty="0"/>
+              <a:t>의 크기를 </a:t>
+            </a:r>
+            <a:r>
+              <a:rPr lang="en-US" altLang="ko-KR" dirty="0"/>
+              <a:t>(1,4)</a:t>
+            </a:r>
+            <a:r>
+              <a:rPr lang="ko-KR" altLang="en-US" dirty="0"/>
+              <a:t>로 한 경우에는 크기를 </a:t>
+            </a:r>
+            <a:r>
+              <a:rPr lang="en-US" altLang="ko-KR" dirty="0"/>
+              <a:t>(4,)</a:t>
+            </a:r>
+            <a:r>
+              <a:rPr lang="ko-KR" altLang="en-US" dirty="0"/>
+              <a:t>로 한 경우와 마찬가지로 </a:t>
+            </a:r>
+            <a:r>
+              <a:rPr lang="ko-KR" altLang="en-US" dirty="0" err="1"/>
+              <a:t>브로드캐스팅이</a:t>
+            </a:r>
+            <a:r>
+              <a:rPr lang="ko-KR" altLang="en-US" dirty="0"/>
+              <a:t> 가능하다</a:t>
+            </a:r>
+            <a:endParaRPr lang="en-US" altLang="ko-KR" dirty="0"/>
+          </a:p>
+          <a:p>
+            <a:pPr lvl="1"/>
+            <a:r>
+              <a:rPr lang="ko-KR" altLang="en-US" dirty="0"/>
+              <a:t>즉</a:t>
+            </a:r>
+            <a:r>
+              <a:rPr lang="en-US" altLang="ko-KR" dirty="0"/>
+              <a:t>, </a:t>
+            </a:r>
+            <a:r>
+              <a:rPr lang="ko-KR" altLang="en-US" dirty="0" err="1"/>
+              <a:t>브로드캐스팅에서</a:t>
+            </a:r>
+            <a:r>
+              <a:rPr lang="ko-KR" altLang="en-US" dirty="0"/>
+              <a:t> 크기가 </a:t>
+            </a:r>
+            <a:r>
+              <a:rPr lang="en-US" altLang="ko-KR" dirty="0"/>
+              <a:t>(N,)</a:t>
+            </a:r>
+            <a:r>
+              <a:rPr lang="ko-KR" altLang="en-US" dirty="0"/>
+              <a:t>인 </a:t>
+            </a:r>
+            <a:r>
+              <a:rPr lang="en-US" altLang="ko-KR" dirty="0"/>
+              <a:t>1</a:t>
+            </a:r>
+            <a:r>
+              <a:rPr lang="ko-KR" altLang="en-US" dirty="0"/>
+              <a:t>차원 </a:t>
+            </a:r>
+            <a:r>
+              <a:rPr lang="en-US" altLang="ko-KR" dirty="0" err="1"/>
+              <a:t>ndarray</a:t>
+            </a:r>
+            <a:r>
+              <a:rPr lang="ko-KR" altLang="en-US" dirty="0"/>
+              <a:t>는 크기 </a:t>
+            </a:r>
+            <a:r>
+              <a:rPr lang="en-US" altLang="ko-KR" dirty="0"/>
+              <a:t>(1, N)</a:t>
+            </a:r>
+            <a:r>
+              <a:rPr lang="ko-KR" altLang="en-US" dirty="0"/>
+              <a:t>인 </a:t>
+            </a:r>
+            <a:r>
+              <a:rPr lang="en-US" altLang="ko-KR" dirty="0"/>
+              <a:t>2</a:t>
+            </a:r>
+            <a:r>
+              <a:rPr lang="ko-KR" altLang="en-US" dirty="0"/>
+              <a:t>차원 </a:t>
+            </a:r>
+            <a:r>
+              <a:rPr lang="en-US" altLang="ko-KR" dirty="0" err="1"/>
+              <a:t>ndarray</a:t>
+            </a:r>
+            <a:r>
+              <a:rPr lang="ko-KR" altLang="en-US" dirty="0"/>
+              <a:t>와 같이 취급된다</a:t>
+            </a:r>
+            <a:endParaRPr lang="en-US" altLang="ko-KR" dirty="0"/>
+          </a:p>
+        </p:txBody>
+      </p:sp>
+      <p:sp>
+        <p:nvSpPr>
+          <p:cNvPr id="6" name="직사각형 5"/>
+          <p:cNvSpPr/>
+          <p:nvPr/>
+        </p:nvSpPr>
+        <p:spPr bwMode="auto">
+          <a:xfrm>
+            <a:off x="1182768" y="3330216"/>
+            <a:ext cx="6768940" cy="3076933"/>
+          </a:xfrm>
+          <a:prstGeom prst="rect">
+            <a:avLst/>
+          </a:prstGeom>
+          <a:solidFill>
+            <a:schemeClr val="bg1">
+              <a:lumMod val="85000"/>
+            </a:schemeClr>
+          </a:solidFill>
+          <a:ln w="9525" cap="flat" cmpd="sng" algn="ctr">
+            <a:noFill/>
+            <a:prstDash val="solid"/>
+            <a:round/>
+            <a:headEnd type="none" w="med" len="med"/>
+            <a:tailEnd type="none" w="med" len="med"/>
+          </a:ln>
+          <a:effectLst/>
+        </p:spPr>
+        <p:txBody>
+          <a:bodyPr vert="horz" wrap="none" lIns="360000" tIns="45720" rIns="91440" bIns="45720" numCol="1" rtlCol="0" anchor="ctr" anchorCtr="0" compatLnSpc="1">
+            <a:prstTxWarp prst="textNoShape">
+              <a:avLst/>
+            </a:prstTxWarp>
+          </a:bodyPr>
+          <a:lstStyle/>
+          <a:p>
+            <a:r>
+              <a:rPr lang="en-US" altLang="ko-KR" sz="1400" dirty="0" err="1">
+                <a:latin typeface="+mn-lt"/>
+              </a:rPr>
+              <a:t>nda</a:t>
+            </a:r>
+            <a:r>
+              <a:rPr lang="en-US" altLang="ko-KR" sz="1400" dirty="0">
+                <a:latin typeface="+mn-lt"/>
+              </a:rPr>
+              <a:t> = </a:t>
+            </a:r>
+            <a:r>
+              <a:rPr lang="en-US" altLang="ko-KR" sz="1400" dirty="0" err="1">
+                <a:latin typeface="+mn-lt"/>
+              </a:rPr>
+              <a:t>np.arange</a:t>
+            </a:r>
+            <a:r>
+              <a:rPr lang="en-US" altLang="ko-KR" sz="1400" dirty="0">
+                <a:latin typeface="+mn-lt"/>
+              </a:rPr>
+              <a:t>(12).reshape(4,3)</a:t>
+            </a:r>
+          </a:p>
+          <a:p>
+            <a:r>
+              <a:rPr lang="en-US" altLang="ko-KR" sz="1400" dirty="0" err="1">
+                <a:latin typeface="+mn-lt"/>
+              </a:rPr>
+              <a:t>ndb</a:t>
+            </a:r>
+            <a:r>
+              <a:rPr lang="en-US" altLang="ko-KR" sz="1400" dirty="0">
+                <a:latin typeface="+mn-lt"/>
+              </a:rPr>
+              <a:t> = </a:t>
+            </a:r>
+            <a:r>
+              <a:rPr lang="en-US" altLang="ko-KR" sz="1400" dirty="0" err="1">
+                <a:latin typeface="+mn-lt"/>
+              </a:rPr>
+              <a:t>np.arange</a:t>
+            </a:r>
+            <a:r>
+              <a:rPr lang="en-US" altLang="ko-KR" sz="1400" dirty="0">
+                <a:latin typeface="+mn-lt"/>
+              </a:rPr>
+              <a:t>(4).reshape(4,1)</a:t>
+            </a:r>
+          </a:p>
+          <a:p>
+            <a:r>
+              <a:rPr lang="en-US" altLang="ko-KR" sz="1400" dirty="0" err="1">
+                <a:latin typeface="+mn-lt"/>
+              </a:rPr>
+              <a:t>nda+ndb</a:t>
+            </a:r>
+            <a:endParaRPr lang="en-US" altLang="ko-KR" sz="1400" dirty="0">
+              <a:latin typeface="+mn-lt"/>
+            </a:endParaRPr>
+          </a:p>
+          <a:p>
+            <a:r>
+              <a:rPr lang="en-US" altLang="ko-KR" sz="1400" dirty="0">
+                <a:solidFill>
+                  <a:srgbClr val="FF0000"/>
+                </a:solidFill>
+                <a:latin typeface="+mn-lt"/>
+              </a:rPr>
+              <a:t>Out[73]: </a:t>
+            </a:r>
+          </a:p>
+          <a:p>
+            <a:r>
+              <a:rPr lang="en-US" altLang="ko-KR" sz="1400" dirty="0">
+                <a:solidFill>
+                  <a:srgbClr val="FF0000"/>
+                </a:solidFill>
+                <a:latin typeface="+mn-lt"/>
+              </a:rPr>
+              <a:t>array([[ 0,  1,  2],</a:t>
+            </a:r>
+          </a:p>
+          <a:p>
+            <a:r>
+              <a:rPr lang="en-US" altLang="ko-KR" sz="1400" dirty="0">
+                <a:solidFill>
+                  <a:srgbClr val="FF0000"/>
+                </a:solidFill>
+                <a:latin typeface="+mn-lt"/>
+              </a:rPr>
+              <a:t>       [ 4,  5,  6],</a:t>
+            </a:r>
+          </a:p>
+          <a:p>
+            <a:r>
+              <a:rPr lang="en-US" altLang="ko-KR" sz="1400" dirty="0">
+                <a:solidFill>
+                  <a:srgbClr val="FF0000"/>
+                </a:solidFill>
+                <a:latin typeface="+mn-lt"/>
+              </a:rPr>
+              <a:t>       [ 8,  9, 10],</a:t>
+            </a:r>
+          </a:p>
+          <a:p>
+            <a:r>
+              <a:rPr lang="en-US" altLang="ko-KR" sz="1400" dirty="0">
+                <a:solidFill>
+                  <a:srgbClr val="FF0000"/>
+                </a:solidFill>
+                <a:latin typeface="+mn-lt"/>
+              </a:rPr>
+              <a:t>       [12, 13, 14]])</a:t>
+            </a:r>
+          </a:p>
+          <a:p>
+            <a:endParaRPr lang="en-US" altLang="ko-KR" sz="1400" dirty="0">
+              <a:latin typeface="+mn-lt"/>
+            </a:endParaRPr>
+          </a:p>
+          <a:p>
+            <a:r>
+              <a:rPr lang="en-US" altLang="ko-KR" sz="1400" dirty="0" err="1">
+                <a:latin typeface="+mn-lt"/>
+              </a:rPr>
+              <a:t>ndb</a:t>
+            </a:r>
+            <a:r>
+              <a:rPr lang="en-US" altLang="ko-KR" sz="1400" dirty="0">
+                <a:latin typeface="+mn-lt"/>
+              </a:rPr>
+              <a:t>=</a:t>
+            </a:r>
+            <a:r>
+              <a:rPr lang="en-US" altLang="ko-KR" sz="1400" dirty="0" err="1">
+                <a:latin typeface="+mn-lt"/>
+              </a:rPr>
+              <a:t>np.arange</a:t>
+            </a:r>
+            <a:r>
+              <a:rPr lang="en-US" altLang="ko-KR" sz="1400" dirty="0">
+                <a:latin typeface="+mn-lt"/>
+              </a:rPr>
+              <a:t>(4)</a:t>
+            </a:r>
+          </a:p>
+          <a:p>
+            <a:r>
+              <a:rPr lang="en-US" altLang="ko-KR" sz="1400" b="0" i="1" dirty="0">
+                <a:latin typeface="+mn-lt"/>
+              </a:rPr>
+              <a:t>#</a:t>
+            </a:r>
+            <a:r>
+              <a:rPr lang="ko-KR" altLang="en-US" sz="1400" b="0" i="1" dirty="0">
+                <a:latin typeface="+mn-lt"/>
+              </a:rPr>
+              <a:t>오류가 발생한다</a:t>
+            </a:r>
+            <a:endParaRPr lang="en-US" altLang="ko-KR" sz="1400" b="0" i="1" dirty="0">
+              <a:latin typeface="+mn-lt"/>
+            </a:endParaRPr>
+          </a:p>
+          <a:p>
+            <a:r>
+              <a:rPr lang="en-US" altLang="ko-KR" sz="1400" dirty="0" err="1">
+                <a:latin typeface="+mn-lt"/>
+              </a:rPr>
+              <a:t>nda+ndb</a:t>
+            </a:r>
+            <a:endParaRPr lang="en-US" altLang="ko-KR" sz="1400" dirty="0">
+              <a:latin typeface="+mn-lt"/>
+            </a:endParaRPr>
+          </a:p>
+          <a:p>
+            <a:r>
+              <a:rPr lang="en-US" altLang="ko-KR" sz="1400" dirty="0">
+                <a:solidFill>
+                  <a:srgbClr val="FF0000"/>
+                </a:solidFill>
+                <a:latin typeface="+mn-lt"/>
+              </a:rPr>
+              <a:t>---------------------------------------------------------------------------</a:t>
+            </a:r>
+          </a:p>
+          <a:p>
+            <a:r>
+              <a:rPr lang="en-US" altLang="ko-KR" sz="1400" dirty="0" err="1">
+                <a:solidFill>
+                  <a:srgbClr val="FF0000"/>
+                </a:solidFill>
+                <a:latin typeface="+mn-lt"/>
+              </a:rPr>
+              <a:t>ValueError</a:t>
+            </a:r>
+            <a:r>
+              <a:rPr lang="en-US" altLang="ko-KR" sz="1400" dirty="0">
+                <a:solidFill>
+                  <a:srgbClr val="FF0000"/>
+                </a:solidFill>
+                <a:latin typeface="+mn-lt"/>
+              </a:rPr>
+              <a:t>                                </a:t>
+            </a:r>
+            <a:r>
+              <a:rPr lang="en-US" altLang="ko-KR" sz="1400" dirty="0" err="1">
+                <a:solidFill>
+                  <a:srgbClr val="FF0000"/>
+                </a:solidFill>
+                <a:latin typeface="+mn-lt"/>
+              </a:rPr>
+              <a:t>Traceback</a:t>
+            </a:r>
+            <a:r>
+              <a:rPr lang="en-US" altLang="ko-KR" sz="1400" dirty="0">
+                <a:solidFill>
+                  <a:srgbClr val="FF0000"/>
+                </a:solidFill>
+                <a:latin typeface="+mn-lt"/>
+              </a:rPr>
+              <a:t> (most recent call last)</a:t>
+            </a:r>
+            <a:endParaRPr lang="en-US" altLang="ko-KR" sz="1400" dirty="0">
+              <a:solidFill>
+                <a:srgbClr val="FF0000"/>
+              </a:solidFill>
+              <a:latin typeface="+mn-lt"/>
+              <a:ea typeface="맑은 고딕" pitchFamily="50" charset="-127"/>
+            </a:endParaRPr>
+          </a:p>
+        </p:txBody>
+      </p:sp>
+    </p:spTree>
+    <p:extLst>
+      <p:ext uri="{BB962C8B-B14F-4D97-AF65-F5344CB8AC3E}">
+        <p14:creationId xmlns:p14="http://schemas.microsoft.com/office/powerpoint/2010/main" val="1666805696"/>
+      </p:ext>
+    </p:extLst>
+  </p:cSld>
+  <p:clrMapOvr>
+    <a:masterClrMapping/>
+  </p:clrMapOvr>
+</p:sld>
+</file>
+
+<file path=ppt/slides/slide33.xml><?xml version="1.0" encoding="utf-8"?>
+<p:sld xmlns:a="http://schemas.openxmlformats.org/drawingml/2006/main" xmlns:r="http://schemas.openxmlformats.org/officeDocument/2006/relationships" xmlns:p="http://schemas.openxmlformats.org/presentationml/2006/main">
+  <p:cSld>
+    <p:spTree>
+      <p:nvGrpSpPr>
+        <p:cNvPr id="1" name=""/>
+        <p:cNvGrpSpPr/>
+        <p:nvPr/>
+      </p:nvGrpSpPr>
+      <p:grpSpPr>
+        <a:xfrm>
+          <a:off x="0" y="0"/>
+          <a:ext cx="0" cy="0"/>
+          <a:chOff x="0" y="0"/>
+          <a:chExt cx="0" cy="0"/>
+        </a:xfrm>
+      </p:grpSpPr>
+      <p:sp>
+        <p:nvSpPr>
+          <p:cNvPr id="3" name="제목 2"/>
+          <p:cNvSpPr>
+            <a:spLocks noGrp="1"/>
+          </p:cNvSpPr>
+          <p:nvPr>
+            <p:ph type="title"/>
+          </p:nvPr>
+        </p:nvSpPr>
+        <p:spPr/>
+        <p:txBody>
+          <a:bodyPr/>
+          <a:lstStyle/>
+          <a:p>
+            <a:r>
+              <a:rPr lang="ko-KR" altLang="en-US" dirty="0"/>
+              <a:t>정리</a:t>
+            </a:r>
+          </a:p>
+        </p:txBody>
+      </p:sp>
+      <p:sp>
+        <p:nvSpPr>
+          <p:cNvPr id="11" name="텍스트 개체 틀 3"/>
+          <p:cNvSpPr>
+            <a:spLocks noGrp="1"/>
+          </p:cNvSpPr>
+          <p:nvPr>
+            <p:ph idx="1"/>
+          </p:nvPr>
+        </p:nvSpPr>
+        <p:spPr>
+          <a:xfrm>
+            <a:off x="323411" y="1052670"/>
+            <a:ext cx="8353046" cy="2354491"/>
+          </a:xfrm>
+          <a:noFill/>
+          <a:ln>
+            <a:noFill/>
+          </a:ln>
+          <a:extLst>
+            <a:ext uri="{909E8E84-426E-40DD-AFC4-6F175D3DCCD1}">
+              <a14:hiddenFill xmlns:a14="http://schemas.microsoft.com/office/drawing/2010/main">
+                <a:solidFill>
+                  <a:srgbClr val="FFFFFF"/>
+                </a:solidFill>
+              </a14:hiddenFill>
+            </a:ext>
+            <a:ext uri="{91240B29-F687-4F45-9708-019B960494DF}">
+              <a14:hiddenLine xmlns:a14="http://schemas.microsoft.com/office/drawing/2010/main" w="9525">
+                <a:solidFill>
+                  <a:srgbClr val="000000"/>
+                </a:solidFill>
+                <a:miter lim="800000"/>
+                <a:headEnd/>
+                <a:tailEnd/>
+              </a14:hiddenLine>
+            </a:ext>
+          </a:extLst>
+        </p:spPr>
+        <p:txBody>
+          <a:bodyPr vert="horz" wrap="square" lIns="0" tIns="0" rIns="0" bIns="0" numCol="1" anchor="t" anchorCtr="0" compatLnSpc="1">
+            <a:prstTxWarp prst="textNoShape">
+              <a:avLst/>
+            </a:prstTxWarp>
+            <a:spAutoFit/>
+          </a:bodyPr>
+          <a:lstStyle/>
+          <a:p>
+            <a:r>
+              <a:rPr lang="en-US" altLang="ko-KR" dirty="0" err="1"/>
+              <a:t>Numpy</a:t>
+            </a:r>
+            <a:r>
+              <a:rPr lang="ko-KR" altLang="en-US" dirty="0"/>
+              <a:t>는 과학 기술 컴퓨팅 분야에서 다른 많은 라이브러리의 기초를 이루고 있어 이를 이해하는 것은 이제 필수이다</a:t>
+            </a:r>
+            <a:endParaRPr lang="en-US" altLang="ko-KR" dirty="0"/>
+          </a:p>
+          <a:p>
+            <a:r>
+              <a:rPr lang="ko-KR" altLang="en-US" dirty="0"/>
+              <a:t>앞서 소개한 메서드 등은 극히 일부이다</a:t>
+            </a:r>
+            <a:endParaRPr lang="en-US" altLang="ko-KR" dirty="0"/>
+          </a:p>
+          <a:p>
+            <a:r>
+              <a:rPr lang="en-US" altLang="ko-KR" dirty="0" err="1"/>
+              <a:t>Numpy</a:t>
+            </a:r>
+            <a:r>
+              <a:rPr lang="ko-KR" altLang="en-US" dirty="0"/>
+              <a:t>는 편리하게 사용할 수 있는 수많은 메서드를 제공하며</a:t>
+            </a:r>
+            <a:r>
+              <a:rPr lang="en-US" altLang="ko-KR" dirty="0"/>
+              <a:t>, </a:t>
+            </a:r>
+            <a:r>
+              <a:rPr lang="ko-KR" altLang="en-US" dirty="0"/>
+              <a:t>그 세부적인 함수 내용은 필요할 때마다 참조 문서</a:t>
+            </a:r>
+            <a:r>
+              <a:rPr lang="en-US" altLang="ko-KR" dirty="0"/>
+              <a:t>(google..) </a:t>
+            </a:r>
+            <a:r>
+              <a:rPr lang="ko-KR" altLang="en-US" dirty="0"/>
+              <a:t>등을 보며 참고하면 된다</a:t>
+            </a:r>
+            <a:endParaRPr lang="en-US" altLang="ko-KR" dirty="0"/>
+          </a:p>
+        </p:txBody>
+      </p:sp>
+    </p:spTree>
+    <p:extLst>
+      <p:ext uri="{BB962C8B-B14F-4D97-AF65-F5344CB8AC3E}">
+        <p14:creationId xmlns:p14="http://schemas.microsoft.com/office/powerpoint/2010/main" val="2360912621"/>
+      </p:ext>
+    </p:extLst>
+  </p:cSld>
+  <p:clrMapOvr>
+    <a:masterClrMapping/>
+  </p:clrMapOvr>
+</p:sld>
+</file>
+
+<file path=ppt/slides/slide34.xml><?xml version="1.0" encoding="utf-8"?>
+<p:sld xmlns:a="http://schemas.openxmlformats.org/drawingml/2006/main" xmlns:r="http://schemas.openxmlformats.org/officeDocument/2006/relationships" xmlns:p="http://schemas.openxmlformats.org/presentationml/2006/main">
+  <p:cSld>
+    <p:spTree>
+      <p:nvGrpSpPr>
+        <p:cNvPr id="1" name=""/>
+        <p:cNvGrpSpPr/>
+        <p:nvPr/>
+      </p:nvGrpSpPr>
+      <p:grpSpPr>
+        <a:xfrm>
+          <a:off x="0" y="0"/>
+          <a:ext cx="0" cy="0"/>
+          <a:chOff x="0" y="0"/>
+          <a:chExt cx="0" cy="0"/>
+        </a:xfrm>
+      </p:grpSpPr>
+      <p:sp>
+        <p:nvSpPr>
+          <p:cNvPr id="3" name="제목 2"/>
+          <p:cNvSpPr>
+            <a:spLocks noGrp="1"/>
+          </p:cNvSpPr>
+          <p:nvPr>
+            <p:ph type="title"/>
+          </p:nvPr>
+        </p:nvSpPr>
+        <p:spPr/>
+        <p:txBody>
+          <a:bodyPr/>
+          <a:lstStyle/>
+          <a:p>
+            <a:r>
+              <a:rPr lang="ko-KR" altLang="en-US" dirty="0"/>
+              <a:t>연습문제</a:t>
+            </a:r>
+          </a:p>
+        </p:txBody>
+      </p:sp>
+      <p:sp>
+        <p:nvSpPr>
+          <p:cNvPr id="11" name="텍스트 개체 틀 3"/>
+          <p:cNvSpPr>
+            <a:spLocks noGrp="1"/>
+          </p:cNvSpPr>
+          <p:nvPr>
+            <p:ph idx="1"/>
+          </p:nvPr>
+        </p:nvSpPr>
+        <p:spPr>
+          <a:xfrm>
+            <a:off x="323411" y="1052670"/>
+            <a:ext cx="8353046" cy="2328266"/>
+          </a:xfrm>
+          <a:noFill/>
+          <a:ln>
+            <a:noFill/>
+          </a:ln>
+          <a:extLst>
+            <a:ext uri="{909E8E84-426E-40DD-AFC4-6F175D3DCCD1}">
+              <a14:hiddenFill xmlns:a14="http://schemas.microsoft.com/office/drawing/2010/main">
+                <a:solidFill>
+                  <a:srgbClr val="FFFFFF"/>
+                </a:solidFill>
+              </a14:hiddenFill>
+            </a:ext>
+            <a:ext uri="{91240B29-F687-4F45-9708-019B960494DF}">
+              <a14:hiddenLine xmlns:a14="http://schemas.microsoft.com/office/drawing/2010/main" w="9525">
+                <a:solidFill>
+                  <a:srgbClr val="000000"/>
+                </a:solidFill>
+                <a:miter lim="800000"/>
+                <a:headEnd/>
+                <a:tailEnd/>
+              </a14:hiddenLine>
+            </a:ext>
+          </a:extLst>
+        </p:spPr>
+        <p:txBody>
+          <a:bodyPr vert="horz" wrap="square" lIns="0" tIns="0" rIns="0" bIns="0" numCol="1" anchor="t" anchorCtr="0" compatLnSpc="1">
+            <a:prstTxWarp prst="textNoShape">
+              <a:avLst/>
+            </a:prstTxWarp>
+            <a:spAutoFit/>
+          </a:bodyPr>
+          <a:lstStyle/>
+          <a:p>
+            <a:r>
               <a:rPr lang="en-US" altLang="ko-KR" sz="1400" dirty="0">
                 <a:solidFill>
                   <a:schemeClr val="tx1"/>
@@ -30492,6 +31328,112 @@
                 </a:solidFill>
               </a:rPr>
               <a:t>?</a:t>
+            </a:r>
+          </a:p>
+          <a:p>
+            <a:r>
+              <a:rPr lang="en-US" altLang="ko-KR" sz="1400" dirty="0">
+                <a:solidFill>
+                  <a:schemeClr val="tx1"/>
+                </a:solidFill>
+              </a:rPr>
+              <a:t>4. </a:t>
+            </a:r>
+            <a:r>
+              <a:rPr lang="en-US" altLang="ko-KR" sz="1400" dirty="0" err="1">
+                <a:solidFill>
+                  <a:schemeClr val="tx1"/>
+                </a:solidFill>
+              </a:rPr>
+              <a:t>quest.pickle</a:t>
+            </a:r>
+            <a:r>
+              <a:rPr lang="en-US" altLang="ko-KR" sz="1400" dirty="0">
+                <a:solidFill>
+                  <a:schemeClr val="tx1"/>
+                </a:solidFill>
+              </a:rPr>
+              <a:t> </a:t>
+            </a:r>
+            <a:r>
+              <a:rPr lang="ko-KR" altLang="en-US" sz="1400" dirty="0">
+                <a:solidFill>
+                  <a:schemeClr val="tx1"/>
+                </a:solidFill>
+              </a:rPr>
+              <a:t>파일에는 </a:t>
+            </a:r>
+            <a:r>
+              <a:rPr lang="en-US" altLang="ko-KR" sz="1400" dirty="0">
+                <a:solidFill>
+                  <a:schemeClr val="tx1"/>
+                </a:solidFill>
+              </a:rPr>
+              <a:t>5</a:t>
+            </a:r>
+            <a:r>
+              <a:rPr lang="ko-KR" altLang="en-US" sz="1400" dirty="0">
+                <a:solidFill>
+                  <a:schemeClr val="tx1"/>
+                </a:solidFill>
+              </a:rPr>
+              <a:t>점 만점으로 된 설문조사 결과가 배열로 저장되어 있다</a:t>
+            </a:r>
+            <a:r>
+              <a:rPr lang="en-US" altLang="ko-KR" sz="1400" dirty="0">
+                <a:solidFill>
+                  <a:schemeClr val="tx1"/>
+                </a:solidFill>
+              </a:rPr>
+              <a:t>. </a:t>
+            </a:r>
+            <a:r>
+              <a:rPr lang="ko-KR" altLang="en-US" sz="1400" dirty="0">
+                <a:solidFill>
+                  <a:schemeClr val="tx1"/>
+                </a:solidFill>
+              </a:rPr>
+              <a:t>이 파일을 읽어와서 설문조사 결과 </a:t>
+            </a:r>
+            <a:r>
+              <a:rPr lang="en-US" altLang="ko-KR" sz="1400" dirty="0">
+                <a:solidFill>
+                  <a:schemeClr val="tx1"/>
+                </a:solidFill>
+              </a:rPr>
+              <a:t>5</a:t>
+            </a:r>
+            <a:r>
+              <a:rPr lang="ko-KR" altLang="en-US" sz="1400" dirty="0">
+                <a:solidFill>
+                  <a:schemeClr val="tx1"/>
+                </a:solidFill>
+              </a:rPr>
+              <a:t>점 초과하는 값이 있는지 살펴보고 있을 경우 모두 </a:t>
+            </a:r>
+            <a:r>
+              <a:rPr lang="en-US" altLang="ko-KR" sz="1400" dirty="0">
+                <a:solidFill>
+                  <a:schemeClr val="tx1"/>
+                </a:solidFill>
+              </a:rPr>
+              <a:t>5</a:t>
+            </a:r>
+            <a:r>
+              <a:rPr lang="ko-KR" altLang="en-US" sz="1400" dirty="0">
+                <a:solidFill>
+                  <a:schemeClr val="tx1"/>
+                </a:solidFill>
+              </a:rPr>
+              <a:t>로 변경하여라</a:t>
+            </a:r>
+            <a:r>
+              <a:rPr lang="en-US" altLang="ko-KR" sz="1400" dirty="0">
+                <a:solidFill>
+                  <a:schemeClr val="tx1"/>
+                </a:solidFill>
+              </a:rPr>
+              <a:t>. </a:t>
             </a:r>
           </a:p>
           <a:p>
@@ -32616,7 +33558,7 @@
             </a:pPr>
             <a:r>
               <a:rPr lang="en-US" altLang="ko-KR" dirty="0" err="1"/>
-              <a:t>Ndarray</a:t>
+              <a:t>ndarray</a:t>
             </a:r>
             <a:r>
               <a:rPr lang="en-US" altLang="ko-KR" dirty="0"/>
